--- a/trabajos.inacap.2019/Preparacion y evaluacion de proyecto (PEP)/Visión artificial para el control vehicular .pptx
+++ b/trabajos.inacap.2019/Preparacion y evaluacion de proyecto (PEP)/Visión artificial para el control vehicular .pptx
@@ -6,7 +6,7 @@
     <p:sldMasterId id="2147483662" r:id="rId5"/>
   </p:sldMasterIdLst>
   <p:notesMasterIdLst>
-    <p:notesMasterId r:id="rId18"/>
+    <p:notesMasterId r:id="rId19"/>
   </p:notesMasterIdLst>
   <p:sldIdLst>
     <p:sldId id="256" r:id="rId6"/>
@@ -20,12 +20,13 @@
     <p:sldId id="265" r:id="rId14"/>
     <p:sldId id="269" r:id="rId15"/>
     <p:sldId id="266" r:id="rId16"/>
-    <p:sldId id="273" r:id="rId17"/>
+    <p:sldId id="274" r:id="rId17"/>
+    <p:sldId id="273" r:id="rId18"/>
   </p:sldIdLst>
   <p:sldSz cx="9144000" cy="6858000" type="screen4x3"/>
   <p:notesSz cx="6858000" cy="9144000"/>
   <p:custDataLst>
-    <p:tags r:id="rId19"/>
+    <p:tags r:id="rId20"/>
   </p:custDataLst>
   <p:defaultTextStyle>
     <a:defPPr>
@@ -143,9 +144,7 @@
 
 <file path=ppt/commentAuthors.xml><?xml version="1.0" encoding="utf-8"?>
 <p:cmAuthorLst xmlns:a="http://schemas.openxmlformats.org/drawingml/2006/main" xmlns:r="http://schemas.openxmlformats.org/officeDocument/2006/relationships" xmlns:p="http://schemas.openxmlformats.org/presentationml/2006/main">
-  <p:cmAuthor id="1" name="Jescica Puschel Oyaneder" initials="JPO" lastIdx="2" clrIdx="0">
-    <p:extLst/>
-  </p:cmAuthor>
+  <p:cmAuthor id="1" name="Jescica Puschel Oyaneder" initials="JPO" lastIdx="2" clrIdx="0"/>
   <p:cmAuthor id="2" name="Brenda Aguilar Bastías" initials="BAB" lastIdx="1" clrIdx="1">
     <p:extLst>
       <p:ext uri="{19B8F6BF-5375-455C-9EA6-DF929625EA0E}">
@@ -238,7 +237,7 @@
           <a:p>
             <a:fld id="{DC9DEB02-3FA3-45CA-A207-F6B27ABB3F2A}" type="datetimeFigureOut">
               <a:rPr lang="es-CL" smtClean="0"/>
-              <a:t>10-07-2019</a:t>
+              <a:t>11-07-2019</a:t>
             </a:fld>
             <a:endParaRPr lang="es-CL"/>
           </a:p>
@@ -739,7 +738,7 @@
           <a:p>
             <a:fld id="{31524595-A612-427C-89B0-BCF49485A725}" type="slidenum">
               <a:rPr lang="es-CL" smtClean="0"/>
-              <a:t>12</a:t>
+              <a:t>13</a:t>
             </a:fld>
             <a:endParaRPr lang="es-CL"/>
           </a:p>
@@ -7752,27 +7751,18 @@
       </p:sp>
       <p:pic>
         <p:nvPicPr>
-          <p:cNvPr id="5122" name="Picture 2" descr="Related image">
+          <p:cNvPr id="7" name="Imagen 6">
             <a:extLst>
               <a:ext uri="{FF2B5EF4-FFF2-40B4-BE49-F238E27FC236}">
-                <a16:creationId xmlns:a16="http://schemas.microsoft.com/office/drawing/2014/main" id="{805DD3C0-9425-46CE-A0C3-FCD33998CC9A}"/>
+                <a16:creationId xmlns:a16="http://schemas.microsoft.com/office/drawing/2014/main" id="{97C4B17D-7CA9-4C08-BFA9-8F78FFE6A28B}"/>
               </a:ext>
             </a:extLst>
           </p:cNvPr>
-          <p:cNvPicPr>
-            <a:picLocks noChangeAspect="1" noChangeArrowheads="1"/>
-          </p:cNvPicPr>
+          <p:cNvPicPr/>
           <p:nvPr/>
         </p:nvPicPr>
         <p:blipFill>
           <a:blip r:embed="rId2">
-            <a:duotone>
-              <a:schemeClr val="accent1">
-                <a:shade val="45000"/>
-                <a:satMod val="135000"/>
-              </a:schemeClr>
-              <a:prstClr val="white"/>
-            </a:duotone>
             <a:extLst>
               <a:ext uri="{28A0092B-C50C-407E-A947-70E740481C1C}">
                 <a14:useLocalDpi xmlns:a14="http://schemas.microsoft.com/office/drawing/2010/main" val="0"/>
@@ -7786,22 +7776,13 @@
         </p:blipFill>
         <p:spPr bwMode="auto">
           <a:xfrm>
-            <a:off x="1213282" y="1497368"/>
-            <a:ext cx="6162261" cy="3863264"/>
+            <a:off x="219598" y="916885"/>
+            <a:ext cx="8712368" cy="5375966"/>
           </a:xfrm>
           <a:prstGeom prst="rect">
             <a:avLst/>
           </a:prstGeom>
           <a:noFill/>
-          <a:extLst>
-            <a:ext uri="{909E8E84-426E-40DD-AFC4-6F175D3DCCD1}">
-              <a14:hiddenFill xmlns:a14="http://schemas.microsoft.com/office/drawing/2010/main">
-                <a:solidFill>
-                  <a:srgbClr val="FFFFFF"/>
-                </a:solidFill>
-              </a14:hiddenFill>
-            </a:ext>
-          </a:extLst>
         </p:spPr>
       </p:pic>
     </p:spTree>
@@ -7841,6 +7822,232 @@
             <a:spLocks noGrp="1"/>
           </p:cNvSpPr>
           <p:nvPr>
+            <p:ph type="title"/>
+          </p:nvPr>
+        </p:nvSpPr>
+        <p:spPr>
+          <a:xfrm>
+            <a:off x="259354" y="385487"/>
+            <a:ext cx="4035059" cy="436746"/>
+          </a:xfrm>
+        </p:spPr>
+        <p:txBody>
+          <a:bodyPr/>
+          <a:lstStyle/>
+          <a:p>
+            <a:r>
+              <a:rPr lang="es-CL" sz="2400" b="1" dirty="0">
+                <a:solidFill>
+                  <a:srgbClr val="E30513"/>
+                </a:solidFill>
+                <a:latin typeface="+mn-lt"/>
+              </a:rPr>
+              <a:t>Factibilidad Económica</a:t>
+            </a:r>
+          </a:p>
+        </p:txBody>
+      </p:sp>
+      <p:sp>
+        <p:nvSpPr>
+          <p:cNvPr id="3" name="Marcador de número de diapositiva 2"/>
+          <p:cNvSpPr>
+            <a:spLocks noGrp="1"/>
+          </p:cNvSpPr>
+          <p:nvPr>
+            <p:ph type="sldNum" sz="quarter" idx="12"/>
+          </p:nvPr>
+        </p:nvSpPr>
+        <p:spPr/>
+        <p:txBody>
+          <a:bodyPr/>
+          <a:lstStyle/>
+          <a:p>
+            <a:fld id="{C0F9E0D3-51B3-8D47-9FA0-6C6BA96BAD74}" type="slidenum">
+              <a:rPr lang="es-ES" smtClean="0"/>
+              <a:t>12</a:t>
+            </a:fld>
+            <a:endParaRPr lang="es-ES"/>
+          </a:p>
+        </p:txBody>
+      </p:sp>
+      <p:sp>
+        <p:nvSpPr>
+          <p:cNvPr id="6" name="Marcador de pie de página 3">
+            <a:extLst>
+              <a:ext uri="{FF2B5EF4-FFF2-40B4-BE49-F238E27FC236}">
+                <a16:creationId xmlns:a16="http://schemas.microsoft.com/office/drawing/2014/main" id="{251EB1A6-AEC5-43FE-AF85-BEA932E7637C}"/>
+              </a:ext>
+            </a:extLst>
+          </p:cNvPr>
+          <p:cNvSpPr>
+            <a:spLocks noGrp="1"/>
+          </p:cNvSpPr>
+          <p:nvPr>
+            <p:ph type="ftr" sz="quarter" idx="11"/>
+          </p:nvPr>
+        </p:nvSpPr>
+        <p:spPr>
+          <a:xfrm>
+            <a:off x="1470991" y="6292851"/>
+            <a:ext cx="6162261" cy="215900"/>
+          </a:xfrm>
+        </p:spPr>
+        <p:txBody>
+          <a:bodyPr/>
+          <a:lstStyle/>
+          <a:p>
+            <a:r>
+              <a:rPr lang="es-ES" dirty="0"/>
+              <a:t>Felipe Inda – Yerko Fuentes</a:t>
+            </a:r>
+          </a:p>
+        </p:txBody>
+      </p:sp>
+      <p:pic>
+        <p:nvPicPr>
+          <p:cNvPr id="8" name="Imagen 7">
+            <a:extLst>
+              <a:ext uri="{FF2B5EF4-FFF2-40B4-BE49-F238E27FC236}">
+                <a16:creationId xmlns:a16="http://schemas.microsoft.com/office/drawing/2014/main" id="{26DCD94A-43B1-4A80-B00C-46F3E853B25F}"/>
+              </a:ext>
+            </a:extLst>
+          </p:cNvPr>
+          <p:cNvPicPr/>
+          <p:nvPr/>
+        </p:nvPicPr>
+        <p:blipFill>
+          <a:blip r:embed="rId2">
+            <a:extLst>
+              <a:ext uri="{28A0092B-C50C-407E-A947-70E740481C1C}">
+                <a14:useLocalDpi xmlns:a14="http://schemas.microsoft.com/office/drawing/2010/main" val="0"/>
+              </a:ext>
+            </a:extLst>
+          </a:blip>
+          <a:srcRect/>
+          <a:stretch>
+            <a:fillRect/>
+          </a:stretch>
+        </p:blipFill>
+        <p:spPr bwMode="auto">
+          <a:xfrm>
+            <a:off x="259354" y="822233"/>
+            <a:ext cx="8625292" cy="1748689"/>
+          </a:xfrm>
+          <a:prstGeom prst="rect">
+            <a:avLst/>
+          </a:prstGeom>
+          <a:noFill/>
+        </p:spPr>
+      </p:pic>
+      <p:pic>
+        <p:nvPicPr>
+          <p:cNvPr id="9" name="Imagen 8">
+            <a:extLst>
+              <a:ext uri="{FF2B5EF4-FFF2-40B4-BE49-F238E27FC236}">
+                <a16:creationId xmlns:a16="http://schemas.microsoft.com/office/drawing/2014/main" id="{BE3CD47B-ACDD-4D0A-8426-D27E9B3D7173}"/>
+              </a:ext>
+            </a:extLst>
+          </p:cNvPr>
+          <p:cNvPicPr/>
+          <p:nvPr/>
+        </p:nvPicPr>
+        <p:blipFill>
+          <a:blip r:embed="rId2">
+            <a:extLst>
+              <a:ext uri="{28A0092B-C50C-407E-A947-70E740481C1C}">
+                <a14:useLocalDpi xmlns:a14="http://schemas.microsoft.com/office/drawing/2010/main" val="0"/>
+              </a:ext>
+            </a:extLst>
+          </a:blip>
+          <a:srcRect/>
+          <a:stretch>
+            <a:fillRect/>
+          </a:stretch>
+        </p:blipFill>
+        <p:spPr bwMode="auto">
+          <a:xfrm>
+            <a:off x="259354" y="2950611"/>
+            <a:ext cx="8625292" cy="1748689"/>
+          </a:xfrm>
+          <a:prstGeom prst="rect">
+            <a:avLst/>
+          </a:prstGeom>
+          <a:noFill/>
+        </p:spPr>
+      </p:pic>
+      <p:pic>
+        <p:nvPicPr>
+          <p:cNvPr id="10" name="Imagen 9">
+            <a:extLst>
+              <a:ext uri="{FF2B5EF4-FFF2-40B4-BE49-F238E27FC236}">
+                <a16:creationId xmlns:a16="http://schemas.microsoft.com/office/drawing/2014/main" id="{202F5A0A-FBCC-4D3B-B47D-8B470A9374DF}"/>
+              </a:ext>
+            </a:extLst>
+          </p:cNvPr>
+          <p:cNvPicPr/>
+          <p:nvPr/>
+        </p:nvPicPr>
+        <p:blipFill>
+          <a:blip r:embed="rId3">
+            <a:extLst>
+              <a:ext uri="{28A0092B-C50C-407E-A947-70E740481C1C}">
+                <a14:useLocalDpi xmlns:a14="http://schemas.microsoft.com/office/drawing/2010/main" val="0"/>
+              </a:ext>
+            </a:extLst>
+          </a:blip>
+          <a:srcRect/>
+          <a:stretch>
+            <a:fillRect/>
+          </a:stretch>
+        </p:blipFill>
+        <p:spPr bwMode="auto">
+          <a:xfrm>
+            <a:off x="259353" y="5078989"/>
+            <a:ext cx="8625291" cy="1213862"/>
+          </a:xfrm>
+          <a:prstGeom prst="rect">
+            <a:avLst/>
+          </a:prstGeom>
+          <a:noFill/>
+        </p:spPr>
+      </p:pic>
+    </p:spTree>
+    <p:extLst>
+      <p:ext uri="{BB962C8B-B14F-4D97-AF65-F5344CB8AC3E}">
+        <p14:creationId xmlns:p14="http://schemas.microsoft.com/office/powerpoint/2010/main" val="3577316783"/>
+      </p:ext>
+    </p:extLst>
+  </p:cSld>
+  <p:clrMapOvr>
+    <a:masterClrMapping/>
+  </p:clrMapOvr>
+</p:sld>
+</file>
+
+<file path=ppt/slides/slide13.xml><?xml version="1.0" encoding="utf-8"?>
+<p:sld xmlns:a="http://schemas.openxmlformats.org/drawingml/2006/main" xmlns:r="http://schemas.openxmlformats.org/officeDocument/2006/relationships" xmlns:p="http://schemas.openxmlformats.org/presentationml/2006/main">
+  <p:cSld>
+    <p:spTree>
+      <p:nvGrpSpPr>
+        <p:cNvPr id="1" name=""/>
+        <p:cNvGrpSpPr/>
+        <p:nvPr/>
+      </p:nvGrpSpPr>
+      <p:grpSpPr>
+        <a:xfrm>
+          <a:off x="0" y="0"/>
+          <a:ext cx="0" cy="0"/>
+          <a:chOff x="0" y="0"/>
+          <a:chExt cx="0" cy="0"/>
+        </a:xfrm>
+      </p:grpSpPr>
+      <p:sp>
+        <p:nvSpPr>
+          <p:cNvPr id="2" name="Título 1"/>
+          <p:cNvSpPr>
+            <a:spLocks noGrp="1"/>
+          </p:cNvSpPr>
+          <p:nvPr>
             <p:ph type="ctrTitle"/>
           </p:nvPr>
         </p:nvSpPr>
@@ -9625,36 +9832,6 @@
       </p:pic>
       <p:pic>
         <p:nvPicPr>
-          <p:cNvPr id="10" name="Imagen 9">
-            <a:extLst>
-              <a:ext uri="{FF2B5EF4-FFF2-40B4-BE49-F238E27FC236}">
-                <a16:creationId xmlns:a16="http://schemas.microsoft.com/office/drawing/2014/main" id="{8A8E1D79-F0D8-4D36-B9F5-F2A85360C679}"/>
-              </a:ext>
-            </a:extLst>
-          </p:cNvPr>
-          <p:cNvPicPr>
-            <a:picLocks noChangeAspect="1"/>
-          </p:cNvPicPr>
-          <p:nvPr/>
-        </p:nvPicPr>
-        <p:blipFill>
-          <a:blip r:embed="rId3"/>
-          <a:stretch>
-            <a:fillRect/>
-          </a:stretch>
-        </p:blipFill>
-        <p:spPr>
-          <a:xfrm>
-            <a:off x="3416062" y="1468673"/>
-            <a:ext cx="4194464" cy="2359386"/>
-          </a:xfrm>
-          <a:prstGeom prst="rect">
-            <a:avLst/>
-          </a:prstGeom>
-        </p:spPr>
-      </p:pic>
-      <p:pic>
-        <p:nvPicPr>
           <p:cNvPr id="11" name="Imagen 10">
             <a:extLst>
               <a:ext uri="{FF2B5EF4-FFF2-40B4-BE49-F238E27FC236}">
@@ -9668,7 +9845,7 @@
           <p:nvPr/>
         </p:nvPicPr>
         <p:blipFill>
-          <a:blip r:embed="rId4"/>
+          <a:blip r:embed="rId3"/>
           <a:stretch>
             <a:fillRect/>
           </a:stretch>
@@ -9698,7 +9875,7 @@
           <p:nvPr/>
         </p:nvPicPr>
         <p:blipFill>
-          <a:blip r:embed="rId5">
+          <a:blip r:embed="rId4">
             <a:extLst>
               <a:ext uri="{28A0092B-C50C-407E-A947-70E740481C1C}">
                 <a14:useLocalDpi xmlns:a14="http://schemas.microsoft.com/office/drawing/2010/main" val="0"/>
@@ -9728,6 +9905,65 @@
               </a14:hiddenFill>
             </a:ext>
           </a:extLst>
+        </p:spPr>
+      </p:pic>
+      <p:pic>
+        <p:nvPicPr>
+          <p:cNvPr id="3" name="Imagen 2">
+            <a:extLst>
+              <a:ext uri="{FF2B5EF4-FFF2-40B4-BE49-F238E27FC236}">
+                <a16:creationId xmlns:a16="http://schemas.microsoft.com/office/drawing/2014/main" id="{55C6CB07-EE60-4942-8479-16009CE7C487}"/>
+              </a:ext>
+            </a:extLst>
+          </p:cNvPr>
+          <p:cNvPicPr>
+            <a:picLocks noChangeAspect="1"/>
+          </p:cNvPicPr>
+          <p:nvPr/>
+        </p:nvPicPr>
+        <p:blipFill>
+          <a:blip r:embed="rId5"/>
+          <a:stretch>
+            <a:fillRect/>
+          </a:stretch>
+        </p:blipFill>
+        <p:spPr>
+          <a:xfrm>
+            <a:off x="6433070" y="2742523"/>
+            <a:ext cx="2710930" cy="2394233"/>
+          </a:xfrm>
+          <a:prstGeom prst="rect">
+            <a:avLst/>
+          </a:prstGeom>
+        </p:spPr>
+      </p:pic>
+      <p:pic>
+        <p:nvPicPr>
+          <p:cNvPr id="10" name="Imagen 9">
+            <a:extLst>
+              <a:ext uri="{FF2B5EF4-FFF2-40B4-BE49-F238E27FC236}">
+                <a16:creationId xmlns:a16="http://schemas.microsoft.com/office/drawing/2014/main" id="{8A8E1D79-F0D8-4D36-B9F5-F2A85360C679}"/>
+              </a:ext>
+            </a:extLst>
+          </p:cNvPr>
+          <p:cNvPicPr>
+            <a:picLocks noChangeAspect="1"/>
+          </p:cNvPicPr>
+          <p:nvPr/>
+        </p:nvPicPr>
+        <p:blipFill rotWithShape="1">
+          <a:blip r:embed="rId6"/>
+          <a:srcRect l="7238" r="9567"/>
+          <a:stretch/>
+        </p:blipFill>
+        <p:spPr>
+          <a:xfrm>
+            <a:off x="3377226" y="1468673"/>
+            <a:ext cx="3489541" cy="2359386"/>
+          </a:xfrm>
+          <a:prstGeom prst="rect">
+            <a:avLst/>
+          </a:prstGeom>
         </p:spPr>
       </p:pic>
     </p:spTree>
@@ -11052,12 +11288,6 @@
 </file>
 
 <file path=customXml/item2.xml><?xml version="1.0" encoding="utf-8"?>
-<p:properties xmlns:p="http://schemas.microsoft.com/office/2006/metadata/properties" xmlns:xsi="http://www.w3.org/2001/XMLSchema-instance" xmlns:pc="http://schemas.microsoft.com/office/infopath/2007/PartnerControls">
-  <documentManagement/>
-</p:properties>
-</file>
-
-<file path=customXml/item3.xml><?xml version="1.0" encoding="utf-8"?>
 <ct:contentTypeSchema xmlns:ct="http://schemas.microsoft.com/office/2006/metadata/contentType" xmlns:ma="http://schemas.microsoft.com/office/2006/metadata/properties/metaAttributes" ct:_="" ma:_="" ma:contentTypeName="Documento" ma:contentTypeID="0x0101000F4758918AE592448477A0AA5DA5229B" ma:contentTypeVersion="0" ma:contentTypeDescription="Crear nuevo documento." ma:contentTypeScope="" ma:versionID="4712974915117db248daa0568bea06ff">
   <xsd:schema xmlns:xsd="http://www.w3.org/2001/XMLSchema" xmlns:xs="http://www.w3.org/2001/XMLSchema" xmlns:p="http://schemas.microsoft.com/office/2006/metadata/properties" targetNamespace="http://schemas.microsoft.com/office/2006/metadata/properties" ma:root="true" ma:fieldsID="3f6edc329ff236629c56e3b879b320d0">
     <xsd:element name="properties">
@@ -11171,6 +11401,12 @@
 </ct:contentTypeSchema>
 </file>
 
+<file path=customXml/item3.xml><?xml version="1.0" encoding="utf-8"?>
+<p:properties xmlns:p="http://schemas.microsoft.com/office/2006/metadata/properties" xmlns:xsi="http://www.w3.org/2001/XMLSchema-instance" xmlns:pc="http://schemas.microsoft.com/office/infopath/2007/PartnerControls">
+  <documentManagement/>
+</p:properties>
+</file>
+
 <file path=customXml/itemProps1.xml><?xml version="1.0" encoding="utf-8"?>
 <ds:datastoreItem xmlns:ds="http://schemas.openxmlformats.org/officeDocument/2006/customXml" ds:itemID="{AF2F9DA8-E6EE-4A55-B1BF-8F222A7179D9}">
   <ds:schemaRefs>
@@ -11180,15 +11416,6 @@
 </file>
 
 <file path=customXml/itemProps2.xml><?xml version="1.0" encoding="utf-8"?>
-<ds:datastoreItem xmlns:ds="http://schemas.openxmlformats.org/officeDocument/2006/customXml" ds:itemID="{17BC7EFF-F6A5-46A1-B973-BC543C86928B}">
-  <ds:schemaRefs>
-    <ds:schemaRef ds:uri="http://schemas.microsoft.com/office/2006/metadata/properties"/>
-    <ds:schemaRef ds:uri="http://schemas.microsoft.com/office/infopath/2007/PartnerControls"/>
-  </ds:schemaRefs>
-</ds:datastoreItem>
-</file>
-
-<file path=customXml/itemProps3.xml><?xml version="1.0" encoding="utf-8"?>
 <ds:datastoreItem xmlns:ds="http://schemas.openxmlformats.org/officeDocument/2006/customXml" ds:itemID="{7ACA9EC1-A498-469E-9FAB-CE090C2E0E75}">
   <ds:schemaRefs>
     <ds:schemaRef ds:uri="http://schemas.microsoft.com/office/2006/metadata/contentType"/>
@@ -11202,4 +11429,13 @@
     <ds:schemaRef ds:uri="http://schemas.microsoft.com/office/infopath/2007/PartnerControls"/>
   </ds:schemaRefs>
 </ds:datastoreItem>
+</file>
+
+<file path=customXml/itemProps3.xml><?xml version="1.0" encoding="utf-8"?>
+<ds:datastoreItem xmlns:ds="http://schemas.openxmlformats.org/officeDocument/2006/customXml" ds:itemID="{17BC7EFF-F6A5-46A1-B973-BC543C86928B}">
+  <ds:schemaRefs>
+    <ds:schemaRef ds:uri="http://schemas.microsoft.com/office/2006/metadata/properties"/>
+    <ds:schemaRef ds:uri="http://schemas.microsoft.com/office/infopath/2007/PartnerControls"/>
+  </ds:schemaRefs>
+</ds:datastoreItem>
 </file>
--- a/trabajos.inacap.2019/Preparacion y evaluacion de proyecto (PEP)/Visión artificial para el control vehicular .pptx
+++ b/trabajos.inacap.2019/Preparacion y evaluacion de proyecto (PEP)/Visión artificial para el control vehicular .pptx
@@ -9395,36 +9395,6 @@
           </a:p>
         </p:txBody>
       </p:sp>
-      <p:pic>
-        <p:nvPicPr>
-          <p:cNvPr id="4" name="Imagen 3">
-            <a:extLst>
-              <a:ext uri="{FF2B5EF4-FFF2-40B4-BE49-F238E27FC236}">
-                <a16:creationId xmlns:a16="http://schemas.microsoft.com/office/drawing/2014/main" id="{A13F57C1-6B2F-4CE7-BA8F-82F7B52DA115}"/>
-              </a:ext>
-            </a:extLst>
-          </p:cNvPr>
-          <p:cNvPicPr>
-            <a:picLocks noChangeAspect="1"/>
-          </p:cNvPicPr>
-          <p:nvPr/>
-        </p:nvPicPr>
-        <p:blipFill>
-          <a:blip r:embed="rId2"/>
-          <a:stretch>
-            <a:fillRect/>
-          </a:stretch>
-        </p:blipFill>
-        <p:spPr>
-          <a:xfrm>
-            <a:off x="1108184" y="1107069"/>
-            <a:ext cx="6887874" cy="4643861"/>
-          </a:xfrm>
-          <a:prstGeom prst="rect">
-            <a:avLst/>
-          </a:prstGeom>
-        </p:spPr>
-      </p:pic>
       <p:sp>
         <p:nvSpPr>
           <p:cNvPr id="7" name="Rectángulo 6">
@@ -9460,6 +9430,34 @@
           </a:p>
         </p:txBody>
       </p:sp>
+      <p:pic>
+        <p:nvPicPr>
+          <p:cNvPr id="8" name="Imagen 7">
+            <a:extLst>
+              <a:ext uri="{FF2B5EF4-FFF2-40B4-BE49-F238E27FC236}">
+                <a16:creationId xmlns:a16="http://schemas.microsoft.com/office/drawing/2014/main" id="{8E768729-2B6B-4046-926D-54B989F3F1BA}"/>
+              </a:ext>
+            </a:extLst>
+          </p:cNvPr>
+          <p:cNvPicPr/>
+          <p:nvPr/>
+        </p:nvPicPr>
+        <p:blipFill>
+          <a:blip r:embed="rId2"/>
+          <a:stretch>
+            <a:fillRect/>
+          </a:stretch>
+        </p:blipFill>
+        <p:spPr>
+          <a:xfrm>
+            <a:off x="259354" y="1351915"/>
+            <a:ext cx="8611181" cy="4940936"/>
+          </a:xfrm>
+          <a:prstGeom prst="rect">
+            <a:avLst/>
+          </a:prstGeom>
+        </p:spPr>
+      </p:pic>
     </p:spTree>
     <p:extLst>
       <p:ext uri="{BB962C8B-B14F-4D97-AF65-F5344CB8AC3E}">
@@ -11288,6 +11286,12 @@
 </file>
 
 <file path=customXml/item2.xml><?xml version="1.0" encoding="utf-8"?>
+<p:properties xmlns:p="http://schemas.microsoft.com/office/2006/metadata/properties" xmlns:xsi="http://www.w3.org/2001/XMLSchema-instance" xmlns:pc="http://schemas.microsoft.com/office/infopath/2007/PartnerControls">
+  <documentManagement/>
+</p:properties>
+</file>
+
+<file path=customXml/item3.xml><?xml version="1.0" encoding="utf-8"?>
 <ct:contentTypeSchema xmlns:ct="http://schemas.microsoft.com/office/2006/metadata/contentType" xmlns:ma="http://schemas.microsoft.com/office/2006/metadata/properties/metaAttributes" ct:_="" ma:_="" ma:contentTypeName="Documento" ma:contentTypeID="0x0101000F4758918AE592448477A0AA5DA5229B" ma:contentTypeVersion="0" ma:contentTypeDescription="Crear nuevo documento." ma:contentTypeScope="" ma:versionID="4712974915117db248daa0568bea06ff">
   <xsd:schema xmlns:xsd="http://www.w3.org/2001/XMLSchema" xmlns:xs="http://www.w3.org/2001/XMLSchema" xmlns:p="http://schemas.microsoft.com/office/2006/metadata/properties" targetNamespace="http://schemas.microsoft.com/office/2006/metadata/properties" ma:root="true" ma:fieldsID="3f6edc329ff236629c56e3b879b320d0">
     <xsd:element name="properties">
@@ -11401,12 +11405,6 @@
 </ct:contentTypeSchema>
 </file>
 
-<file path=customXml/item3.xml><?xml version="1.0" encoding="utf-8"?>
-<p:properties xmlns:p="http://schemas.microsoft.com/office/2006/metadata/properties" xmlns:xsi="http://www.w3.org/2001/XMLSchema-instance" xmlns:pc="http://schemas.microsoft.com/office/infopath/2007/PartnerControls">
-  <documentManagement/>
-</p:properties>
-</file>
-
 <file path=customXml/itemProps1.xml><?xml version="1.0" encoding="utf-8"?>
 <ds:datastoreItem xmlns:ds="http://schemas.openxmlformats.org/officeDocument/2006/customXml" ds:itemID="{AF2F9DA8-E6EE-4A55-B1BF-8F222A7179D9}">
   <ds:schemaRefs>
@@ -11416,6 +11414,15 @@
 </file>
 
 <file path=customXml/itemProps2.xml><?xml version="1.0" encoding="utf-8"?>
+<ds:datastoreItem xmlns:ds="http://schemas.openxmlformats.org/officeDocument/2006/customXml" ds:itemID="{17BC7EFF-F6A5-46A1-B973-BC543C86928B}">
+  <ds:schemaRefs>
+    <ds:schemaRef ds:uri="http://schemas.microsoft.com/office/2006/metadata/properties"/>
+    <ds:schemaRef ds:uri="http://schemas.microsoft.com/office/infopath/2007/PartnerControls"/>
+  </ds:schemaRefs>
+</ds:datastoreItem>
+</file>
+
+<file path=customXml/itemProps3.xml><?xml version="1.0" encoding="utf-8"?>
 <ds:datastoreItem xmlns:ds="http://schemas.openxmlformats.org/officeDocument/2006/customXml" ds:itemID="{7ACA9EC1-A498-469E-9FAB-CE090C2E0E75}">
   <ds:schemaRefs>
     <ds:schemaRef ds:uri="http://schemas.microsoft.com/office/2006/metadata/contentType"/>
@@ -11429,13 +11436,4 @@
     <ds:schemaRef ds:uri="http://schemas.microsoft.com/office/infopath/2007/PartnerControls"/>
   </ds:schemaRefs>
 </ds:datastoreItem>
-</file>
-
-<file path=customXml/itemProps3.xml><?xml version="1.0" encoding="utf-8"?>
-<ds:datastoreItem xmlns:ds="http://schemas.openxmlformats.org/officeDocument/2006/customXml" ds:itemID="{17BC7EFF-F6A5-46A1-B973-BC543C86928B}">
-  <ds:schemaRefs>
-    <ds:schemaRef ds:uri="http://schemas.microsoft.com/office/2006/metadata/properties"/>
-    <ds:schemaRef ds:uri="http://schemas.microsoft.com/office/infopath/2007/PartnerControls"/>
-  </ds:schemaRefs>
-</ds:datastoreItem>
 </file>
--- a/trabajos.inacap.2019/Preparacion y evaluacion de proyecto (PEP)/Visión artificial para el control vehicular .pptx
+++ b/trabajos.inacap.2019/Preparacion y evaluacion de proyecto (PEP)/Visión artificial para el control vehicular .pptx
@@ -6,27 +6,29 @@
     <p:sldMasterId id="2147483662" r:id="rId5"/>
   </p:sldMasterIdLst>
   <p:notesMasterIdLst>
-    <p:notesMasterId r:id="rId19"/>
+    <p:notesMasterId r:id="rId21"/>
   </p:notesMasterIdLst>
   <p:sldIdLst>
     <p:sldId id="256" r:id="rId6"/>
     <p:sldId id="262" r:id="rId7"/>
     <p:sldId id="263" r:id="rId8"/>
     <p:sldId id="264" r:id="rId9"/>
-    <p:sldId id="270" r:id="rId10"/>
-    <p:sldId id="271" r:id="rId11"/>
-    <p:sldId id="267" r:id="rId12"/>
-    <p:sldId id="272" r:id="rId13"/>
-    <p:sldId id="265" r:id="rId14"/>
-    <p:sldId id="269" r:id="rId15"/>
-    <p:sldId id="266" r:id="rId16"/>
-    <p:sldId id="274" r:id="rId17"/>
-    <p:sldId id="273" r:id="rId18"/>
+    <p:sldId id="275" r:id="rId10"/>
+    <p:sldId id="270" r:id="rId11"/>
+    <p:sldId id="271" r:id="rId12"/>
+    <p:sldId id="267" r:id="rId13"/>
+    <p:sldId id="272" r:id="rId14"/>
+    <p:sldId id="265" r:id="rId15"/>
+    <p:sldId id="276" r:id="rId16"/>
+    <p:sldId id="269" r:id="rId17"/>
+    <p:sldId id="266" r:id="rId18"/>
+    <p:sldId id="274" r:id="rId19"/>
+    <p:sldId id="277" r:id="rId20"/>
   </p:sldIdLst>
   <p:sldSz cx="9144000" cy="6858000" type="screen4x3"/>
   <p:notesSz cx="6858000" cy="9144000"/>
   <p:custDataLst>
-    <p:tags r:id="rId20"/>
+    <p:tags r:id="rId22"/>
   </p:custDataLst>
   <p:defaultTextStyle>
     <a:defPPr>
@@ -738,7 +740,7 @@
           <a:p>
             <a:fld id="{31524595-A612-427C-89B0-BCF49485A725}" type="slidenum">
               <a:rPr lang="es-CL" smtClean="0"/>
-              <a:t>13</a:t>
+              <a:t>15</a:t>
             </a:fld>
             <a:endParaRPr lang="es-CL"/>
           </a:p>
@@ -747,7 +749,7 @@
     </p:spTree>
     <p:extLst>
       <p:ext uri="{BB962C8B-B14F-4D97-AF65-F5344CB8AC3E}">
-        <p14:creationId xmlns:p14="http://schemas.microsoft.com/office/powerpoint/2010/main" val="2037505529"/>
+        <p14:creationId xmlns:p14="http://schemas.microsoft.com/office/powerpoint/2010/main" val="1016578452"/>
       </p:ext>
     </p:extLst>
   </p:cSld>
@@ -943,6 +945,18 @@
   <p:clrMapOvr>
     <a:masterClrMapping/>
   </p:clrMapOvr>
+  <mc:AlternateContent xmlns:mc="http://schemas.openxmlformats.org/markup-compatibility/2006">
+    <mc:Choice xmlns:p15="http://schemas.microsoft.com/office/powerpoint/2012/main" Requires="p15">
+      <p:transition xmlns:p14="http://schemas.microsoft.com/office/powerpoint/2010/main" spd="slow" p14:dur="3250">
+        <p15:prstTrans prst="origami" invX="1"/>
+      </p:transition>
+    </mc:Choice>
+    <mc:Fallback>
+      <p:transition spd="slow">
+        <p:fade/>
+      </p:transition>
+    </mc:Fallback>
+  </mc:AlternateContent>
 </p:sldLayout>
 </file>
 
@@ -1198,6 +1212,18 @@
   <p:clrMapOvr>
     <a:masterClrMapping/>
   </p:clrMapOvr>
+  <mc:AlternateContent xmlns:mc="http://schemas.openxmlformats.org/markup-compatibility/2006">
+    <mc:Choice xmlns:p15="http://schemas.microsoft.com/office/powerpoint/2012/main" Requires="p15">
+      <p:transition xmlns:p14="http://schemas.microsoft.com/office/powerpoint/2010/main" spd="slow" p14:dur="3250">
+        <p15:prstTrans prst="origami" invX="1"/>
+      </p:transition>
+    </mc:Choice>
+    <mc:Fallback>
+      <p:transition spd="slow">
+        <p:fade/>
+      </p:transition>
+    </mc:Fallback>
+  </mc:AlternateContent>
 </p:sldLayout>
 </file>
 
@@ -1366,6 +1392,18 @@
   <p:clrMapOvr>
     <a:masterClrMapping/>
   </p:clrMapOvr>
+  <mc:AlternateContent xmlns:mc="http://schemas.openxmlformats.org/markup-compatibility/2006">
+    <mc:Choice xmlns:p15="http://schemas.microsoft.com/office/powerpoint/2012/main" Requires="p15">
+      <p:transition xmlns:p14="http://schemas.microsoft.com/office/powerpoint/2010/main" spd="slow" p14:dur="3250">
+        <p15:prstTrans prst="origami" invX="1"/>
+      </p:transition>
+    </mc:Choice>
+    <mc:Fallback>
+      <p:transition spd="slow">
+        <p:fade/>
+      </p:transition>
+    </mc:Fallback>
+  </mc:AlternateContent>
 </p:sldLayout>
 </file>
 
@@ -1544,6 +1582,18 @@
   <p:clrMapOvr>
     <a:masterClrMapping/>
   </p:clrMapOvr>
+  <mc:AlternateContent xmlns:mc="http://schemas.openxmlformats.org/markup-compatibility/2006">
+    <mc:Choice xmlns:p15="http://schemas.microsoft.com/office/powerpoint/2012/main" Requires="p15">
+      <p:transition xmlns:p14="http://schemas.microsoft.com/office/powerpoint/2010/main" spd="slow" p14:dur="3250">
+        <p15:prstTrans prst="origami" invX="1"/>
+      </p:transition>
+    </mc:Choice>
+    <mc:Fallback>
+      <p:transition spd="slow">
+        <p:fade/>
+      </p:transition>
+    </mc:Fallback>
+  </mc:AlternateContent>
 </p:sldLayout>
 </file>
 
@@ -1774,6 +1824,18 @@
   <p:clrMapOvr>
     <a:masterClrMapping/>
   </p:clrMapOvr>
+  <mc:AlternateContent xmlns:mc="http://schemas.openxmlformats.org/markup-compatibility/2006">
+    <mc:Choice xmlns:p15="http://schemas.microsoft.com/office/powerpoint/2012/main" Requires="p15">
+      <p:transition xmlns:p14="http://schemas.microsoft.com/office/powerpoint/2010/main" spd="slow" p14:dur="3250">
+        <p15:prstTrans prst="origami" invX="1"/>
+      </p:transition>
+    </mc:Choice>
+    <mc:Fallback>
+      <p:transition spd="slow">
+        <p:fade/>
+      </p:transition>
+    </mc:Fallback>
+  </mc:AlternateContent>
 </p:sldLayout>
 </file>
 
@@ -1896,6 +1958,18 @@
   <p:clrMapOvr>
     <a:masterClrMapping/>
   </p:clrMapOvr>
+  <mc:AlternateContent xmlns:mc="http://schemas.openxmlformats.org/markup-compatibility/2006">
+    <mc:Choice xmlns:p15="http://schemas.microsoft.com/office/powerpoint/2012/main" Requires="p15">
+      <p:transition xmlns:p14="http://schemas.microsoft.com/office/powerpoint/2010/main" spd="slow" p14:dur="3250">
+        <p15:prstTrans prst="origami" invX="1"/>
+      </p:transition>
+    </mc:Choice>
+    <mc:Fallback>
+      <p:transition spd="slow">
+        <p:fade/>
+      </p:transition>
+    </mc:Fallback>
+  </mc:AlternateContent>
 </p:sldLayout>
 </file>
 
@@ -2112,6 +2186,18 @@
   <p:clrMapOvr>
     <a:masterClrMapping/>
   </p:clrMapOvr>
+  <mc:AlternateContent xmlns:mc="http://schemas.openxmlformats.org/markup-compatibility/2006">
+    <mc:Choice xmlns:p15="http://schemas.microsoft.com/office/powerpoint/2012/main" Requires="p15">
+      <p:transition xmlns:p14="http://schemas.microsoft.com/office/powerpoint/2010/main" spd="slow" p14:dur="3250">
+        <p15:prstTrans prst="origami" invX="1"/>
+      </p:transition>
+    </mc:Choice>
+    <mc:Fallback>
+      <p:transition spd="slow">
+        <p:fade/>
+      </p:transition>
+    </mc:Fallback>
+  </mc:AlternateContent>
 </p:sldLayout>
 </file>
 
@@ -2322,6 +2408,18 @@
   <p:clrMapOvr>
     <a:masterClrMapping/>
   </p:clrMapOvr>
+  <mc:AlternateContent xmlns:mc="http://schemas.openxmlformats.org/markup-compatibility/2006">
+    <mc:Choice xmlns:p15="http://schemas.microsoft.com/office/powerpoint/2012/main" Requires="p15">
+      <p:transition xmlns:p14="http://schemas.microsoft.com/office/powerpoint/2010/main" spd="slow" p14:dur="3250">
+        <p15:prstTrans prst="origami" invX="1"/>
+      </p:transition>
+    </mc:Choice>
+    <mc:Fallback>
+      <p:transition spd="slow">
+        <p:fade/>
+      </p:transition>
+    </mc:Fallback>
+  </mc:AlternateContent>
 </p:sldLayout>
 </file>
 
@@ -2611,6 +2709,18 @@
   <p:clrMapOvr>
     <a:masterClrMapping/>
   </p:clrMapOvr>
+  <mc:AlternateContent xmlns:mc="http://schemas.openxmlformats.org/markup-compatibility/2006">
+    <mc:Choice xmlns:p15="http://schemas.microsoft.com/office/powerpoint/2012/main" Requires="p15">
+      <p:transition xmlns:p14="http://schemas.microsoft.com/office/powerpoint/2010/main" spd="slow" p14:dur="3250">
+        <p15:prstTrans prst="origami" invX="1"/>
+      </p:transition>
+    </mc:Choice>
+    <mc:Fallback>
+      <p:transition spd="slow">
+        <p:fade/>
+      </p:transition>
+    </mc:Fallback>
+  </mc:AlternateContent>
 </p:sldLayout>
 </file>
 
@@ -3039,6 +3149,18 @@
   <p:clrMapOvr>
     <a:masterClrMapping/>
   </p:clrMapOvr>
+  <mc:AlternateContent xmlns:mc="http://schemas.openxmlformats.org/markup-compatibility/2006">
+    <mc:Choice xmlns:p15="http://schemas.microsoft.com/office/powerpoint/2012/main" Requires="p15">
+      <p:transition xmlns:p14="http://schemas.microsoft.com/office/powerpoint/2010/main" spd="slow" p14:dur="3250">
+        <p15:prstTrans prst="origami" invX="1"/>
+      </p:transition>
+    </mc:Choice>
+    <mc:Fallback>
+      <p:transition spd="slow">
+        <p:fade/>
+      </p:transition>
+    </mc:Fallback>
+  </mc:AlternateContent>
 </p:sldLayout>
 </file>
 
@@ -3156,6 +3278,18 @@
   <p:clrMapOvr>
     <a:masterClrMapping/>
   </p:clrMapOvr>
+  <mc:AlternateContent xmlns:mc="http://schemas.openxmlformats.org/markup-compatibility/2006">
+    <mc:Choice xmlns:p15="http://schemas.microsoft.com/office/powerpoint/2012/main" Requires="p15">
+      <p:transition xmlns:p14="http://schemas.microsoft.com/office/powerpoint/2010/main" spd="slow" p14:dur="3250">
+        <p15:prstTrans prst="origami" invX="1"/>
+      </p:transition>
+    </mc:Choice>
+    <mc:Fallback>
+      <p:transition spd="slow">
+        <p:fade/>
+      </p:transition>
+    </mc:Fallback>
+  </mc:AlternateContent>
 </p:sldLayout>
 </file>
 
@@ -3283,6 +3417,18 @@
   <p:clrMapOvr>
     <a:masterClrMapping/>
   </p:clrMapOvr>
+  <mc:AlternateContent xmlns:mc="http://schemas.openxmlformats.org/markup-compatibility/2006">
+    <mc:Choice xmlns:p15="http://schemas.microsoft.com/office/powerpoint/2012/main" Requires="p15">
+      <p:transition xmlns:p14="http://schemas.microsoft.com/office/powerpoint/2010/main" spd="slow" p14:dur="3250">
+        <p15:prstTrans prst="origami" invX="1"/>
+      </p:transition>
+    </mc:Choice>
+    <mc:Fallback>
+      <p:transition spd="slow">
+        <p:fade/>
+      </p:transition>
+    </mc:Fallback>
+  </mc:AlternateContent>
 </p:sldLayout>
 </file>
 
@@ -3377,6 +3523,18 @@
   <p:clrMapOvr>
     <a:masterClrMapping/>
   </p:clrMapOvr>
+  <mc:AlternateContent xmlns:mc="http://schemas.openxmlformats.org/markup-compatibility/2006">
+    <mc:Choice xmlns:p15="http://schemas.microsoft.com/office/powerpoint/2012/main" Requires="p15">
+      <p:transition xmlns:p14="http://schemas.microsoft.com/office/powerpoint/2010/main" spd="slow" p14:dur="3250">
+        <p15:prstTrans prst="origami" invX="1"/>
+      </p:transition>
+    </mc:Choice>
+    <mc:Fallback>
+      <p:transition spd="slow">
+        <p:fade/>
+      </p:transition>
+    </mc:Fallback>
+  </mc:AlternateContent>
 </p:sldLayout>
 </file>
 
@@ -3655,6 +3813,18 @@
   <p:clrMapOvr>
     <a:masterClrMapping/>
   </p:clrMapOvr>
+  <mc:AlternateContent xmlns:mc="http://schemas.openxmlformats.org/markup-compatibility/2006">
+    <mc:Choice xmlns:p15="http://schemas.microsoft.com/office/powerpoint/2012/main" Requires="p15">
+      <p:transition xmlns:p14="http://schemas.microsoft.com/office/powerpoint/2010/main" spd="slow" p14:dur="3250">
+        <p15:prstTrans prst="origami" invX="1"/>
+      </p:transition>
+    </mc:Choice>
+    <mc:Fallback>
+      <p:transition spd="slow">
+        <p:fade/>
+      </p:transition>
+    </mc:Fallback>
+  </mc:AlternateContent>
 </p:sldLayout>
 </file>
 
@@ -3910,6 +4080,18 @@
   <p:clrMapOvr>
     <a:masterClrMapping/>
   </p:clrMapOvr>
+  <mc:AlternateContent xmlns:mc="http://schemas.openxmlformats.org/markup-compatibility/2006">
+    <mc:Choice xmlns:p15="http://schemas.microsoft.com/office/powerpoint/2012/main" Requires="p15">
+      <p:transition xmlns:p14="http://schemas.microsoft.com/office/powerpoint/2010/main" spd="slow" p14:dur="3250">
+        <p15:prstTrans prst="origami" invX="1"/>
+      </p:transition>
+    </mc:Choice>
+    <mc:Fallback>
+      <p:transition spd="slow">
+        <p:fade/>
+      </p:transition>
+    </mc:Fallback>
+  </mc:AlternateContent>
 </p:sldLayout>
 </file>
 
@@ -4078,6 +4260,18 @@
   <p:clrMapOvr>
     <a:masterClrMapping/>
   </p:clrMapOvr>
+  <mc:AlternateContent xmlns:mc="http://schemas.openxmlformats.org/markup-compatibility/2006">
+    <mc:Choice xmlns:p15="http://schemas.microsoft.com/office/powerpoint/2012/main" Requires="p15">
+      <p:transition xmlns:p14="http://schemas.microsoft.com/office/powerpoint/2010/main" spd="slow" p14:dur="3250">
+        <p15:prstTrans prst="origami" invX="1"/>
+      </p:transition>
+    </mc:Choice>
+    <mc:Fallback>
+      <p:transition spd="slow">
+        <p:fade/>
+      </p:transition>
+    </mc:Fallback>
+  </mc:AlternateContent>
 </p:sldLayout>
 </file>
 
@@ -4256,6 +4450,18 @@
   <p:clrMapOvr>
     <a:masterClrMapping/>
   </p:clrMapOvr>
+  <mc:AlternateContent xmlns:mc="http://schemas.openxmlformats.org/markup-compatibility/2006">
+    <mc:Choice xmlns:p15="http://schemas.microsoft.com/office/powerpoint/2012/main" Requires="p15">
+      <p:transition xmlns:p14="http://schemas.microsoft.com/office/powerpoint/2010/main" spd="slow" p14:dur="3250">
+        <p15:prstTrans prst="origami" invX="1"/>
+      </p:transition>
+    </mc:Choice>
+    <mc:Fallback>
+      <p:transition spd="slow">
+        <p:fade/>
+      </p:transition>
+    </mc:Fallback>
+  </mc:AlternateContent>
 </p:sldLayout>
 </file>
 
@@ -4286,6 +4492,18 @@
   <p:clrMapOvr>
     <a:masterClrMapping/>
   </p:clrMapOvr>
+  <mc:AlternateContent xmlns:mc="http://schemas.openxmlformats.org/markup-compatibility/2006">
+    <mc:Choice xmlns:p15="http://schemas.microsoft.com/office/powerpoint/2012/main" Requires="p15">
+      <p:transition xmlns:p14="http://schemas.microsoft.com/office/powerpoint/2010/main" spd="slow" p14:dur="3250">
+        <p15:prstTrans prst="origami" invX="1"/>
+      </p:transition>
+    </mc:Choice>
+    <mc:Fallback>
+      <p:transition spd="slow">
+        <p:fade/>
+      </p:transition>
+    </mc:Fallback>
+  </mc:AlternateContent>
 </p:sldLayout>
 </file>
 
@@ -4502,6 +4720,18 @@
   <p:clrMapOvr>
     <a:masterClrMapping/>
   </p:clrMapOvr>
+  <mc:AlternateContent xmlns:mc="http://schemas.openxmlformats.org/markup-compatibility/2006">
+    <mc:Choice xmlns:p15="http://schemas.microsoft.com/office/powerpoint/2012/main" Requires="p15">
+      <p:transition xmlns:p14="http://schemas.microsoft.com/office/powerpoint/2010/main" spd="slow" p14:dur="3250">
+        <p15:prstTrans prst="origami" invX="1"/>
+      </p:transition>
+    </mc:Choice>
+    <mc:Fallback>
+      <p:transition spd="slow">
+        <p:fade/>
+      </p:transition>
+    </mc:Fallback>
+  </mc:AlternateContent>
 </p:sldLayout>
 </file>
 
@@ -4712,6 +4942,18 @@
   <p:clrMapOvr>
     <a:masterClrMapping/>
   </p:clrMapOvr>
+  <mc:AlternateContent xmlns:mc="http://schemas.openxmlformats.org/markup-compatibility/2006">
+    <mc:Choice xmlns:p15="http://schemas.microsoft.com/office/powerpoint/2012/main" Requires="p15">
+      <p:transition xmlns:p14="http://schemas.microsoft.com/office/powerpoint/2010/main" spd="slow" p14:dur="3250">
+        <p15:prstTrans prst="origami" invX="1"/>
+      </p:transition>
+    </mc:Choice>
+    <mc:Fallback>
+      <p:transition spd="slow">
+        <p:fade/>
+      </p:transition>
+    </mc:Fallback>
+  </mc:AlternateContent>
 </p:sldLayout>
 </file>
 
@@ -5006,6 +5248,18 @@
   <p:clrMapOvr>
     <a:masterClrMapping/>
   </p:clrMapOvr>
+  <mc:AlternateContent xmlns:mc="http://schemas.openxmlformats.org/markup-compatibility/2006">
+    <mc:Choice xmlns:p15="http://schemas.microsoft.com/office/powerpoint/2012/main" Requires="p15">
+      <p:transition xmlns:p14="http://schemas.microsoft.com/office/powerpoint/2010/main" spd="slow" p14:dur="3250">
+        <p15:prstTrans prst="origami" invX="1"/>
+      </p:transition>
+    </mc:Choice>
+    <mc:Fallback>
+      <p:transition spd="slow">
+        <p:fade/>
+      </p:transition>
+    </mc:Fallback>
+  </mc:AlternateContent>
 </p:sldLayout>
 </file>
 
@@ -5434,6 +5688,18 @@
   <p:clrMapOvr>
     <a:masterClrMapping/>
   </p:clrMapOvr>
+  <mc:AlternateContent xmlns:mc="http://schemas.openxmlformats.org/markup-compatibility/2006">
+    <mc:Choice xmlns:p15="http://schemas.microsoft.com/office/powerpoint/2012/main" Requires="p15">
+      <p:transition xmlns:p14="http://schemas.microsoft.com/office/powerpoint/2010/main" spd="slow" p14:dur="3250">
+        <p15:prstTrans prst="origami" invX="1"/>
+      </p:transition>
+    </mc:Choice>
+    <mc:Fallback>
+      <p:transition spd="slow">
+        <p:fade/>
+      </p:transition>
+    </mc:Fallback>
+  </mc:AlternateContent>
 </p:sldLayout>
 </file>
 
@@ -5551,6 +5817,18 @@
   <p:clrMapOvr>
     <a:masterClrMapping/>
   </p:clrMapOvr>
+  <mc:AlternateContent xmlns:mc="http://schemas.openxmlformats.org/markup-compatibility/2006">
+    <mc:Choice xmlns:p15="http://schemas.microsoft.com/office/powerpoint/2012/main" Requires="p15">
+      <p:transition xmlns:p14="http://schemas.microsoft.com/office/powerpoint/2010/main" spd="slow" p14:dur="3250">
+        <p15:prstTrans prst="origami" invX="1"/>
+      </p:transition>
+    </mc:Choice>
+    <mc:Fallback>
+      <p:transition spd="slow">
+        <p:fade/>
+      </p:transition>
+    </mc:Fallback>
+  </mc:AlternateContent>
 </p:sldLayout>
 </file>
 
@@ -5645,6 +5923,18 @@
   <p:clrMapOvr>
     <a:masterClrMapping/>
   </p:clrMapOvr>
+  <mc:AlternateContent xmlns:mc="http://schemas.openxmlformats.org/markup-compatibility/2006">
+    <mc:Choice xmlns:p15="http://schemas.microsoft.com/office/powerpoint/2012/main" Requires="p15">
+      <p:transition xmlns:p14="http://schemas.microsoft.com/office/powerpoint/2010/main" spd="slow" p14:dur="3250">
+        <p15:prstTrans prst="origami" invX="1"/>
+      </p:transition>
+    </mc:Choice>
+    <mc:Fallback>
+      <p:transition spd="slow">
+        <p:fade/>
+      </p:transition>
+    </mc:Fallback>
+  </mc:AlternateContent>
 </p:sldLayout>
 </file>
 
@@ -5923,6 +6213,18 @@
   <p:clrMapOvr>
     <a:masterClrMapping/>
   </p:clrMapOvr>
+  <mc:AlternateContent xmlns:mc="http://schemas.openxmlformats.org/markup-compatibility/2006">
+    <mc:Choice xmlns:p15="http://schemas.microsoft.com/office/powerpoint/2012/main" Requires="p15">
+      <p:transition xmlns:p14="http://schemas.microsoft.com/office/powerpoint/2010/main" spd="slow" p14:dur="3250">
+        <p15:prstTrans prst="origami" invX="1"/>
+      </p:transition>
+    </mc:Choice>
+    <mc:Fallback>
+      <p:transition spd="slow">
+        <p:fade/>
+      </p:transition>
+    </mc:Fallback>
+  </mc:AlternateContent>
 </p:sldLayout>
 </file>
 
@@ -6265,6 +6567,18 @@
     <p:sldLayoutId id="2147483658" r:id="rId11"/>
     <p:sldLayoutId id="2147483659" r:id="rId12"/>
   </p:sldLayoutIdLst>
+  <mc:AlternateContent xmlns:mc="http://schemas.openxmlformats.org/markup-compatibility/2006">
+    <mc:Choice xmlns:p15="http://schemas.microsoft.com/office/powerpoint/2012/main" Requires="p15">
+      <p:transition xmlns:p14="http://schemas.microsoft.com/office/powerpoint/2010/main" spd="slow" p14:dur="3250">
+        <p15:prstTrans prst="origami" invX="1"/>
+      </p:transition>
+    </mc:Choice>
+    <mc:Fallback>
+      <p:transition spd="slow">
+        <p:fade/>
+      </p:transition>
+    </mc:Fallback>
+  </mc:AlternateContent>
   <p:hf hdr="0" dt="0"/>
   <p:txStyles>
     <p:titleStyle>
@@ -6831,6 +7145,18 @@
     <p:sldLayoutId id="2147483674" r:id="rId12"/>
     <p:sldLayoutId id="2147483675" r:id="rId13"/>
   </p:sldLayoutIdLst>
+  <mc:AlternateContent xmlns:mc="http://schemas.openxmlformats.org/markup-compatibility/2006">
+    <mc:Choice xmlns:p15="http://schemas.microsoft.com/office/powerpoint/2012/main" Requires="p15">
+      <p:transition xmlns:p14="http://schemas.microsoft.com/office/powerpoint/2010/main" spd="slow" p14:dur="3250">
+        <p15:prstTrans prst="origami" invX="1"/>
+      </p:transition>
+    </mc:Choice>
+    <mc:Fallback>
+      <p:transition spd="slow">
+        <p:fade/>
+      </p:transition>
+    </mc:Fallback>
+  </mc:AlternateContent>
   <p:hf hdr="0" dt="0"/>
   <p:txStyles>
     <p:titleStyle>
@@ -7358,7 +7684,7 @@
               <a:rPr lang="es-CL" sz="1600" dirty="0">
                 <a:latin typeface="+mn-lt"/>
               </a:rPr>
-              <a:t>Nombre integrantes del grupo: Felipe Inda; Yerko Fuentes</a:t>
+              <a:t>Nombre integrantes del grupo: Felipe Inda, Yerko Fuentes, Ivo Olivares</a:t>
             </a:r>
           </a:p>
           <a:p>
@@ -7376,7 +7702,7 @@
               <a:rPr lang="es-CL" sz="1600" dirty="0">
                 <a:latin typeface="+mn-lt"/>
               </a:rPr>
-              <a:t>Fecha exposición: 11 de julio del 2019</a:t>
+              <a:t>Fecha exposición: 19 de julio del 2019</a:t>
             </a:r>
           </a:p>
         </p:txBody>
@@ -7391,6 +7717,18 @@
   <p:clrMapOvr>
     <a:masterClrMapping/>
   </p:clrMapOvr>
+  <mc:AlternateContent xmlns:mc="http://schemas.openxmlformats.org/markup-compatibility/2006">
+    <mc:Choice xmlns:p15="http://schemas.microsoft.com/office/powerpoint/2012/main" Requires="p15">
+      <p:transition xmlns:p14="http://schemas.microsoft.com/office/powerpoint/2010/main" spd="slow" p14:dur="3250">
+        <p15:prstTrans prst="origami" invX="1"/>
+      </p:transition>
+    </mc:Choice>
+    <mc:Fallback>
+      <p:transition spd="slow">
+        <p:fade/>
+      </p:transition>
+    </mc:Fallback>
+  </mc:AlternateContent>
 </p:sld>
 </file>
 
@@ -7424,7 +7762,7 @@
         <p:spPr>
           <a:xfrm>
             <a:off x="259354" y="385487"/>
-            <a:ext cx="4035059" cy="436746"/>
+            <a:ext cx="5102355" cy="436746"/>
           </a:xfrm>
         </p:spPr>
         <p:txBody>
@@ -7440,7 +7778,16 @@
                 </a:solidFill>
                 <a:latin typeface="+mn-lt"/>
               </a:rPr>
-              <a:t>Metodología Proyecto</a:t>
+              <a:t>Gestión de Riesgos: </a:t>
+            </a:r>
+            <a:r>
+              <a:rPr lang="es-CL" sz="2400" b="1" i="1" dirty="0">
+                <a:solidFill>
+                  <a:srgbClr val="E30513"/>
+                </a:solidFill>
+                <a:latin typeface="+mn-lt"/>
+              </a:rPr>
+              <a:t>Matriz de Riesgos </a:t>
             </a:r>
           </a:p>
         </p:txBody>
@@ -7463,6 +7810,828 @@
             <a:fld id="{C0F9E0D3-51B3-8D47-9FA0-6C6BA96BAD74}" type="slidenum">
               <a:rPr lang="es-ES" smtClean="0"/>
               <a:t>10</a:t>
+            </a:fld>
+            <a:endParaRPr lang="es-ES"/>
+          </a:p>
+        </p:txBody>
+      </p:sp>
+      <p:sp>
+        <p:nvSpPr>
+          <p:cNvPr id="7" name="Marcador de pie de página 3">
+            <a:extLst>
+              <a:ext uri="{FF2B5EF4-FFF2-40B4-BE49-F238E27FC236}">
+                <a16:creationId xmlns:a16="http://schemas.microsoft.com/office/drawing/2014/main" id="{BA967716-62BF-4FF8-A025-ECDDF4B6B0F0}"/>
+              </a:ext>
+            </a:extLst>
+          </p:cNvPr>
+          <p:cNvSpPr>
+            <a:spLocks noGrp="1"/>
+          </p:cNvSpPr>
+          <p:nvPr>
+            <p:ph type="ftr" sz="quarter" idx="11"/>
+          </p:nvPr>
+        </p:nvSpPr>
+        <p:spPr>
+          <a:xfrm>
+            <a:off x="1470991" y="6292851"/>
+            <a:ext cx="6162261" cy="215900"/>
+          </a:xfrm>
+        </p:spPr>
+        <p:txBody>
+          <a:bodyPr/>
+          <a:lstStyle/>
+          <a:p>
+            <a:r>
+              <a:rPr lang="es-ES" dirty="0"/>
+              <a:t>Felipe Inda – Yerko Fuentes</a:t>
+            </a:r>
+          </a:p>
+        </p:txBody>
+      </p:sp>
+      <p:pic>
+        <p:nvPicPr>
+          <p:cNvPr id="5" name="Imagen 4">
+            <a:extLst>
+              <a:ext uri="{FF2B5EF4-FFF2-40B4-BE49-F238E27FC236}">
+                <a16:creationId xmlns:a16="http://schemas.microsoft.com/office/drawing/2014/main" id="{81C69D6F-A7BD-4D51-9F72-22839734ADDE}"/>
+              </a:ext>
+            </a:extLst>
+          </p:cNvPr>
+          <p:cNvPicPr>
+            <a:picLocks noChangeAspect="1"/>
+          </p:cNvPicPr>
+          <p:nvPr/>
+        </p:nvPicPr>
+        <p:blipFill>
+          <a:blip r:embed="rId2"/>
+          <a:stretch>
+            <a:fillRect/>
+          </a:stretch>
+        </p:blipFill>
+        <p:spPr>
+          <a:xfrm>
+            <a:off x="166982" y="1689399"/>
+            <a:ext cx="8810035" cy="3022876"/>
+          </a:xfrm>
+          <a:prstGeom prst="rect">
+            <a:avLst/>
+          </a:prstGeom>
+        </p:spPr>
+      </p:pic>
+      <p:sp>
+        <p:nvSpPr>
+          <p:cNvPr id="8" name="Rectángulo 7">
+            <a:extLst>
+              <a:ext uri="{FF2B5EF4-FFF2-40B4-BE49-F238E27FC236}">
+                <a16:creationId xmlns:a16="http://schemas.microsoft.com/office/drawing/2014/main" id="{44491A4C-EF63-485D-B954-6F73E115DAC3}"/>
+              </a:ext>
+            </a:extLst>
+          </p:cNvPr>
+          <p:cNvSpPr/>
+          <p:nvPr/>
+        </p:nvSpPr>
+        <p:spPr>
+          <a:xfrm>
+            <a:off x="166982" y="989998"/>
+            <a:ext cx="3791476" cy="338554"/>
+          </a:xfrm>
+          <a:prstGeom prst="rect">
+            <a:avLst/>
+          </a:prstGeom>
+        </p:spPr>
+        <p:txBody>
+          <a:bodyPr wrap="square">
+            <a:spAutoFit/>
+          </a:bodyPr>
+          <a:lstStyle/>
+          <a:p>
+            <a:pPr>
+              <a:spcBef>
+                <a:spcPct val="0"/>
+              </a:spcBef>
+            </a:pPr>
+            <a:r>
+              <a:rPr lang="es-CL" sz="1600" dirty="0"/>
+              <a:t>Resumen de la matriz de riesgos</a:t>
+            </a:r>
+            <a:endParaRPr lang="es-CL" sz="1600" i="1" dirty="0"/>
+          </a:p>
+        </p:txBody>
+      </p:sp>
+    </p:spTree>
+    <p:extLst>
+      <p:ext uri="{BB962C8B-B14F-4D97-AF65-F5344CB8AC3E}">
+        <p14:creationId xmlns:p14="http://schemas.microsoft.com/office/powerpoint/2010/main" val="1977297944"/>
+      </p:ext>
+    </p:extLst>
+  </p:cSld>
+  <p:clrMapOvr>
+    <a:masterClrMapping/>
+  </p:clrMapOvr>
+  <mc:AlternateContent xmlns:mc="http://schemas.openxmlformats.org/markup-compatibility/2006">
+    <mc:Choice xmlns:p15="http://schemas.microsoft.com/office/powerpoint/2012/main" Requires="p15">
+      <p:transition xmlns:p14="http://schemas.microsoft.com/office/powerpoint/2010/main" spd="slow" p14:dur="3250">
+        <p15:prstTrans prst="origami" invX="1"/>
+      </p:transition>
+    </mc:Choice>
+    <mc:Fallback>
+      <p:transition spd="slow">
+        <p:fade/>
+      </p:transition>
+    </mc:Fallback>
+  </mc:AlternateContent>
+  <p:timing>
+    <p:tnLst>
+      <p:par>
+        <p:cTn id="1" dur="indefinite" restart="never" nodeType="tmRoot">
+          <p:childTnLst>
+            <p:seq concurrent="1" nextAc="seek">
+              <p:cTn id="2" dur="indefinite" nodeType="mainSeq">
+                <p:childTnLst>
+                  <p:par>
+                    <p:cTn id="3" fill="hold">
+                      <p:stCondLst>
+                        <p:cond delay="indefinite"/>
+                        <p:cond evt="onBegin" delay="0">
+                          <p:tn val="2"/>
+                        </p:cond>
+                      </p:stCondLst>
+                      <p:childTnLst>
+                        <p:par>
+                          <p:cTn id="4" fill="hold">
+                            <p:stCondLst>
+                              <p:cond delay="0"/>
+                            </p:stCondLst>
+                            <p:childTnLst>
+                              <p:par>
+                                <p:cTn id="5" presetID="31" presetClass="entr" presetSubtype="0" fill="hold" grpId="0" nodeType="withEffect">
+                                  <p:stCondLst>
+                                    <p:cond delay="0"/>
+                                  </p:stCondLst>
+                                  <p:childTnLst>
+                                    <p:set>
+                                      <p:cBhvr>
+                                        <p:cTn id="6" dur="1" fill="hold">
+                                          <p:stCondLst>
+                                            <p:cond delay="0"/>
+                                          </p:stCondLst>
+                                        </p:cTn>
+                                        <p:tgtEl>
+                                          <p:spTgt spid="8"/>
+                                        </p:tgtEl>
+                                        <p:attrNameLst>
+                                          <p:attrName>style.visibility</p:attrName>
+                                        </p:attrNameLst>
+                                      </p:cBhvr>
+                                      <p:to>
+                                        <p:strVal val="visible"/>
+                                      </p:to>
+                                    </p:set>
+                                    <p:anim calcmode="lin" valueType="num">
+                                      <p:cBhvr>
+                                        <p:cTn id="7" dur="1000" fill="hold"/>
+                                        <p:tgtEl>
+                                          <p:spTgt spid="8"/>
+                                        </p:tgtEl>
+                                        <p:attrNameLst>
+                                          <p:attrName>ppt_w</p:attrName>
+                                        </p:attrNameLst>
+                                      </p:cBhvr>
+                                      <p:tavLst>
+                                        <p:tav tm="0">
+                                          <p:val>
+                                            <p:fltVal val="0"/>
+                                          </p:val>
+                                        </p:tav>
+                                        <p:tav tm="100000">
+                                          <p:val>
+                                            <p:strVal val="#ppt_w"/>
+                                          </p:val>
+                                        </p:tav>
+                                      </p:tavLst>
+                                    </p:anim>
+                                    <p:anim calcmode="lin" valueType="num">
+                                      <p:cBhvr>
+                                        <p:cTn id="8" dur="1000" fill="hold"/>
+                                        <p:tgtEl>
+                                          <p:spTgt spid="8"/>
+                                        </p:tgtEl>
+                                        <p:attrNameLst>
+                                          <p:attrName>ppt_h</p:attrName>
+                                        </p:attrNameLst>
+                                      </p:cBhvr>
+                                      <p:tavLst>
+                                        <p:tav tm="0">
+                                          <p:val>
+                                            <p:fltVal val="0"/>
+                                          </p:val>
+                                        </p:tav>
+                                        <p:tav tm="100000">
+                                          <p:val>
+                                            <p:strVal val="#ppt_h"/>
+                                          </p:val>
+                                        </p:tav>
+                                      </p:tavLst>
+                                    </p:anim>
+                                    <p:anim calcmode="lin" valueType="num">
+                                      <p:cBhvr>
+                                        <p:cTn id="9" dur="1000" fill="hold"/>
+                                        <p:tgtEl>
+                                          <p:spTgt spid="8"/>
+                                        </p:tgtEl>
+                                        <p:attrNameLst>
+                                          <p:attrName>style.rotation</p:attrName>
+                                        </p:attrNameLst>
+                                      </p:cBhvr>
+                                      <p:tavLst>
+                                        <p:tav tm="0">
+                                          <p:val>
+                                            <p:fltVal val="90"/>
+                                          </p:val>
+                                        </p:tav>
+                                        <p:tav tm="100000">
+                                          <p:val>
+                                            <p:fltVal val="0"/>
+                                          </p:val>
+                                        </p:tav>
+                                      </p:tavLst>
+                                    </p:anim>
+                                    <p:animEffect transition="in" filter="fade">
+                                      <p:cBhvr>
+                                        <p:cTn id="10" dur="1000"/>
+                                        <p:tgtEl>
+                                          <p:spTgt spid="8"/>
+                                        </p:tgtEl>
+                                      </p:cBhvr>
+                                    </p:animEffect>
+                                  </p:childTnLst>
+                                </p:cTn>
+                              </p:par>
+                            </p:childTnLst>
+                          </p:cTn>
+                        </p:par>
+                      </p:childTnLst>
+                    </p:cTn>
+                  </p:par>
+                </p:childTnLst>
+              </p:cTn>
+              <p:prevCondLst>
+                <p:cond evt="onPrev" delay="0">
+                  <p:tgtEl>
+                    <p:sldTgt/>
+                  </p:tgtEl>
+                </p:cond>
+              </p:prevCondLst>
+              <p:nextCondLst>
+                <p:cond evt="onNext" delay="0">
+                  <p:tgtEl>
+                    <p:sldTgt/>
+                  </p:tgtEl>
+                </p:cond>
+              </p:nextCondLst>
+            </p:seq>
+          </p:childTnLst>
+        </p:cTn>
+      </p:par>
+    </p:tnLst>
+    <p:bldLst>
+      <p:bldP spid="8" grpId="0"/>
+    </p:bldLst>
+  </p:timing>
+</p:sld>
+</file>
+
+<file path=ppt/slides/slide11.xml><?xml version="1.0" encoding="utf-8"?>
+<p:sld xmlns:a="http://schemas.openxmlformats.org/drawingml/2006/main" xmlns:r="http://schemas.openxmlformats.org/officeDocument/2006/relationships" xmlns:p="http://schemas.openxmlformats.org/presentationml/2006/main">
+  <p:cSld>
+    <p:spTree>
+      <p:nvGrpSpPr>
+        <p:cNvPr id="1" name=""/>
+        <p:cNvGrpSpPr/>
+        <p:nvPr/>
+      </p:nvGrpSpPr>
+      <p:grpSpPr>
+        <a:xfrm>
+          <a:off x="0" y="0"/>
+          <a:ext cx="0" cy="0"/>
+          <a:chOff x="0" y="0"/>
+          <a:chExt cx="0" cy="0"/>
+        </a:xfrm>
+      </p:grpSpPr>
+      <p:sp>
+        <p:nvSpPr>
+          <p:cNvPr id="2" name="Título 1"/>
+          <p:cNvSpPr>
+            <a:spLocks noGrp="1"/>
+          </p:cNvSpPr>
+          <p:nvPr>
+            <p:ph type="title"/>
+          </p:nvPr>
+        </p:nvSpPr>
+        <p:spPr>
+          <a:xfrm>
+            <a:off x="259354" y="385487"/>
+            <a:ext cx="5102355" cy="436746"/>
+          </a:xfrm>
+        </p:spPr>
+        <p:txBody>
+          <a:bodyPr vert="horz" lIns="91440" tIns="45720" rIns="91440" bIns="45720" rtlCol="0" anchor="ctr">
+            <a:noAutofit/>
+          </a:bodyPr>
+          <a:lstStyle/>
+          <a:p>
+            <a:r>
+              <a:rPr lang="es-CL" sz="2400" b="1" dirty="0">
+                <a:solidFill>
+                  <a:srgbClr val="E30513"/>
+                </a:solidFill>
+                <a:latin typeface="+mn-lt"/>
+              </a:rPr>
+              <a:t>Gestión de Riesgos: </a:t>
+            </a:r>
+            <a:r>
+              <a:rPr lang="es-CL" sz="2400" b="1" i="1" dirty="0">
+                <a:solidFill>
+                  <a:srgbClr val="E30513"/>
+                </a:solidFill>
+                <a:latin typeface="+mn-lt"/>
+              </a:rPr>
+              <a:t>plan de respuesta </a:t>
+            </a:r>
+          </a:p>
+        </p:txBody>
+      </p:sp>
+      <p:sp>
+        <p:nvSpPr>
+          <p:cNvPr id="3" name="Marcador de número de diapositiva 2"/>
+          <p:cNvSpPr>
+            <a:spLocks noGrp="1"/>
+          </p:cNvSpPr>
+          <p:nvPr>
+            <p:ph type="sldNum" sz="quarter" idx="12"/>
+          </p:nvPr>
+        </p:nvSpPr>
+        <p:spPr/>
+        <p:txBody>
+          <a:bodyPr/>
+          <a:lstStyle/>
+          <a:p>
+            <a:fld id="{C0F9E0D3-51B3-8D47-9FA0-6C6BA96BAD74}" type="slidenum">
+              <a:rPr lang="es-ES" smtClean="0"/>
+              <a:t>11</a:t>
+            </a:fld>
+            <a:endParaRPr lang="es-ES"/>
+          </a:p>
+        </p:txBody>
+      </p:sp>
+      <p:sp>
+        <p:nvSpPr>
+          <p:cNvPr id="7" name="Marcador de pie de página 3">
+            <a:extLst>
+              <a:ext uri="{FF2B5EF4-FFF2-40B4-BE49-F238E27FC236}">
+                <a16:creationId xmlns:a16="http://schemas.microsoft.com/office/drawing/2014/main" id="{BA967716-62BF-4FF8-A025-ECDDF4B6B0F0}"/>
+              </a:ext>
+            </a:extLst>
+          </p:cNvPr>
+          <p:cNvSpPr>
+            <a:spLocks noGrp="1"/>
+          </p:cNvSpPr>
+          <p:nvPr>
+            <p:ph type="ftr" sz="quarter" idx="11"/>
+          </p:nvPr>
+        </p:nvSpPr>
+        <p:spPr>
+          <a:xfrm>
+            <a:off x="1470991" y="6292851"/>
+            <a:ext cx="6162261" cy="215900"/>
+          </a:xfrm>
+        </p:spPr>
+        <p:txBody>
+          <a:bodyPr/>
+          <a:lstStyle/>
+          <a:p>
+            <a:r>
+              <a:rPr lang="es-ES" dirty="0"/>
+              <a:t>Felipe Inda – Yerko Fuentes</a:t>
+            </a:r>
+          </a:p>
+        </p:txBody>
+      </p:sp>
+      <p:sp>
+        <p:nvSpPr>
+          <p:cNvPr id="9" name="Rectángulo 8">
+            <a:extLst>
+              <a:ext uri="{FF2B5EF4-FFF2-40B4-BE49-F238E27FC236}">
+                <a16:creationId xmlns:a16="http://schemas.microsoft.com/office/drawing/2014/main" id="{FCFE64A2-7203-426B-84DC-EFCE4AA37ADC}"/>
+              </a:ext>
+            </a:extLst>
+          </p:cNvPr>
+          <p:cNvSpPr/>
+          <p:nvPr/>
+        </p:nvSpPr>
+        <p:spPr>
+          <a:xfrm>
+            <a:off x="259354" y="1159275"/>
+            <a:ext cx="3791476" cy="646331"/>
+          </a:xfrm>
+          <a:prstGeom prst="rect">
+            <a:avLst/>
+          </a:prstGeom>
+        </p:spPr>
+        <p:txBody>
+          <a:bodyPr wrap="square">
+            <a:spAutoFit/>
+          </a:bodyPr>
+          <a:lstStyle/>
+          <a:p>
+            <a:pPr>
+              <a:spcBef>
+                <a:spcPct val="0"/>
+              </a:spcBef>
+            </a:pPr>
+            <a:r>
+              <a:rPr lang="es-CL" b="1" dirty="0"/>
+              <a:t>Formas de Mitigar niveles extremos y altos</a:t>
+            </a:r>
+          </a:p>
+        </p:txBody>
+      </p:sp>
+      <p:pic>
+        <p:nvPicPr>
+          <p:cNvPr id="2050" name="Picture 2" descr="Image result for plan png">
+            <a:extLst>
+              <a:ext uri="{FF2B5EF4-FFF2-40B4-BE49-F238E27FC236}">
+                <a16:creationId xmlns:a16="http://schemas.microsoft.com/office/drawing/2014/main" id="{98FB7A88-57BB-43E3-A789-398C004C6A6E}"/>
+              </a:ext>
+            </a:extLst>
+          </p:cNvPr>
+          <p:cNvPicPr>
+            <a:picLocks noChangeAspect="1" noChangeArrowheads="1"/>
+          </p:cNvPicPr>
+          <p:nvPr/>
+        </p:nvPicPr>
+        <p:blipFill>
+          <a:blip r:embed="rId2">
+            <a:duotone>
+              <a:schemeClr val="accent1">
+                <a:shade val="45000"/>
+                <a:satMod val="135000"/>
+              </a:schemeClr>
+              <a:prstClr val="white"/>
+            </a:duotone>
+            <a:extLst>
+              <a:ext uri="{28A0092B-C50C-407E-A947-70E740481C1C}">
+                <a14:useLocalDpi xmlns:a14="http://schemas.microsoft.com/office/drawing/2010/main" val="0"/>
+              </a:ext>
+            </a:extLst>
+          </a:blip>
+          <a:srcRect/>
+          <a:stretch>
+            <a:fillRect/>
+          </a:stretch>
+        </p:blipFill>
+        <p:spPr bwMode="auto">
+          <a:xfrm>
+            <a:off x="782548" y="1805606"/>
+            <a:ext cx="2745088" cy="2745088"/>
+          </a:xfrm>
+          <a:prstGeom prst="rect">
+            <a:avLst/>
+          </a:prstGeom>
+          <a:noFill/>
+          <a:extLst>
+            <a:ext uri="{909E8E84-426E-40DD-AFC4-6F175D3DCCD1}">
+              <a14:hiddenFill xmlns:a14="http://schemas.microsoft.com/office/drawing/2010/main">
+                <a:solidFill>
+                  <a:srgbClr val="FFFFFF"/>
+                </a:solidFill>
+              </a14:hiddenFill>
+            </a:ext>
+          </a:extLst>
+        </p:spPr>
+      </p:pic>
+      <p:sp>
+        <p:nvSpPr>
+          <p:cNvPr id="10" name="Rectángulo 9">
+            <a:extLst>
+              <a:ext uri="{FF2B5EF4-FFF2-40B4-BE49-F238E27FC236}">
+                <a16:creationId xmlns:a16="http://schemas.microsoft.com/office/drawing/2014/main" id="{7B5C087A-B1AB-47DA-9659-5C9ECB9A8190}"/>
+              </a:ext>
+            </a:extLst>
+          </p:cNvPr>
+          <p:cNvSpPr/>
+          <p:nvPr/>
+        </p:nvSpPr>
+        <p:spPr>
+          <a:xfrm>
+            <a:off x="4030048" y="2516430"/>
+            <a:ext cx="4168379" cy="1323439"/>
+          </a:xfrm>
+          <a:prstGeom prst="rect">
+            <a:avLst/>
+          </a:prstGeom>
+        </p:spPr>
+        <p:txBody>
+          <a:bodyPr wrap="square">
+            <a:spAutoFit/>
+          </a:bodyPr>
+          <a:lstStyle/>
+          <a:p>
+            <a:pPr marL="285750" indent="-285750">
+              <a:spcBef>
+                <a:spcPct val="0"/>
+              </a:spcBef>
+              <a:buFont typeface="Wingdings" panose="05000000000000000000" pitchFamily="2" charset="2"/>
+              <a:buChar char="§"/>
+            </a:pPr>
+            <a:r>
+              <a:rPr lang="es-CL" sz="1600" dirty="0"/>
+              <a:t>Capacitación para todos los participantes del proyecto.</a:t>
+            </a:r>
+          </a:p>
+          <a:p>
+            <a:pPr marL="285750" indent="-285750">
+              <a:spcBef>
+                <a:spcPct val="0"/>
+              </a:spcBef>
+              <a:buFont typeface="Wingdings" panose="05000000000000000000" pitchFamily="2" charset="2"/>
+              <a:buChar char="§"/>
+            </a:pPr>
+            <a:r>
+              <a:rPr lang="es-CL" sz="1600" dirty="0"/>
+              <a:t>Orden en comunicación proyecto/Empresa.</a:t>
+            </a:r>
+          </a:p>
+          <a:p>
+            <a:pPr marL="285750" indent="-285750">
+              <a:spcBef>
+                <a:spcPct val="0"/>
+              </a:spcBef>
+              <a:buFont typeface="Wingdings" panose="05000000000000000000" pitchFamily="2" charset="2"/>
+              <a:buChar char="§"/>
+            </a:pPr>
+            <a:r>
+              <a:rPr lang="es-CL" sz="1600" dirty="0"/>
+              <a:t>Separar tiempo de trabajo y ocio en el proyecto.</a:t>
+            </a:r>
+          </a:p>
+        </p:txBody>
+      </p:sp>
+    </p:spTree>
+    <p:extLst>
+      <p:ext uri="{BB962C8B-B14F-4D97-AF65-F5344CB8AC3E}">
+        <p14:creationId xmlns:p14="http://schemas.microsoft.com/office/powerpoint/2010/main" val="1155058543"/>
+      </p:ext>
+    </p:extLst>
+  </p:cSld>
+  <p:clrMapOvr>
+    <a:masterClrMapping/>
+  </p:clrMapOvr>
+  <mc:AlternateContent xmlns:mc="http://schemas.openxmlformats.org/markup-compatibility/2006">
+    <mc:Choice xmlns:p15="http://schemas.microsoft.com/office/powerpoint/2012/main" Requires="p15">
+      <p:transition xmlns:p14="http://schemas.microsoft.com/office/powerpoint/2010/main" spd="slow" p14:dur="3250">
+        <p15:prstTrans prst="origami" invX="1"/>
+      </p:transition>
+    </mc:Choice>
+    <mc:Fallback>
+      <p:transition spd="slow">
+        <p:fade/>
+      </p:transition>
+    </mc:Fallback>
+  </mc:AlternateContent>
+  <p:timing>
+    <p:tnLst>
+      <p:par>
+        <p:cTn id="1" dur="indefinite" restart="never" nodeType="tmRoot">
+          <p:childTnLst>
+            <p:seq concurrent="1" nextAc="seek">
+              <p:cTn id="2" dur="indefinite" nodeType="mainSeq">
+                <p:childTnLst>
+                  <p:par>
+                    <p:cTn id="3" fill="hold">
+                      <p:stCondLst>
+                        <p:cond delay="indefinite"/>
+                      </p:stCondLst>
+                      <p:childTnLst>
+                        <p:par>
+                          <p:cTn id="4" fill="hold">
+                            <p:stCondLst>
+                              <p:cond delay="0"/>
+                            </p:stCondLst>
+                            <p:childTnLst>
+                              <p:par>
+                                <p:cTn id="5" presetID="31" presetClass="entr" presetSubtype="0" fill="hold" nodeType="clickEffect">
+                                  <p:stCondLst>
+                                    <p:cond delay="0"/>
+                                  </p:stCondLst>
+                                  <p:childTnLst>
+                                    <p:set>
+                                      <p:cBhvr>
+                                        <p:cTn id="6" dur="1" fill="hold">
+                                          <p:stCondLst>
+                                            <p:cond delay="0"/>
+                                          </p:stCondLst>
+                                        </p:cTn>
+                                        <p:tgtEl>
+                                          <p:spTgt spid="2050"/>
+                                        </p:tgtEl>
+                                        <p:attrNameLst>
+                                          <p:attrName>style.visibility</p:attrName>
+                                        </p:attrNameLst>
+                                      </p:cBhvr>
+                                      <p:to>
+                                        <p:strVal val="visible"/>
+                                      </p:to>
+                                    </p:set>
+                                    <p:anim calcmode="lin" valueType="num">
+                                      <p:cBhvr>
+                                        <p:cTn id="7" dur="1000" fill="hold"/>
+                                        <p:tgtEl>
+                                          <p:spTgt spid="2050"/>
+                                        </p:tgtEl>
+                                        <p:attrNameLst>
+                                          <p:attrName>ppt_w</p:attrName>
+                                        </p:attrNameLst>
+                                      </p:cBhvr>
+                                      <p:tavLst>
+                                        <p:tav tm="0">
+                                          <p:val>
+                                            <p:fltVal val="0"/>
+                                          </p:val>
+                                        </p:tav>
+                                        <p:tav tm="100000">
+                                          <p:val>
+                                            <p:strVal val="#ppt_w"/>
+                                          </p:val>
+                                        </p:tav>
+                                      </p:tavLst>
+                                    </p:anim>
+                                    <p:anim calcmode="lin" valueType="num">
+                                      <p:cBhvr>
+                                        <p:cTn id="8" dur="1000" fill="hold"/>
+                                        <p:tgtEl>
+                                          <p:spTgt spid="2050"/>
+                                        </p:tgtEl>
+                                        <p:attrNameLst>
+                                          <p:attrName>ppt_h</p:attrName>
+                                        </p:attrNameLst>
+                                      </p:cBhvr>
+                                      <p:tavLst>
+                                        <p:tav tm="0">
+                                          <p:val>
+                                            <p:fltVal val="0"/>
+                                          </p:val>
+                                        </p:tav>
+                                        <p:tav tm="100000">
+                                          <p:val>
+                                            <p:strVal val="#ppt_h"/>
+                                          </p:val>
+                                        </p:tav>
+                                      </p:tavLst>
+                                    </p:anim>
+                                    <p:anim calcmode="lin" valueType="num">
+                                      <p:cBhvr>
+                                        <p:cTn id="9" dur="1000" fill="hold"/>
+                                        <p:tgtEl>
+                                          <p:spTgt spid="2050"/>
+                                        </p:tgtEl>
+                                        <p:attrNameLst>
+                                          <p:attrName>style.rotation</p:attrName>
+                                        </p:attrNameLst>
+                                      </p:cBhvr>
+                                      <p:tavLst>
+                                        <p:tav tm="0">
+                                          <p:val>
+                                            <p:fltVal val="90"/>
+                                          </p:val>
+                                        </p:tav>
+                                        <p:tav tm="100000">
+                                          <p:val>
+                                            <p:fltVal val="0"/>
+                                          </p:val>
+                                        </p:tav>
+                                      </p:tavLst>
+                                    </p:anim>
+                                    <p:animEffect transition="in" filter="fade">
+                                      <p:cBhvr>
+                                        <p:cTn id="10" dur="1000"/>
+                                        <p:tgtEl>
+                                          <p:spTgt spid="2050"/>
+                                        </p:tgtEl>
+                                      </p:cBhvr>
+                                    </p:animEffect>
+                                  </p:childTnLst>
+                                </p:cTn>
+                              </p:par>
+                            </p:childTnLst>
+                          </p:cTn>
+                        </p:par>
+                      </p:childTnLst>
+                    </p:cTn>
+                  </p:par>
+                </p:childTnLst>
+              </p:cTn>
+              <p:prevCondLst>
+                <p:cond evt="onPrev" delay="0">
+                  <p:tgtEl>
+                    <p:sldTgt/>
+                  </p:tgtEl>
+                </p:cond>
+              </p:prevCondLst>
+              <p:nextCondLst>
+                <p:cond evt="onNext" delay="0">
+                  <p:tgtEl>
+                    <p:sldTgt/>
+                  </p:tgtEl>
+                </p:cond>
+              </p:nextCondLst>
+            </p:seq>
+          </p:childTnLst>
+        </p:cTn>
+      </p:par>
+    </p:tnLst>
+  </p:timing>
+</p:sld>
+</file>
+
+<file path=ppt/slides/slide12.xml><?xml version="1.0" encoding="utf-8"?>
+<p:sld xmlns:a="http://schemas.openxmlformats.org/drawingml/2006/main" xmlns:r="http://schemas.openxmlformats.org/officeDocument/2006/relationships" xmlns:p="http://schemas.openxmlformats.org/presentationml/2006/main">
+  <p:cSld>
+    <p:spTree>
+      <p:nvGrpSpPr>
+        <p:cNvPr id="1" name=""/>
+        <p:cNvGrpSpPr/>
+        <p:nvPr/>
+      </p:nvGrpSpPr>
+      <p:grpSpPr>
+        <a:xfrm>
+          <a:off x="0" y="0"/>
+          <a:ext cx="0" cy="0"/>
+          <a:chOff x="0" y="0"/>
+          <a:chExt cx="0" cy="0"/>
+        </a:xfrm>
+      </p:grpSpPr>
+      <p:sp>
+        <p:nvSpPr>
+          <p:cNvPr id="2" name="Título 1"/>
+          <p:cNvSpPr>
+            <a:spLocks noGrp="1"/>
+          </p:cNvSpPr>
+          <p:nvPr>
+            <p:ph type="title"/>
+          </p:nvPr>
+        </p:nvSpPr>
+        <p:spPr>
+          <a:xfrm>
+            <a:off x="192490" y="385487"/>
+            <a:ext cx="5684246" cy="436746"/>
+          </a:xfrm>
+        </p:spPr>
+        <p:txBody>
+          <a:bodyPr vert="horz" lIns="91440" tIns="45720" rIns="91440" bIns="45720" rtlCol="0" anchor="ctr">
+            <a:noAutofit/>
+          </a:bodyPr>
+          <a:lstStyle/>
+          <a:p>
+            <a:r>
+              <a:rPr lang="es-CL" sz="2400" b="1" dirty="0">
+                <a:solidFill>
+                  <a:srgbClr val="E30513"/>
+                </a:solidFill>
+                <a:latin typeface="+mn-lt"/>
+              </a:rPr>
+              <a:t>Metodología Proyecto: </a:t>
+            </a:r>
+            <a:r>
+              <a:rPr lang="es-CL" sz="2400" b="1" i="1" dirty="0">
+                <a:solidFill>
+                  <a:srgbClr val="E30513"/>
+                </a:solidFill>
+                <a:latin typeface="+mn-lt"/>
+              </a:rPr>
+              <a:t>Metodología Scrum </a:t>
+            </a:r>
+          </a:p>
+        </p:txBody>
+      </p:sp>
+      <p:sp>
+        <p:nvSpPr>
+          <p:cNvPr id="3" name="Marcador de número de diapositiva 2"/>
+          <p:cNvSpPr>
+            <a:spLocks noGrp="1"/>
+          </p:cNvSpPr>
+          <p:nvPr>
+            <p:ph type="sldNum" sz="quarter" idx="12"/>
+          </p:nvPr>
+        </p:nvSpPr>
+        <p:spPr/>
+        <p:txBody>
+          <a:bodyPr/>
+          <a:lstStyle/>
+          <a:p>
+            <a:fld id="{C0F9E0D3-51B3-8D47-9FA0-6C6BA96BAD74}" type="slidenum">
+              <a:rPr lang="es-ES" smtClean="0"/>
+              <a:t>12</a:t>
             </a:fld>
             <a:endParaRPr lang="es-ES"/>
           </a:p>
@@ -7537,8 +8706,8 @@
         </p:blipFill>
         <p:spPr bwMode="auto">
           <a:xfrm>
-            <a:off x="727300" y="1671637"/>
-            <a:ext cx="7134225" cy="3514725"/>
+            <a:off x="192490" y="2088572"/>
+            <a:ext cx="4178768" cy="2058699"/>
           </a:xfrm>
           <a:prstGeom prst="rect">
             <a:avLst/>
@@ -7557,10 +8726,10 @@
       </p:pic>
       <p:sp>
         <p:nvSpPr>
-          <p:cNvPr id="9" name="Rectángulo 8">
+          <p:cNvPr id="4" name="Rectángulo 3">
             <a:extLst>
               <a:ext uri="{FF2B5EF4-FFF2-40B4-BE49-F238E27FC236}">
-                <a16:creationId xmlns:a16="http://schemas.microsoft.com/office/drawing/2014/main" id="{914922D0-B4C2-4CEB-B79E-A1776E9A5B41}"/>
+                <a16:creationId xmlns:a16="http://schemas.microsoft.com/office/drawing/2014/main" id="{FA0ED462-4430-44A1-9449-0731B0CA2FDA}"/>
               </a:ext>
             </a:extLst>
           </p:cNvPr>
@@ -7569,8 +8738,8 @@
         </p:nvSpPr>
         <p:spPr>
           <a:xfrm>
-            <a:off x="457200" y="1099341"/>
-            <a:ext cx="2542309" cy="369332"/>
+            <a:off x="4457700" y="1498677"/>
+            <a:ext cx="4374573" cy="1754326"/>
           </a:xfrm>
           <a:prstGeom prst="rect">
             <a:avLst/>
@@ -7582,26 +8751,45 @@
           </a:bodyPr>
           <a:lstStyle/>
           <a:p>
+            <a:pPr marL="285750" indent="-285750">
+              <a:buFont typeface="Arial" panose="020B0604020202020204" pitchFamily="34" charset="0"/>
+              <a:buChar char="•"/>
+            </a:pPr>
+            <a:r>
+              <a:rPr lang="es-ES" dirty="0"/>
+              <a:t>Otorga una flexibilidad necesaria a la hora de integrar el ciclo de vida </a:t>
+            </a:r>
+            <a:r>
+              <a:rPr lang="es-ES" dirty="0" err="1"/>
+              <a:t>Prototype</a:t>
+            </a:r>
+            <a:r>
+              <a:rPr lang="es-ES" dirty="0"/>
+              <a:t>.</a:t>
+            </a:r>
+          </a:p>
+          <a:p>
+            <a:endParaRPr lang="es-ES" dirty="0"/>
+          </a:p>
+          <a:p>
+            <a:pPr marL="285750" indent="-285750">
+              <a:buFont typeface="Arial" panose="020B0604020202020204" pitchFamily="34" charset="0"/>
+              <a:buChar char="•"/>
+            </a:pPr>
             <a:r>
               <a:rPr lang="es-CL" dirty="0"/>
-              <a:t>Metodología Scrum    </a:t>
-            </a:r>
-            <a:r>
-              <a:rPr lang="es-CL" dirty="0">
-                <a:sym typeface="Wingdings" panose="05000000000000000000" pitchFamily="2" charset="2"/>
-              </a:rPr>
-              <a:t> </a:t>
-            </a:r>
-            <a:endParaRPr lang="es-ES" sz="2400" dirty="0"/>
-          </a:p>
-        </p:txBody>
-      </p:sp>
-      <p:sp>
-        <p:nvSpPr>
-          <p:cNvPr id="10" name="Rectángulo 9">
+              <a:t>Apropiado uso de los recursos en un proyecto con este esquema de organización</a:t>
+            </a:r>
+            <a:endParaRPr lang="es-ES" dirty="0"/>
+          </a:p>
+        </p:txBody>
+      </p:sp>
+      <p:sp>
+        <p:nvSpPr>
+          <p:cNvPr id="11" name="Rectángulo 10">
             <a:extLst>
               <a:ext uri="{FF2B5EF4-FFF2-40B4-BE49-F238E27FC236}">
-                <a16:creationId xmlns:a16="http://schemas.microsoft.com/office/drawing/2014/main" id="{CC7E0477-DEEA-4FBC-8800-EB02F1F6A73C}"/>
+                <a16:creationId xmlns:a16="http://schemas.microsoft.com/office/drawing/2014/main" id="{1C610F0A-AEED-4C04-BD16-FE2AFFCC614A}"/>
               </a:ext>
             </a:extLst>
           </p:cNvPr>
@@ -7610,8 +8798,8 @@
         </p:nvSpPr>
         <p:spPr>
           <a:xfrm>
-            <a:off x="2999510" y="1099341"/>
-            <a:ext cx="2829790" cy="369332"/>
+            <a:off x="5320145" y="3604998"/>
+            <a:ext cx="2649681" cy="400110"/>
           </a:xfrm>
           <a:prstGeom prst="rect">
             <a:avLst/>
@@ -7624,13 +8812,50 @@
           <a:lstStyle/>
           <a:p>
             <a:r>
-              <a:rPr lang="es-CL" dirty="0"/>
-              <a:t>Ventaja y desventajas</a:t>
-            </a:r>
-            <a:endParaRPr lang="es-ES" dirty="0"/>
-          </a:p>
-        </p:txBody>
-      </p:sp>
+              <a:rPr lang="es-CL" sz="2000" b="1" dirty="0"/>
+              <a:t>Ventaja y Desventajas</a:t>
+            </a:r>
+            <a:endParaRPr lang="es-ES" sz="2000" b="1" dirty="0"/>
+          </a:p>
+        </p:txBody>
+      </p:sp>
+      <p:pic>
+        <p:nvPicPr>
+          <p:cNvPr id="5" name="Imagen 4">
+            <a:extLst>
+              <a:ext uri="{FF2B5EF4-FFF2-40B4-BE49-F238E27FC236}">
+                <a16:creationId xmlns:a16="http://schemas.microsoft.com/office/drawing/2014/main" id="{18BE903F-DE05-45FD-B112-3D30FE00E8C9}"/>
+              </a:ext>
+            </a:extLst>
+          </p:cNvPr>
+          <p:cNvPicPr>
+            <a:picLocks noChangeAspect="1"/>
+          </p:cNvPicPr>
+          <p:nvPr/>
+        </p:nvPicPr>
+        <p:blipFill rotWithShape="1">
+          <a:blip r:embed="rId3">
+            <a:duotone>
+              <a:schemeClr val="accent1">
+                <a:shade val="45000"/>
+                <a:satMod val="135000"/>
+              </a:schemeClr>
+              <a:prstClr val="white"/>
+            </a:duotone>
+          </a:blip>
+          <a:srcRect l="48675" t="44348" r="34881" b="22530"/>
+          <a:stretch/>
+        </p:blipFill>
+        <p:spPr>
+          <a:xfrm>
+            <a:off x="5843682" y="4147271"/>
+            <a:ext cx="1419036" cy="1315575"/>
+          </a:xfrm>
+          <a:prstGeom prst="rect">
+            <a:avLst/>
+          </a:prstGeom>
+        </p:spPr>
+      </p:pic>
     </p:spTree>
     <p:extLst>
       <p:ext uri="{BB962C8B-B14F-4D97-AF65-F5344CB8AC3E}">
@@ -7641,10 +8866,281 @@
   <p:clrMapOvr>
     <a:masterClrMapping/>
   </p:clrMapOvr>
+  <mc:AlternateContent xmlns:mc="http://schemas.openxmlformats.org/markup-compatibility/2006">
+    <mc:Choice xmlns:p15="http://schemas.microsoft.com/office/powerpoint/2012/main" Requires="p15">
+      <p:transition xmlns:p14="http://schemas.microsoft.com/office/powerpoint/2010/main" spd="slow" p14:dur="3250">
+        <p15:prstTrans prst="origami" invX="1"/>
+      </p:transition>
+    </mc:Choice>
+    <mc:Fallback>
+      <p:transition spd="slow">
+        <p:fade/>
+      </p:transition>
+    </mc:Fallback>
+  </mc:AlternateContent>
+  <p:timing>
+    <p:tnLst>
+      <p:par>
+        <p:cTn id="1" dur="indefinite" restart="never" nodeType="tmRoot">
+          <p:childTnLst>
+            <p:seq concurrent="1" nextAc="seek">
+              <p:cTn id="2" dur="indefinite" nodeType="mainSeq">
+                <p:childTnLst>
+                  <p:par>
+                    <p:cTn id="3" fill="hold">
+                      <p:stCondLst>
+                        <p:cond delay="indefinite"/>
+                      </p:stCondLst>
+                      <p:childTnLst>
+                        <p:par>
+                          <p:cTn id="4" fill="hold">
+                            <p:stCondLst>
+                              <p:cond delay="0"/>
+                            </p:stCondLst>
+                            <p:childTnLst>
+                              <p:par>
+                                <p:cTn id="5" presetID="31" presetClass="entr" presetSubtype="0" fill="hold" grpId="0" nodeType="clickEffect">
+                                  <p:stCondLst>
+                                    <p:cond delay="0"/>
+                                  </p:stCondLst>
+                                  <p:childTnLst>
+                                    <p:set>
+                                      <p:cBhvr>
+                                        <p:cTn id="6" dur="1" fill="hold">
+                                          <p:stCondLst>
+                                            <p:cond delay="0"/>
+                                          </p:stCondLst>
+                                        </p:cTn>
+                                        <p:tgtEl>
+                                          <p:spTgt spid="11"/>
+                                        </p:tgtEl>
+                                        <p:attrNameLst>
+                                          <p:attrName>style.visibility</p:attrName>
+                                        </p:attrNameLst>
+                                      </p:cBhvr>
+                                      <p:to>
+                                        <p:strVal val="visible"/>
+                                      </p:to>
+                                    </p:set>
+                                    <p:anim calcmode="lin" valueType="num">
+                                      <p:cBhvr>
+                                        <p:cTn id="7" dur="1000" fill="hold"/>
+                                        <p:tgtEl>
+                                          <p:spTgt spid="11"/>
+                                        </p:tgtEl>
+                                        <p:attrNameLst>
+                                          <p:attrName>ppt_w</p:attrName>
+                                        </p:attrNameLst>
+                                      </p:cBhvr>
+                                      <p:tavLst>
+                                        <p:tav tm="0">
+                                          <p:val>
+                                            <p:fltVal val="0"/>
+                                          </p:val>
+                                        </p:tav>
+                                        <p:tav tm="100000">
+                                          <p:val>
+                                            <p:strVal val="#ppt_w"/>
+                                          </p:val>
+                                        </p:tav>
+                                      </p:tavLst>
+                                    </p:anim>
+                                    <p:anim calcmode="lin" valueType="num">
+                                      <p:cBhvr>
+                                        <p:cTn id="8" dur="1000" fill="hold"/>
+                                        <p:tgtEl>
+                                          <p:spTgt spid="11"/>
+                                        </p:tgtEl>
+                                        <p:attrNameLst>
+                                          <p:attrName>ppt_h</p:attrName>
+                                        </p:attrNameLst>
+                                      </p:cBhvr>
+                                      <p:tavLst>
+                                        <p:tav tm="0">
+                                          <p:val>
+                                            <p:fltVal val="0"/>
+                                          </p:val>
+                                        </p:tav>
+                                        <p:tav tm="100000">
+                                          <p:val>
+                                            <p:strVal val="#ppt_h"/>
+                                          </p:val>
+                                        </p:tav>
+                                      </p:tavLst>
+                                    </p:anim>
+                                    <p:anim calcmode="lin" valueType="num">
+                                      <p:cBhvr>
+                                        <p:cTn id="9" dur="1000" fill="hold"/>
+                                        <p:tgtEl>
+                                          <p:spTgt spid="11"/>
+                                        </p:tgtEl>
+                                        <p:attrNameLst>
+                                          <p:attrName>style.rotation</p:attrName>
+                                        </p:attrNameLst>
+                                      </p:cBhvr>
+                                      <p:tavLst>
+                                        <p:tav tm="0">
+                                          <p:val>
+                                            <p:fltVal val="90"/>
+                                          </p:val>
+                                        </p:tav>
+                                        <p:tav tm="100000">
+                                          <p:val>
+                                            <p:fltVal val="0"/>
+                                          </p:val>
+                                        </p:tav>
+                                      </p:tavLst>
+                                    </p:anim>
+                                    <p:animEffect transition="in" filter="fade">
+                                      <p:cBhvr>
+                                        <p:cTn id="10" dur="1000"/>
+                                        <p:tgtEl>
+                                          <p:spTgt spid="11"/>
+                                        </p:tgtEl>
+                                      </p:cBhvr>
+                                    </p:animEffect>
+                                  </p:childTnLst>
+                                </p:cTn>
+                              </p:par>
+                              <p:par>
+                                <p:cTn id="11" presetID="31" presetClass="entr" presetSubtype="0" fill="hold" nodeType="withEffect">
+                                  <p:stCondLst>
+                                    <p:cond delay="0"/>
+                                  </p:stCondLst>
+                                  <p:childTnLst>
+                                    <p:set>
+                                      <p:cBhvr>
+                                        <p:cTn id="12" dur="1" fill="hold">
+                                          <p:stCondLst>
+                                            <p:cond delay="0"/>
+                                          </p:stCondLst>
+                                        </p:cTn>
+                                        <p:tgtEl>
+                                          <p:spTgt spid="5"/>
+                                        </p:tgtEl>
+                                        <p:attrNameLst>
+                                          <p:attrName>style.visibility</p:attrName>
+                                        </p:attrNameLst>
+                                      </p:cBhvr>
+                                      <p:to>
+                                        <p:strVal val="visible"/>
+                                      </p:to>
+                                    </p:set>
+                                    <p:anim calcmode="lin" valueType="num">
+                                      <p:cBhvr>
+                                        <p:cTn id="13" dur="1000" fill="hold"/>
+                                        <p:tgtEl>
+                                          <p:spTgt spid="5"/>
+                                        </p:tgtEl>
+                                        <p:attrNameLst>
+                                          <p:attrName>ppt_w</p:attrName>
+                                        </p:attrNameLst>
+                                      </p:cBhvr>
+                                      <p:tavLst>
+                                        <p:tav tm="0">
+                                          <p:val>
+                                            <p:fltVal val="0"/>
+                                          </p:val>
+                                        </p:tav>
+                                        <p:tav tm="100000">
+                                          <p:val>
+                                            <p:strVal val="#ppt_w"/>
+                                          </p:val>
+                                        </p:tav>
+                                      </p:tavLst>
+                                    </p:anim>
+                                    <p:anim calcmode="lin" valueType="num">
+                                      <p:cBhvr>
+                                        <p:cTn id="14" dur="1000" fill="hold"/>
+                                        <p:tgtEl>
+                                          <p:spTgt spid="5"/>
+                                        </p:tgtEl>
+                                        <p:attrNameLst>
+                                          <p:attrName>ppt_h</p:attrName>
+                                        </p:attrNameLst>
+                                      </p:cBhvr>
+                                      <p:tavLst>
+                                        <p:tav tm="0">
+                                          <p:val>
+                                            <p:fltVal val="0"/>
+                                          </p:val>
+                                        </p:tav>
+                                        <p:tav tm="100000">
+                                          <p:val>
+                                            <p:strVal val="#ppt_h"/>
+                                          </p:val>
+                                        </p:tav>
+                                      </p:tavLst>
+                                    </p:anim>
+                                    <p:anim calcmode="lin" valueType="num">
+                                      <p:cBhvr>
+                                        <p:cTn id="15" dur="1000" fill="hold"/>
+                                        <p:tgtEl>
+                                          <p:spTgt spid="5"/>
+                                        </p:tgtEl>
+                                        <p:attrNameLst>
+                                          <p:attrName>style.rotation</p:attrName>
+                                        </p:attrNameLst>
+                                      </p:cBhvr>
+                                      <p:tavLst>
+                                        <p:tav tm="0">
+                                          <p:val>
+                                            <p:fltVal val="90"/>
+                                          </p:val>
+                                        </p:tav>
+                                        <p:tav tm="100000">
+                                          <p:val>
+                                            <p:fltVal val="0"/>
+                                          </p:val>
+                                        </p:tav>
+                                      </p:tavLst>
+                                    </p:anim>
+                                    <p:animEffect transition="in" filter="fade">
+                                      <p:cBhvr>
+                                        <p:cTn id="16" dur="1000"/>
+                                        <p:tgtEl>
+                                          <p:spTgt spid="5"/>
+                                        </p:tgtEl>
+                                      </p:cBhvr>
+                                    </p:animEffect>
+                                  </p:childTnLst>
+                                </p:cTn>
+                              </p:par>
+                            </p:childTnLst>
+                          </p:cTn>
+                        </p:par>
+                      </p:childTnLst>
+                    </p:cTn>
+                  </p:par>
+                </p:childTnLst>
+              </p:cTn>
+              <p:prevCondLst>
+                <p:cond evt="onPrev" delay="0">
+                  <p:tgtEl>
+                    <p:sldTgt/>
+                  </p:tgtEl>
+                </p:cond>
+              </p:prevCondLst>
+              <p:nextCondLst>
+                <p:cond evt="onNext" delay="0">
+                  <p:tgtEl>
+                    <p:sldTgt/>
+                  </p:tgtEl>
+                </p:cond>
+              </p:nextCondLst>
+            </p:seq>
+          </p:childTnLst>
+        </p:cTn>
+      </p:par>
+    </p:tnLst>
+    <p:bldLst>
+      <p:bldP spid="11" grpId="0"/>
+    </p:bldLst>
+  </p:timing>
 </p:sld>
 </file>
 
-<file path=ppt/slides/slide11.xml><?xml version="1.0" encoding="utf-8"?>
+<file path=ppt/slides/slide13.xml><?xml version="1.0" encoding="utf-8"?>
 <p:sld xmlns:a="http://schemas.openxmlformats.org/drawingml/2006/main" xmlns:r="http://schemas.openxmlformats.org/officeDocument/2006/relationships" xmlns:p="http://schemas.openxmlformats.org/presentationml/2006/main">
   <p:cSld>
     <p:spTree>
@@ -7674,7 +9170,7 @@
         <p:spPr>
           <a:xfrm>
             <a:off x="259354" y="385487"/>
-            <a:ext cx="4035059" cy="436746"/>
+            <a:ext cx="5372519" cy="436746"/>
           </a:xfrm>
         </p:spPr>
         <p:txBody>
@@ -7688,7 +9184,16 @@
                 </a:solidFill>
                 <a:latin typeface="+mn-lt"/>
               </a:rPr>
-              <a:t>Factibilidad Económica</a:t>
+              <a:t>Factibilidad Económica: </a:t>
+            </a:r>
+            <a:r>
+              <a:rPr lang="es-CL" sz="2400" b="1" i="1" dirty="0">
+                <a:solidFill>
+                  <a:srgbClr val="E30513"/>
+                </a:solidFill>
+                <a:latin typeface="+mn-lt"/>
+              </a:rPr>
+              <a:t>Flujo de Caja</a:t>
             </a:r>
           </a:p>
         </p:txBody>
@@ -7710,7 +9215,7 @@
           <a:p>
             <a:fld id="{C0F9E0D3-51B3-8D47-9FA0-6C6BA96BAD74}" type="slidenum">
               <a:rPr lang="es-ES" smtClean="0"/>
-              <a:t>11</a:t>
+              <a:t>13</a:t>
             </a:fld>
             <a:endParaRPr lang="es-ES"/>
           </a:p>
@@ -7776,8 +9281,8 @@
         </p:blipFill>
         <p:spPr bwMode="auto">
           <a:xfrm>
-            <a:off x="219598" y="916885"/>
-            <a:ext cx="8712368" cy="5375966"/>
+            <a:off x="338399" y="916885"/>
+            <a:ext cx="8467202" cy="5192970"/>
           </a:xfrm>
           <a:prstGeom prst="rect">
             <a:avLst/>
@@ -7795,10 +9300,22 @@
   <p:clrMapOvr>
     <a:masterClrMapping/>
   </p:clrMapOvr>
+  <mc:AlternateContent xmlns:mc="http://schemas.openxmlformats.org/markup-compatibility/2006">
+    <mc:Choice xmlns:p15="http://schemas.microsoft.com/office/powerpoint/2012/main" Requires="p15">
+      <p:transition xmlns:p14="http://schemas.microsoft.com/office/powerpoint/2010/main" spd="slow" p14:dur="3250">
+        <p15:prstTrans prst="origami" invX="1"/>
+      </p:transition>
+    </mc:Choice>
+    <mc:Fallback>
+      <p:transition spd="slow">
+        <p:fade/>
+      </p:transition>
+    </mc:Fallback>
+  </mc:AlternateContent>
 </p:sld>
 </file>
 
-<file path=ppt/slides/slide12.xml><?xml version="1.0" encoding="utf-8"?>
+<file path=ppt/slides/slide14.xml><?xml version="1.0" encoding="utf-8"?>
 <p:sld xmlns:a="http://schemas.openxmlformats.org/drawingml/2006/main" xmlns:r="http://schemas.openxmlformats.org/officeDocument/2006/relationships" xmlns:p="http://schemas.openxmlformats.org/presentationml/2006/main">
   <p:cSld>
     <p:spTree>
@@ -7827,8 +9344,8 @@
         </p:nvSpPr>
         <p:spPr>
           <a:xfrm>
-            <a:off x="259354" y="385487"/>
-            <a:ext cx="4035059" cy="436746"/>
+            <a:off x="259354" y="260795"/>
+            <a:ext cx="5195873" cy="695168"/>
           </a:xfrm>
         </p:spPr>
         <p:txBody>
@@ -7842,7 +9359,16 @@
                 </a:solidFill>
                 <a:latin typeface="+mn-lt"/>
               </a:rPr>
-              <a:t>Factibilidad Económica</a:t>
+              <a:t>Factibilidad Económica: </a:t>
+            </a:r>
+            <a:r>
+              <a:rPr lang="es-CL" sz="2400" b="1" i="1" dirty="0">
+                <a:solidFill>
+                  <a:srgbClr val="E30513"/>
+                </a:solidFill>
+                <a:latin typeface="+mn-lt"/>
+              </a:rPr>
+              <a:t>Indicadores Financieros</a:t>
             </a:r>
           </a:p>
         </p:txBody>
@@ -7864,7 +9390,7 @@
           <a:p>
             <a:fld id="{C0F9E0D3-51B3-8D47-9FA0-6C6BA96BAD74}" type="slidenum">
               <a:rPr lang="es-ES" smtClean="0"/>
-              <a:t>12</a:t>
+              <a:t>14</a:t>
             </a:fld>
             <a:endParaRPr lang="es-ES"/>
           </a:p>
@@ -7905,112 +9431,333 @@
       </p:sp>
       <p:pic>
         <p:nvPicPr>
-          <p:cNvPr id="8" name="Imagen 7">
+          <p:cNvPr id="4" name="Imagen 3">
             <a:extLst>
               <a:ext uri="{FF2B5EF4-FFF2-40B4-BE49-F238E27FC236}">
-                <a16:creationId xmlns:a16="http://schemas.microsoft.com/office/drawing/2014/main" id="{26DCD94A-43B1-4A80-B00C-46F3E853B25F}"/>
+                <a16:creationId xmlns:a16="http://schemas.microsoft.com/office/drawing/2014/main" id="{F275354D-AEF1-44DE-AB7B-A52B2F894412}"/>
               </a:ext>
             </a:extLst>
           </p:cNvPr>
-          <p:cNvPicPr/>
+          <p:cNvPicPr>
+            <a:picLocks noChangeAspect="1"/>
+          </p:cNvPicPr>
           <p:nvPr/>
         </p:nvPicPr>
-        <p:blipFill>
-          <a:blip r:embed="rId2">
-            <a:extLst>
-              <a:ext uri="{28A0092B-C50C-407E-A947-70E740481C1C}">
-                <a14:useLocalDpi xmlns:a14="http://schemas.microsoft.com/office/drawing/2010/main" val="0"/>
-              </a:ext>
-            </a:extLst>
-          </a:blip>
-          <a:srcRect/>
-          <a:stretch>
-            <a:fillRect/>
-          </a:stretch>
+        <p:blipFill rotWithShape="1">
+          <a:blip r:embed="rId2"/>
+          <a:srcRect l="2278" t="6796" r="5424" b="13100"/>
+          <a:stretch/>
         </p:blipFill>
-        <p:spPr bwMode="auto">
+        <p:spPr>
           <a:xfrm>
-            <a:off x="259354" y="822233"/>
-            <a:ext cx="8625292" cy="1748689"/>
+            <a:off x="259353" y="1450115"/>
+            <a:ext cx="4813595" cy="2246983"/>
           </a:xfrm>
           <a:prstGeom prst="rect">
             <a:avLst/>
           </a:prstGeom>
-          <a:noFill/>
         </p:spPr>
       </p:pic>
-      <p:pic>
-        <p:nvPicPr>
-          <p:cNvPr id="9" name="Imagen 8">
+      <p:sp>
+        <p:nvSpPr>
+          <p:cNvPr id="11" name="Rectángulo 10">
             <a:extLst>
               <a:ext uri="{FF2B5EF4-FFF2-40B4-BE49-F238E27FC236}">
-                <a16:creationId xmlns:a16="http://schemas.microsoft.com/office/drawing/2014/main" id="{BE3CD47B-ACDD-4D0A-8426-D27E9B3D7173}"/>
+                <a16:creationId xmlns:a16="http://schemas.microsoft.com/office/drawing/2014/main" id="{5D22EB6B-9DBC-4595-9B09-D4992CFA9843}"/>
               </a:ext>
             </a:extLst>
           </p:cNvPr>
-          <p:cNvPicPr/>
+          <p:cNvSpPr/>
           <p:nvPr/>
-        </p:nvPicPr>
-        <p:blipFill>
-          <a:blip r:embed="rId2">
-            <a:extLst>
-              <a:ext uri="{28A0092B-C50C-407E-A947-70E740481C1C}">
-                <a14:useLocalDpi xmlns:a14="http://schemas.microsoft.com/office/drawing/2010/main" val="0"/>
-              </a:ext>
-            </a:extLst>
-          </a:blip>
-          <a:srcRect/>
-          <a:stretch>
-            <a:fillRect/>
-          </a:stretch>
-        </p:blipFill>
-        <p:spPr bwMode="auto">
+        </p:nvSpPr>
+        <p:spPr>
           <a:xfrm>
-            <a:off x="259354" y="2950611"/>
-            <a:ext cx="8625292" cy="1748689"/>
+            <a:off x="5038725" y="1513641"/>
+            <a:ext cx="3648075" cy="369332"/>
           </a:xfrm>
           <a:prstGeom prst="rect">
             <a:avLst/>
           </a:prstGeom>
-          <a:noFill/>
         </p:spPr>
-      </p:pic>
-      <p:pic>
-        <p:nvPicPr>
-          <p:cNvPr id="10" name="Imagen 9">
+        <p:txBody>
+          <a:bodyPr wrap="square">
+            <a:spAutoFit/>
+          </a:bodyPr>
+          <a:lstStyle/>
+          <a:p>
+            <a:pPr marL="285750" indent="-285750">
+              <a:buFont typeface="Arial" panose="020B0604020202020204" pitchFamily="34" charset="0"/>
+              <a:buChar char="•"/>
+            </a:pPr>
+            <a:r>
+              <a:rPr lang="es-ES" b="1" dirty="0"/>
+              <a:t>Tasa</a:t>
+            </a:r>
+            <a:r>
+              <a:rPr lang="es-ES" dirty="0"/>
+              <a:t> </a:t>
+            </a:r>
+            <a:r>
+              <a:rPr lang="es-ES" dirty="0">
+                <a:sym typeface="Wingdings" panose="05000000000000000000" pitchFamily="2" charset="2"/>
+              </a:rPr>
+              <a:t> propuesta por el Banco.</a:t>
+            </a:r>
+          </a:p>
+        </p:txBody>
+      </p:sp>
+      <p:sp>
+        <p:nvSpPr>
+          <p:cNvPr id="12" name="Rectángulo 11">
             <a:extLst>
               <a:ext uri="{FF2B5EF4-FFF2-40B4-BE49-F238E27FC236}">
-                <a16:creationId xmlns:a16="http://schemas.microsoft.com/office/drawing/2014/main" id="{202F5A0A-FBCC-4D3B-B47D-8B470A9374DF}"/>
+                <a16:creationId xmlns:a16="http://schemas.microsoft.com/office/drawing/2014/main" id="{AF7754E8-1E5C-48BC-BDA6-5A76AD67375F}"/>
               </a:ext>
             </a:extLst>
           </p:cNvPr>
-          <p:cNvPicPr/>
+          <p:cNvSpPr/>
           <p:nvPr/>
-        </p:nvPicPr>
-        <p:blipFill>
-          <a:blip r:embed="rId3">
-            <a:extLst>
-              <a:ext uri="{28A0092B-C50C-407E-A947-70E740481C1C}">
-                <a14:useLocalDpi xmlns:a14="http://schemas.microsoft.com/office/drawing/2010/main" val="0"/>
-              </a:ext>
-            </a:extLst>
-          </a:blip>
-          <a:srcRect/>
-          <a:stretch>
-            <a:fillRect/>
-          </a:stretch>
-        </p:blipFill>
-        <p:spPr bwMode="auto">
+        </p:nvSpPr>
+        <p:spPr>
           <a:xfrm>
-            <a:off x="259353" y="5078989"/>
-            <a:ext cx="8625291" cy="1213862"/>
+            <a:off x="5038724" y="1897937"/>
+            <a:ext cx="3648075" cy="646331"/>
           </a:xfrm>
           <a:prstGeom prst="rect">
             <a:avLst/>
           </a:prstGeom>
-          <a:noFill/>
         </p:spPr>
-      </p:pic>
+        <p:txBody>
+          <a:bodyPr wrap="square">
+            <a:spAutoFit/>
+          </a:bodyPr>
+          <a:lstStyle/>
+          <a:p>
+            <a:pPr marL="285750" indent="-285750">
+              <a:buFont typeface="Arial" panose="020B0604020202020204" pitchFamily="34" charset="0"/>
+              <a:buChar char="•"/>
+            </a:pPr>
+            <a:r>
+              <a:rPr lang="es-ES" b="1" dirty="0"/>
+              <a:t>Periodo</a:t>
+            </a:r>
+            <a:r>
+              <a:rPr lang="es-ES" dirty="0"/>
+              <a:t> </a:t>
+            </a:r>
+            <a:r>
+              <a:rPr lang="es-ES" dirty="0">
+                <a:sym typeface="Wingdings" panose="05000000000000000000" pitchFamily="2" charset="2"/>
+              </a:rPr>
+              <a:t> Años propuesto para el proyecto.</a:t>
+            </a:r>
+          </a:p>
+        </p:txBody>
+      </p:sp>
+      <p:sp>
+        <p:nvSpPr>
+          <p:cNvPr id="13" name="Rectángulo 12">
+            <a:extLst>
+              <a:ext uri="{FF2B5EF4-FFF2-40B4-BE49-F238E27FC236}">
+                <a16:creationId xmlns:a16="http://schemas.microsoft.com/office/drawing/2014/main" id="{E1B37C6E-D32A-46B9-9500-510710597748}"/>
+              </a:ext>
+            </a:extLst>
+          </p:cNvPr>
+          <p:cNvSpPr/>
+          <p:nvPr/>
+        </p:nvSpPr>
+        <p:spPr>
+          <a:xfrm>
+            <a:off x="5038723" y="2529535"/>
+            <a:ext cx="3648075" cy="646331"/>
+          </a:xfrm>
+          <a:prstGeom prst="rect">
+            <a:avLst/>
+          </a:prstGeom>
+        </p:spPr>
+        <p:txBody>
+          <a:bodyPr wrap="square">
+            <a:spAutoFit/>
+          </a:bodyPr>
+          <a:lstStyle/>
+          <a:p>
+            <a:pPr marL="285750" indent="-285750">
+              <a:buFont typeface="Arial" panose="020B0604020202020204" pitchFamily="34" charset="0"/>
+              <a:buChar char="•"/>
+            </a:pPr>
+            <a:r>
+              <a:rPr lang="es-ES" b="1" dirty="0"/>
+              <a:t>VAN</a:t>
+            </a:r>
+            <a:r>
+              <a:rPr lang="es-ES" dirty="0"/>
+              <a:t> </a:t>
+            </a:r>
+            <a:r>
+              <a:rPr lang="es-ES" dirty="0">
+                <a:sym typeface="Wingdings" panose="05000000000000000000" pitchFamily="2" charset="2"/>
+              </a:rPr>
+              <a:t> El proyecto puede aceptarse.</a:t>
+            </a:r>
+          </a:p>
+        </p:txBody>
+      </p:sp>
+      <p:sp>
+        <p:nvSpPr>
+          <p:cNvPr id="5" name="Rectángulo 4">
+            <a:extLst>
+              <a:ext uri="{FF2B5EF4-FFF2-40B4-BE49-F238E27FC236}">
+                <a16:creationId xmlns:a16="http://schemas.microsoft.com/office/drawing/2014/main" id="{E36F60D9-3F1D-4401-9F3A-9099FE4ED9FB}"/>
+              </a:ext>
+            </a:extLst>
+          </p:cNvPr>
+          <p:cNvSpPr/>
+          <p:nvPr/>
+        </p:nvSpPr>
+        <p:spPr>
+          <a:xfrm>
+            <a:off x="259354" y="3811029"/>
+            <a:ext cx="4426948" cy="923330"/>
+          </a:xfrm>
+          <a:prstGeom prst="rect">
+            <a:avLst/>
+          </a:prstGeom>
+        </p:spPr>
+        <p:txBody>
+          <a:bodyPr wrap="square">
+            <a:spAutoFit/>
+          </a:bodyPr>
+          <a:lstStyle/>
+          <a:p>
+            <a:pPr marL="285750" indent="-285750">
+              <a:buFont typeface="Arial" panose="020B0604020202020204" pitchFamily="34" charset="0"/>
+              <a:buChar char="•"/>
+            </a:pPr>
+            <a:r>
+              <a:rPr lang="es-ES" dirty="0"/>
+              <a:t> </a:t>
+            </a:r>
+            <a:r>
+              <a:rPr lang="es-ES" b="1" dirty="0"/>
+              <a:t>TIR </a:t>
+            </a:r>
+            <a:r>
+              <a:rPr lang="es-ES" dirty="0">
+                <a:sym typeface="Wingdings" panose="05000000000000000000" pitchFamily="2" charset="2"/>
+              </a:rPr>
+              <a:t></a:t>
+            </a:r>
+            <a:r>
+              <a:rPr lang="es-ES" dirty="0"/>
+              <a:t> Se aceptará el proyecto. Posee una rentabilidad mayor que la rentabilidad mínima requerida.</a:t>
+            </a:r>
+          </a:p>
+        </p:txBody>
+      </p:sp>
+      <p:sp>
+        <p:nvSpPr>
+          <p:cNvPr id="14" name="Rectángulo 13">
+            <a:extLst>
+              <a:ext uri="{FF2B5EF4-FFF2-40B4-BE49-F238E27FC236}">
+                <a16:creationId xmlns:a16="http://schemas.microsoft.com/office/drawing/2014/main" id="{6F981052-A433-43A1-A822-8C3EEBF611CF}"/>
+              </a:ext>
+            </a:extLst>
+          </p:cNvPr>
+          <p:cNvSpPr/>
+          <p:nvPr/>
+        </p:nvSpPr>
+        <p:spPr>
+          <a:xfrm>
+            <a:off x="5038725" y="3250489"/>
+            <a:ext cx="4426948" cy="369332"/>
+          </a:xfrm>
+          <a:prstGeom prst="rect">
+            <a:avLst/>
+          </a:prstGeom>
+        </p:spPr>
+        <p:txBody>
+          <a:bodyPr wrap="square">
+            <a:spAutoFit/>
+          </a:bodyPr>
+          <a:lstStyle/>
+          <a:p>
+            <a:pPr marL="285750" indent="-285750">
+              <a:buFont typeface="Arial" panose="020B0604020202020204" pitchFamily="34" charset="0"/>
+              <a:buChar char="•"/>
+            </a:pPr>
+            <a:r>
+              <a:rPr lang="es-ES" dirty="0"/>
+              <a:t> </a:t>
+            </a:r>
+            <a:r>
+              <a:rPr lang="es-ES" b="1" dirty="0"/>
+              <a:t>ROI </a:t>
+            </a:r>
+            <a:r>
+              <a:rPr lang="es-ES" dirty="0">
+                <a:sym typeface="Wingdings" panose="05000000000000000000" pitchFamily="2" charset="2"/>
+              </a:rPr>
+              <a:t></a:t>
+            </a:r>
+            <a:r>
+              <a:rPr lang="es-ES" dirty="0"/>
+              <a:t> El proyecto ha perdido dinero.</a:t>
+            </a:r>
+          </a:p>
+        </p:txBody>
+      </p:sp>
+      <p:sp>
+        <p:nvSpPr>
+          <p:cNvPr id="15" name="Rectángulo 14">
+            <a:extLst>
+              <a:ext uri="{FF2B5EF4-FFF2-40B4-BE49-F238E27FC236}">
+                <a16:creationId xmlns:a16="http://schemas.microsoft.com/office/drawing/2014/main" id="{320C30B7-DB7E-42A9-88F8-69C3C474F1FD}"/>
+              </a:ext>
+            </a:extLst>
+          </p:cNvPr>
+          <p:cNvSpPr/>
+          <p:nvPr/>
+        </p:nvSpPr>
+        <p:spPr>
+          <a:xfrm>
+            <a:off x="259353" y="4718720"/>
+            <a:ext cx="4426948" cy="646331"/>
+          </a:xfrm>
+          <a:prstGeom prst="rect">
+            <a:avLst/>
+          </a:prstGeom>
+        </p:spPr>
+        <p:txBody>
+          <a:bodyPr wrap="square">
+            <a:spAutoFit/>
+          </a:bodyPr>
+          <a:lstStyle/>
+          <a:p>
+            <a:pPr marL="285750" indent="-285750">
+              <a:buFont typeface="Arial" panose="020B0604020202020204" pitchFamily="34" charset="0"/>
+              <a:buChar char="•"/>
+            </a:pPr>
+            <a:r>
+              <a:rPr lang="es-ES" dirty="0"/>
+              <a:t> </a:t>
+            </a:r>
+            <a:r>
+              <a:rPr lang="es-ES" b="1" dirty="0"/>
+              <a:t>Payback </a:t>
+            </a:r>
+            <a:r>
+              <a:rPr lang="es-ES" dirty="0">
+                <a:sym typeface="Wingdings" panose="05000000000000000000" pitchFamily="2" charset="2"/>
+              </a:rPr>
+              <a:t></a:t>
+            </a:r>
+            <a:r>
+              <a:rPr lang="es-ES" dirty="0"/>
+              <a:t> Se recupera la inversión al Quinto año con 6 meses.</a:t>
+            </a:r>
+          </a:p>
+        </p:txBody>
+      </p:sp>
     </p:spTree>
     <p:extLst>
       <p:ext uri="{BB962C8B-B14F-4D97-AF65-F5344CB8AC3E}">
@@ -8021,10 +9768,22 @@
   <p:clrMapOvr>
     <a:masterClrMapping/>
   </p:clrMapOvr>
+  <mc:AlternateContent xmlns:mc="http://schemas.openxmlformats.org/markup-compatibility/2006">
+    <mc:Choice xmlns:p15="http://schemas.microsoft.com/office/powerpoint/2012/main" Requires="p15">
+      <p:transition xmlns:p14="http://schemas.microsoft.com/office/powerpoint/2010/main" spd="slow" p14:dur="3250">
+        <p15:prstTrans prst="origami" invX="1"/>
+      </p:transition>
+    </mc:Choice>
+    <mc:Fallback>
+      <p:transition spd="slow">
+        <p:fade/>
+      </p:transition>
+    </mc:Fallback>
+  </mc:AlternateContent>
 </p:sld>
 </file>
 
-<file path=ppt/slides/slide13.xml><?xml version="1.0" encoding="utf-8"?>
+<file path=ppt/slides/slide15.xml><?xml version="1.0" encoding="utf-8"?>
 <p:sld xmlns:a="http://schemas.openxmlformats.org/drawingml/2006/main" xmlns:r="http://schemas.openxmlformats.org/officeDocument/2006/relationships" xmlns:p="http://schemas.openxmlformats.org/presentationml/2006/main">
   <p:cSld>
     <p:spTree>
@@ -8297,7 +10056,7 @@
               <a:rPr lang="es-CL" sz="1600" dirty="0">
                 <a:latin typeface="+mn-lt"/>
               </a:rPr>
-              <a:t>Nombre integrantes del grupo: Felipe Inda; Yerko Fuentes</a:t>
+              <a:t>Nombre integrantes del grupo: Felipe Inda, Yerko Fuentes, Ivo Olivares</a:t>
             </a:r>
           </a:p>
           <a:p>
@@ -8315,7 +10074,7 @@
               <a:rPr lang="es-CL" sz="1600" dirty="0">
                 <a:latin typeface="+mn-lt"/>
               </a:rPr>
-              <a:t>Fecha exposición: 11 de julio del 2019</a:t>
+              <a:t>Fecha exposición: 19 de julio del 2019</a:t>
             </a:r>
           </a:p>
         </p:txBody>
@@ -8323,13 +10082,25 @@
     </p:spTree>
     <p:extLst>
       <p:ext uri="{BB962C8B-B14F-4D97-AF65-F5344CB8AC3E}">
-        <p14:creationId xmlns:p14="http://schemas.microsoft.com/office/powerpoint/2010/main" val="525759608"/>
+        <p14:creationId xmlns:p14="http://schemas.microsoft.com/office/powerpoint/2010/main" val="840533267"/>
       </p:ext>
     </p:extLst>
   </p:cSld>
   <p:clrMapOvr>
     <a:masterClrMapping/>
   </p:clrMapOvr>
+  <mc:AlternateContent xmlns:mc="http://schemas.openxmlformats.org/markup-compatibility/2006">
+    <mc:Choice xmlns:p15="http://schemas.microsoft.com/office/powerpoint/2012/main" Requires="p15">
+      <p:transition xmlns:p14="http://schemas.microsoft.com/office/powerpoint/2010/main" spd="slow" p14:dur="3250">
+        <p15:prstTrans prst="origami" invX="1"/>
+      </p:transition>
+    </mc:Choice>
+    <mc:Fallback>
+      <p:transition spd="slow">
+        <p:fade/>
+      </p:transition>
+    </mc:Fallback>
+  </mc:AlternateContent>
 </p:sld>
 </file>
 
@@ -8392,8 +10163,8 @@
         </p:nvSpPr>
         <p:spPr>
           <a:xfrm>
-            <a:off x="669656" y="817152"/>
-            <a:ext cx="4296158" cy="3033486"/>
+            <a:off x="531735" y="822234"/>
+            <a:ext cx="4296158" cy="2850696"/>
           </a:xfrm>
           <a:prstGeom prst="rect">
             <a:avLst/>
@@ -8462,6 +10233,17 @@
             </a:r>
           </a:p>
           <a:p>
+            <a:endParaRPr lang="es-ES" sz="1400" dirty="0">
+              <a:solidFill>
+                <a:schemeClr val="tx1">
+                  <a:lumMod val="75000"/>
+                  <a:lumOff val="25000"/>
+                </a:schemeClr>
+              </a:solidFill>
+              <a:latin typeface="+mn-lt"/>
+            </a:endParaRPr>
+          </a:p>
+          <a:p>
             <a:r>
               <a:rPr lang="es-ES" sz="1400" dirty="0">
                 <a:solidFill>
@@ -8810,6 +10592,18 @@
   <p:clrMapOvr>
     <a:masterClrMapping/>
   </p:clrMapOvr>
+  <mc:AlternateContent xmlns:mc="http://schemas.openxmlformats.org/markup-compatibility/2006">
+    <mc:Choice xmlns:p15="http://schemas.microsoft.com/office/powerpoint/2012/main" Requires="p15">
+      <p:transition xmlns:p14="http://schemas.microsoft.com/office/powerpoint/2010/main" spd="slow" p14:dur="3250">
+        <p15:prstTrans prst="origami" invX="1"/>
+      </p:transition>
+    </mc:Choice>
+    <mc:Fallback>
+      <p:transition spd="slow">
+        <p:fade/>
+      </p:transition>
+    </mc:Fallback>
+  </mc:AlternateContent>
 </p:sld>
 </file>
 
@@ -8917,7 +10711,7 @@
         </p:blipFill>
         <p:spPr>
           <a:xfrm>
-            <a:off x="377373" y="2032559"/>
+            <a:off x="377373" y="1845798"/>
             <a:ext cx="3774622" cy="2792882"/>
           </a:xfrm>
           <a:prstGeom prst="rect">
@@ -8939,8 +10733,8 @@
         </p:nvSpPr>
         <p:spPr>
           <a:xfrm>
-            <a:off x="4680857" y="2782669"/>
-            <a:ext cx="4318000" cy="830997"/>
+            <a:off x="4591879" y="3557959"/>
+            <a:ext cx="3397174" cy="461665"/>
           </a:xfrm>
           <a:prstGeom prst="rect">
             <a:avLst/>
@@ -8952,24 +10746,11 @@
           </a:bodyPr>
           <a:lstStyle/>
           <a:p>
-            <a:pPr marL="342900" indent="-342900">
-              <a:buFont typeface="Wingdings" panose="05000000000000000000" pitchFamily="2" charset="2"/>
-              <a:buChar char="§"/>
-            </a:pPr>
-            <a:r>
-              <a:rPr lang="es-ES" sz="2400" dirty="0"/>
-              <a:t>Problemática empresarial.</a:t>
-            </a:r>
-          </a:p>
-          <a:p>
-            <a:pPr marL="342900" indent="-342900">
-              <a:buFont typeface="Wingdings" panose="05000000000000000000" pitchFamily="2" charset="2"/>
-              <a:buChar char="§"/>
-            </a:pPr>
-            <a:r>
-              <a:rPr lang="es-ES" sz="2400" dirty="0"/>
-              <a:t>Solución a problemática.</a:t>
-            </a:r>
+            <a:r>
+              <a:rPr lang="es-ES" sz="2400" b="1" dirty="0"/>
+              <a:t>Solución a problemática</a:t>
+            </a:r>
+            <a:endParaRPr lang="es-ES" sz="2400" dirty="0"/>
           </a:p>
         </p:txBody>
       </p:sp>
@@ -9002,6 +10783,162 @@
             <a:r>
               <a:rPr lang="es-ES" dirty="0"/>
               <a:t>Felipe Inda – Yerko Fuentes</a:t>
+            </a:r>
+          </a:p>
+        </p:txBody>
+      </p:sp>
+      <p:sp>
+        <p:nvSpPr>
+          <p:cNvPr id="4" name="Rectángulo 3">
+            <a:extLst>
+              <a:ext uri="{FF2B5EF4-FFF2-40B4-BE49-F238E27FC236}">
+                <a16:creationId xmlns:a16="http://schemas.microsoft.com/office/drawing/2014/main" id="{2ED35C05-6DFD-4123-8CDB-D608E98BA7DB}"/>
+              </a:ext>
+            </a:extLst>
+          </p:cNvPr>
+          <p:cNvSpPr/>
+          <p:nvPr/>
+        </p:nvSpPr>
+        <p:spPr>
+          <a:xfrm>
+            <a:off x="4591879" y="1281228"/>
+            <a:ext cx="3545458" cy="461665"/>
+          </a:xfrm>
+          <a:prstGeom prst="rect">
+            <a:avLst/>
+          </a:prstGeom>
+        </p:spPr>
+        <p:txBody>
+          <a:bodyPr wrap="none">
+            <a:spAutoFit/>
+          </a:bodyPr>
+          <a:lstStyle/>
+          <a:p>
+            <a:r>
+              <a:rPr lang="es-ES" sz="2400" b="1" dirty="0"/>
+              <a:t>Problemática empresarial</a:t>
+            </a:r>
+          </a:p>
+        </p:txBody>
+      </p:sp>
+      <p:sp>
+        <p:nvSpPr>
+          <p:cNvPr id="10" name="Rectángulo 9">
+            <a:extLst>
+              <a:ext uri="{FF2B5EF4-FFF2-40B4-BE49-F238E27FC236}">
+                <a16:creationId xmlns:a16="http://schemas.microsoft.com/office/drawing/2014/main" id="{64262591-2E19-4F55-8DE5-6AB5C5677F1F}"/>
+              </a:ext>
+            </a:extLst>
+          </p:cNvPr>
+          <p:cNvSpPr/>
+          <p:nvPr/>
+        </p:nvSpPr>
+        <p:spPr>
+          <a:xfrm>
+            <a:off x="4591879" y="1772553"/>
+            <a:ext cx="3679787" cy="1631216"/>
+          </a:xfrm>
+          <a:prstGeom prst="rect">
+            <a:avLst/>
+          </a:prstGeom>
+        </p:spPr>
+        <p:txBody>
+          <a:bodyPr wrap="square">
+            <a:spAutoFit/>
+          </a:bodyPr>
+          <a:lstStyle/>
+          <a:p>
+            <a:pPr marL="285750" indent="-285750">
+              <a:spcBef>
+                <a:spcPct val="0"/>
+              </a:spcBef>
+              <a:buFont typeface="Arial" panose="020B0604020202020204" pitchFamily="34" charset="0"/>
+              <a:buChar char="•"/>
+            </a:pPr>
+            <a:r>
+              <a:rPr lang="es-CL" sz="1600" dirty="0"/>
+              <a:t>El enfoque está orientado al robo de vehículos.</a:t>
+            </a:r>
+          </a:p>
+          <a:p>
+            <a:pPr marL="285750" indent="-285750">
+              <a:spcBef>
+                <a:spcPct val="0"/>
+              </a:spcBef>
+              <a:buFont typeface="Arial" panose="020B0604020202020204" pitchFamily="34" charset="0"/>
+              <a:buChar char="•"/>
+            </a:pPr>
+            <a:r>
+              <a:rPr lang="es-CL" sz="1600" dirty="0"/>
+              <a:t>Mitigación de situaciones de delincuencia.</a:t>
+            </a:r>
+          </a:p>
+          <a:p>
+            <a:pPr marL="285750" indent="-285750">
+              <a:spcBef>
+                <a:spcPct val="0"/>
+              </a:spcBef>
+              <a:buFont typeface="Arial" panose="020B0604020202020204" pitchFamily="34" charset="0"/>
+              <a:buChar char="•"/>
+            </a:pPr>
+            <a:r>
+              <a:rPr lang="es-CL" sz="1600" dirty="0"/>
+              <a:t>Situaciones de robo de vehículos y disminuir los delitos.</a:t>
+            </a:r>
+            <a:endParaRPr lang="es-ES" sz="1600" dirty="0"/>
+          </a:p>
+        </p:txBody>
+      </p:sp>
+      <p:sp>
+        <p:nvSpPr>
+          <p:cNvPr id="11" name="Rectángulo 10">
+            <a:extLst>
+              <a:ext uri="{FF2B5EF4-FFF2-40B4-BE49-F238E27FC236}">
+                <a16:creationId xmlns:a16="http://schemas.microsoft.com/office/drawing/2014/main" id="{96F3721F-14B6-418D-B242-AD79466627F6}"/>
+              </a:ext>
+            </a:extLst>
+          </p:cNvPr>
+          <p:cNvSpPr/>
+          <p:nvPr/>
+        </p:nvSpPr>
+        <p:spPr>
+          <a:xfrm>
+            <a:off x="4572000" y="4019624"/>
+            <a:ext cx="3679787" cy="1077218"/>
+          </a:xfrm>
+          <a:prstGeom prst="rect">
+            <a:avLst/>
+          </a:prstGeom>
+        </p:spPr>
+        <p:txBody>
+          <a:bodyPr wrap="square">
+            <a:spAutoFit/>
+          </a:bodyPr>
+          <a:lstStyle/>
+          <a:p>
+            <a:pPr marL="285750" indent="-285750">
+              <a:spcBef>
+                <a:spcPct val="0"/>
+              </a:spcBef>
+              <a:buFont typeface="Arial" panose="020B0604020202020204" pitchFamily="34" charset="0"/>
+              <a:buChar char="•"/>
+            </a:pPr>
+            <a:r>
+              <a:rPr lang="es-CL" sz="1600" dirty="0"/>
+              <a:t>Se tiene la idea de desarrollar una visión artificial.</a:t>
+            </a:r>
+          </a:p>
+          <a:p>
+            <a:pPr marL="285750" indent="-285750">
+              <a:spcBef>
+                <a:spcPct val="0"/>
+              </a:spcBef>
+              <a:buFont typeface="Arial" panose="020B0604020202020204" pitchFamily="34" charset="0"/>
+              <a:buChar char="•"/>
+            </a:pPr>
+            <a:r>
+              <a:rPr lang="es-ES" sz="1600" dirty="0"/>
+              <a:t>Identificar vehículos con encargo por delito.</a:t>
             </a:r>
           </a:p>
         </p:txBody>
@@ -9016,6 +10953,322 @@
   <p:clrMapOvr>
     <a:masterClrMapping/>
   </p:clrMapOvr>
+  <mc:AlternateContent xmlns:mc="http://schemas.openxmlformats.org/markup-compatibility/2006">
+    <mc:Choice xmlns:p15="http://schemas.microsoft.com/office/powerpoint/2012/main" Requires="p15">
+      <p:transition xmlns:p14="http://schemas.microsoft.com/office/powerpoint/2010/main" spd="slow" p14:dur="3250">
+        <p15:prstTrans prst="origami" invX="1"/>
+      </p:transition>
+    </mc:Choice>
+    <mc:Fallback>
+      <p:transition spd="slow">
+        <p:fade/>
+      </p:transition>
+    </mc:Fallback>
+  </mc:AlternateContent>
+  <p:timing>
+    <p:tnLst>
+      <p:par>
+        <p:cTn id="1" dur="indefinite" restart="never" nodeType="tmRoot">
+          <p:childTnLst>
+            <p:seq concurrent="1" nextAc="seek">
+              <p:cTn id="2" dur="indefinite" nodeType="mainSeq">
+                <p:childTnLst>
+                  <p:par>
+                    <p:cTn id="3" fill="hold">
+                      <p:stCondLst>
+                        <p:cond delay="indefinite"/>
+                      </p:stCondLst>
+                      <p:childTnLst>
+                        <p:par>
+                          <p:cTn id="4" fill="hold">
+                            <p:stCondLst>
+                              <p:cond delay="0"/>
+                            </p:stCondLst>
+                            <p:childTnLst>
+                              <p:par>
+                                <p:cTn id="5" presetID="53" presetClass="entr" presetSubtype="16" fill="hold" grpId="0" nodeType="clickEffect">
+                                  <p:stCondLst>
+                                    <p:cond delay="0"/>
+                                  </p:stCondLst>
+                                  <p:childTnLst>
+                                    <p:set>
+                                      <p:cBhvr>
+                                        <p:cTn id="6" dur="1" fill="hold">
+                                          <p:stCondLst>
+                                            <p:cond delay="0"/>
+                                          </p:stCondLst>
+                                        </p:cTn>
+                                        <p:tgtEl>
+                                          <p:spTgt spid="4"/>
+                                        </p:tgtEl>
+                                        <p:attrNameLst>
+                                          <p:attrName>style.visibility</p:attrName>
+                                        </p:attrNameLst>
+                                      </p:cBhvr>
+                                      <p:to>
+                                        <p:strVal val="visible"/>
+                                      </p:to>
+                                    </p:set>
+                                    <p:anim calcmode="lin" valueType="num">
+                                      <p:cBhvr>
+                                        <p:cTn id="7" dur="500" fill="hold"/>
+                                        <p:tgtEl>
+                                          <p:spTgt spid="4"/>
+                                        </p:tgtEl>
+                                        <p:attrNameLst>
+                                          <p:attrName>ppt_w</p:attrName>
+                                        </p:attrNameLst>
+                                      </p:cBhvr>
+                                      <p:tavLst>
+                                        <p:tav tm="0">
+                                          <p:val>
+                                            <p:fltVal val="0"/>
+                                          </p:val>
+                                        </p:tav>
+                                        <p:tav tm="100000">
+                                          <p:val>
+                                            <p:strVal val="#ppt_w"/>
+                                          </p:val>
+                                        </p:tav>
+                                      </p:tavLst>
+                                    </p:anim>
+                                    <p:anim calcmode="lin" valueType="num">
+                                      <p:cBhvr>
+                                        <p:cTn id="8" dur="500" fill="hold"/>
+                                        <p:tgtEl>
+                                          <p:spTgt spid="4"/>
+                                        </p:tgtEl>
+                                        <p:attrNameLst>
+                                          <p:attrName>ppt_h</p:attrName>
+                                        </p:attrNameLst>
+                                      </p:cBhvr>
+                                      <p:tavLst>
+                                        <p:tav tm="0">
+                                          <p:val>
+                                            <p:fltVal val="0"/>
+                                          </p:val>
+                                        </p:tav>
+                                        <p:tav tm="100000">
+                                          <p:val>
+                                            <p:strVal val="#ppt_h"/>
+                                          </p:val>
+                                        </p:tav>
+                                      </p:tavLst>
+                                    </p:anim>
+                                    <p:animEffect transition="in" filter="fade">
+                                      <p:cBhvr>
+                                        <p:cTn id="9" dur="500"/>
+                                        <p:tgtEl>
+                                          <p:spTgt spid="4"/>
+                                        </p:tgtEl>
+                                      </p:cBhvr>
+                                    </p:animEffect>
+                                  </p:childTnLst>
+                                </p:cTn>
+                              </p:par>
+                              <p:par>
+                                <p:cTn id="10" presetID="53" presetClass="entr" presetSubtype="16" fill="hold" grpId="0" nodeType="withEffect">
+                                  <p:stCondLst>
+                                    <p:cond delay="0"/>
+                                  </p:stCondLst>
+                                  <p:childTnLst>
+                                    <p:set>
+                                      <p:cBhvr>
+                                        <p:cTn id="11" dur="1" fill="hold">
+                                          <p:stCondLst>
+                                            <p:cond delay="0"/>
+                                          </p:stCondLst>
+                                        </p:cTn>
+                                        <p:tgtEl>
+                                          <p:spTgt spid="10"/>
+                                        </p:tgtEl>
+                                        <p:attrNameLst>
+                                          <p:attrName>style.visibility</p:attrName>
+                                        </p:attrNameLst>
+                                      </p:cBhvr>
+                                      <p:to>
+                                        <p:strVal val="visible"/>
+                                      </p:to>
+                                    </p:set>
+                                    <p:anim calcmode="lin" valueType="num">
+                                      <p:cBhvr>
+                                        <p:cTn id="12" dur="500" fill="hold"/>
+                                        <p:tgtEl>
+                                          <p:spTgt spid="10"/>
+                                        </p:tgtEl>
+                                        <p:attrNameLst>
+                                          <p:attrName>ppt_w</p:attrName>
+                                        </p:attrNameLst>
+                                      </p:cBhvr>
+                                      <p:tavLst>
+                                        <p:tav tm="0">
+                                          <p:val>
+                                            <p:fltVal val="0"/>
+                                          </p:val>
+                                        </p:tav>
+                                        <p:tav tm="100000">
+                                          <p:val>
+                                            <p:strVal val="#ppt_w"/>
+                                          </p:val>
+                                        </p:tav>
+                                      </p:tavLst>
+                                    </p:anim>
+                                    <p:anim calcmode="lin" valueType="num">
+                                      <p:cBhvr>
+                                        <p:cTn id="13" dur="500" fill="hold"/>
+                                        <p:tgtEl>
+                                          <p:spTgt spid="10"/>
+                                        </p:tgtEl>
+                                        <p:attrNameLst>
+                                          <p:attrName>ppt_h</p:attrName>
+                                        </p:attrNameLst>
+                                      </p:cBhvr>
+                                      <p:tavLst>
+                                        <p:tav tm="0">
+                                          <p:val>
+                                            <p:fltVal val="0"/>
+                                          </p:val>
+                                        </p:tav>
+                                        <p:tav tm="100000">
+                                          <p:val>
+                                            <p:strVal val="#ppt_h"/>
+                                          </p:val>
+                                        </p:tav>
+                                      </p:tavLst>
+                                    </p:anim>
+                                    <p:animEffect transition="in" filter="fade">
+                                      <p:cBhvr>
+                                        <p:cTn id="14" dur="500"/>
+                                        <p:tgtEl>
+                                          <p:spTgt spid="10"/>
+                                        </p:tgtEl>
+                                      </p:cBhvr>
+                                    </p:animEffect>
+                                  </p:childTnLst>
+                                </p:cTn>
+                              </p:par>
+                            </p:childTnLst>
+                          </p:cTn>
+                        </p:par>
+                      </p:childTnLst>
+                    </p:cTn>
+                  </p:par>
+                  <p:par>
+                    <p:cTn id="15" fill="hold">
+                      <p:stCondLst>
+                        <p:cond delay="indefinite"/>
+                      </p:stCondLst>
+                      <p:childTnLst>
+                        <p:par>
+                          <p:cTn id="16" fill="hold">
+                            <p:stCondLst>
+                              <p:cond delay="0"/>
+                            </p:stCondLst>
+                            <p:childTnLst>
+                              <p:par>
+                                <p:cTn id="17" presetID="22" presetClass="entr" presetSubtype="4" fill="hold" grpId="0" nodeType="clickEffect">
+                                  <p:stCondLst>
+                                    <p:cond delay="0"/>
+                                  </p:stCondLst>
+                                  <p:childTnLst>
+                                    <p:set>
+                                      <p:cBhvr>
+                                        <p:cTn id="18" dur="1" fill="hold">
+                                          <p:stCondLst>
+                                            <p:cond delay="0"/>
+                                          </p:stCondLst>
+                                        </p:cTn>
+                                        <p:tgtEl>
+                                          <p:spTgt spid="8"/>
+                                        </p:tgtEl>
+                                        <p:attrNameLst>
+                                          <p:attrName>style.visibility</p:attrName>
+                                        </p:attrNameLst>
+                                      </p:cBhvr>
+                                      <p:to>
+                                        <p:strVal val="visible"/>
+                                      </p:to>
+                                    </p:set>
+                                    <p:animEffect transition="in" filter="wipe(down)">
+                                      <p:cBhvr>
+                                        <p:cTn id="19" dur="500"/>
+                                        <p:tgtEl>
+                                          <p:spTgt spid="8"/>
+                                        </p:tgtEl>
+                                      </p:cBhvr>
+                                    </p:animEffect>
+                                  </p:childTnLst>
+                                </p:cTn>
+                              </p:par>
+                              <p:par>
+                                <p:cTn id="20" presetID="22" presetClass="entr" presetSubtype="4" fill="hold" grpId="0" nodeType="withEffect">
+                                  <p:stCondLst>
+                                    <p:cond delay="0"/>
+                                  </p:stCondLst>
+                                  <p:childTnLst>
+                                    <p:set>
+                                      <p:cBhvr>
+                                        <p:cTn id="21" dur="1" fill="hold">
+                                          <p:stCondLst>
+                                            <p:cond delay="0"/>
+                                          </p:stCondLst>
+                                        </p:cTn>
+                                        <p:tgtEl>
+                                          <p:spTgt spid="11"/>
+                                        </p:tgtEl>
+                                        <p:attrNameLst>
+                                          <p:attrName>style.visibility</p:attrName>
+                                        </p:attrNameLst>
+                                      </p:cBhvr>
+                                      <p:to>
+                                        <p:strVal val="visible"/>
+                                      </p:to>
+                                    </p:set>
+                                    <p:animEffect transition="in" filter="wipe(down)">
+                                      <p:cBhvr>
+                                        <p:cTn id="22" dur="500"/>
+                                        <p:tgtEl>
+                                          <p:spTgt spid="11"/>
+                                        </p:tgtEl>
+                                      </p:cBhvr>
+                                    </p:animEffect>
+                                  </p:childTnLst>
+                                </p:cTn>
+                              </p:par>
+                            </p:childTnLst>
+                          </p:cTn>
+                        </p:par>
+                      </p:childTnLst>
+                    </p:cTn>
+                  </p:par>
+                </p:childTnLst>
+              </p:cTn>
+              <p:prevCondLst>
+                <p:cond evt="onPrev" delay="0">
+                  <p:tgtEl>
+                    <p:sldTgt/>
+                  </p:tgtEl>
+                </p:cond>
+              </p:prevCondLst>
+              <p:nextCondLst>
+                <p:cond evt="onNext" delay="0">
+                  <p:tgtEl>
+                    <p:sldTgt/>
+                  </p:tgtEl>
+                </p:cond>
+              </p:nextCondLst>
+            </p:seq>
+          </p:childTnLst>
+        </p:cTn>
+      </p:par>
+    </p:tnLst>
+    <p:bldLst>
+      <p:bldP spid="8" grpId="0"/>
+      <p:bldP spid="4" grpId="0"/>
+      <p:bldP spid="10" grpId="0"/>
+      <p:bldP spid="11" grpId="0"/>
+    </p:bldLst>
+  </p:timing>
 </p:sld>
 </file>
 
@@ -9048,8 +11301,8 @@
         </p:nvSpPr>
         <p:spPr>
           <a:xfrm>
-            <a:off x="259354" y="385487"/>
-            <a:ext cx="4035059" cy="436746"/>
+            <a:off x="259354" y="349249"/>
+            <a:ext cx="4863364" cy="727364"/>
           </a:xfrm>
         </p:spPr>
         <p:txBody>
@@ -9065,7 +11318,16 @@
                 </a:solidFill>
                 <a:latin typeface="+mn-lt"/>
               </a:rPr>
-              <a:t>Gestión Alcance y tiempo</a:t>
+              <a:t>Gestión Alcance y tiempo: </a:t>
+            </a:r>
+            <a:r>
+              <a:rPr lang="es-CL" sz="2400" b="1" i="1" dirty="0">
+                <a:solidFill>
+                  <a:srgbClr val="E30513"/>
+                </a:solidFill>
+                <a:latin typeface="+mn-lt"/>
+              </a:rPr>
+              <a:t>Alcance del proyecto </a:t>
             </a:r>
           </a:p>
         </p:txBody>
@@ -9126,85 +11388,12 @@
           </a:p>
         </p:txBody>
       </p:sp>
-      <p:sp>
-        <p:nvSpPr>
-          <p:cNvPr id="7" name="Rectángulo 6">
+      <p:pic>
+        <p:nvPicPr>
+          <p:cNvPr id="11" name="Imagen 10">
             <a:extLst>
               <a:ext uri="{FF2B5EF4-FFF2-40B4-BE49-F238E27FC236}">
-                <a16:creationId xmlns:a16="http://schemas.microsoft.com/office/drawing/2014/main" id="{E315686E-55EC-4DBB-A86A-19B5CBEB4436}"/>
-              </a:ext>
-            </a:extLst>
-          </p:cNvPr>
-          <p:cNvSpPr/>
-          <p:nvPr/>
-        </p:nvSpPr>
-        <p:spPr>
-          <a:xfrm>
-            <a:off x="885032" y="4725769"/>
-            <a:ext cx="2783700" cy="461665"/>
-          </a:xfrm>
-          <a:prstGeom prst="rect">
-            <a:avLst/>
-          </a:prstGeom>
-        </p:spPr>
-        <p:txBody>
-          <a:bodyPr wrap="square">
-            <a:spAutoFit/>
-          </a:bodyPr>
-          <a:lstStyle/>
-          <a:p>
-            <a:r>
-              <a:rPr lang="es-CL" sz="2400" dirty="0"/>
-              <a:t>A</a:t>
-            </a:r>
-            <a:r>
-              <a:rPr lang="es-ES" sz="2400" dirty="0"/>
-              <a:t>lcance del proyecto </a:t>
-            </a:r>
-          </a:p>
-        </p:txBody>
-      </p:sp>
-      <p:sp>
-        <p:nvSpPr>
-          <p:cNvPr id="8" name="Rectángulo 7">
-            <a:extLst>
-              <a:ext uri="{FF2B5EF4-FFF2-40B4-BE49-F238E27FC236}">
-                <a16:creationId xmlns:a16="http://schemas.microsoft.com/office/drawing/2014/main" id="{E314EAC6-6984-48C9-8E91-F5E99EE49797}"/>
-              </a:ext>
-            </a:extLst>
-          </p:cNvPr>
-          <p:cNvSpPr/>
-          <p:nvPr/>
-        </p:nvSpPr>
-        <p:spPr>
-          <a:xfrm>
-            <a:off x="5857136" y="4725769"/>
-            <a:ext cx="2027708" cy="461665"/>
-          </a:xfrm>
-          <a:prstGeom prst="rect">
-            <a:avLst/>
-          </a:prstGeom>
-        </p:spPr>
-        <p:txBody>
-          <a:bodyPr wrap="square">
-            <a:spAutoFit/>
-          </a:bodyPr>
-          <a:lstStyle/>
-          <a:p>
-            <a:r>
-              <a:rPr lang="es-CL" sz="2400" dirty="0"/>
-              <a:t>Stakeholders </a:t>
-            </a:r>
-            <a:endParaRPr lang="es-ES" sz="2400" dirty="0"/>
-          </a:p>
-        </p:txBody>
-      </p:sp>
-      <p:pic>
-        <p:nvPicPr>
-          <p:cNvPr id="10" name="Imagen 9">
-            <a:extLst>
-              <a:ext uri="{FF2B5EF4-FFF2-40B4-BE49-F238E27FC236}">
-                <a16:creationId xmlns:a16="http://schemas.microsoft.com/office/drawing/2014/main" id="{39FD1BFA-C78E-4BE2-B610-2143DA8DE0F6}"/>
+                <a16:creationId xmlns:a16="http://schemas.microsoft.com/office/drawing/2014/main" id="{0BA9D00D-0252-45D1-8D02-959A291F042F}"/>
               </a:ext>
             </a:extLst>
           </p:cNvPr>
@@ -9229,52 +11418,245 @@
         </p:blipFill>
         <p:spPr>
           <a:xfrm>
-            <a:off x="5699415" y="1798059"/>
-            <a:ext cx="2343150" cy="1952625"/>
+            <a:off x="416042" y="2130229"/>
+            <a:ext cx="3602981" cy="2394239"/>
           </a:xfrm>
           <a:prstGeom prst="rect">
             <a:avLst/>
           </a:prstGeom>
         </p:spPr>
       </p:pic>
-      <p:pic>
-        <p:nvPicPr>
-          <p:cNvPr id="11" name="Imagen 10">
+      <p:sp>
+        <p:nvSpPr>
+          <p:cNvPr id="13" name="Rectángulo 12">
             <a:extLst>
               <a:ext uri="{FF2B5EF4-FFF2-40B4-BE49-F238E27FC236}">
-                <a16:creationId xmlns:a16="http://schemas.microsoft.com/office/drawing/2014/main" id="{0BA9D00D-0252-45D1-8D02-959A291F042F}"/>
+                <a16:creationId xmlns:a16="http://schemas.microsoft.com/office/drawing/2014/main" id="{30F1EC8A-04B5-472D-9A38-7995C6905796}"/>
               </a:ext>
             </a:extLst>
           </p:cNvPr>
-          <p:cNvPicPr>
-            <a:picLocks noChangeAspect="1"/>
-          </p:cNvPicPr>
+          <p:cNvSpPr/>
           <p:nvPr/>
-        </p:nvPicPr>
-        <p:blipFill>
-          <a:blip r:embed="rId3">
-            <a:duotone>
-              <a:schemeClr val="accent1">
-                <a:shade val="45000"/>
-                <a:satMod val="135000"/>
-              </a:schemeClr>
-              <a:prstClr val="white"/>
-            </a:duotone>
-          </a:blip>
-          <a:stretch>
-            <a:fillRect/>
-          </a:stretch>
-        </p:blipFill>
+        </p:nvSpPr>
         <p:spPr>
           <a:xfrm>
-            <a:off x="800507" y="1826459"/>
-            <a:ext cx="2952750" cy="1962150"/>
+            <a:off x="4404843" y="1579876"/>
+            <a:ext cx="3679787" cy="1569660"/>
           </a:xfrm>
           <a:prstGeom prst="rect">
             <a:avLst/>
           </a:prstGeom>
         </p:spPr>
-      </p:pic>
+        <p:txBody>
+          <a:bodyPr wrap="square">
+            <a:spAutoFit/>
+          </a:bodyPr>
+          <a:lstStyle/>
+          <a:p>
+            <a:pPr marL="285750" indent="-285750">
+              <a:spcBef>
+                <a:spcPct val="0"/>
+              </a:spcBef>
+              <a:buFont typeface="Arial" panose="020B0604020202020204" pitchFamily="34" charset="0"/>
+              <a:buChar char="•"/>
+            </a:pPr>
+            <a:r>
+              <a:rPr lang="es-CL" sz="1600" dirty="0"/>
+              <a:t>Recursos propuestos por la empresa para implementar el proyecto.</a:t>
+            </a:r>
+          </a:p>
+          <a:p>
+            <a:pPr marL="285750" indent="-285750">
+              <a:spcBef>
+                <a:spcPct val="0"/>
+              </a:spcBef>
+              <a:buFont typeface="Arial" panose="020B0604020202020204" pitchFamily="34" charset="0"/>
+              <a:buChar char="•"/>
+            </a:pPr>
+            <a:r>
+              <a:rPr lang="es-CL" sz="1600" dirty="0"/>
+              <a:t>Visión enfocaba al reconocimiento de patentes.</a:t>
+            </a:r>
+          </a:p>
+          <a:p>
+            <a:pPr marL="285750" indent="-285750">
+              <a:spcBef>
+                <a:spcPct val="0"/>
+              </a:spcBef>
+              <a:buFont typeface="Arial" panose="020B0604020202020204" pitchFamily="34" charset="0"/>
+              <a:buChar char="•"/>
+            </a:pPr>
+            <a:r>
+              <a:rPr lang="es-CL" sz="1600" dirty="0"/>
+              <a:t>Cobertura total de las calles de Santiago.</a:t>
+            </a:r>
+          </a:p>
+        </p:txBody>
+      </p:sp>
+      <p:sp>
+        <p:nvSpPr>
+          <p:cNvPr id="14" name="Rectángulo 13">
+            <a:extLst>
+              <a:ext uri="{FF2B5EF4-FFF2-40B4-BE49-F238E27FC236}">
+                <a16:creationId xmlns:a16="http://schemas.microsoft.com/office/drawing/2014/main" id="{BB80BBDE-80A5-42BE-8959-CF944A05F034}"/>
+              </a:ext>
+            </a:extLst>
+          </p:cNvPr>
+          <p:cNvSpPr/>
+          <p:nvPr/>
+        </p:nvSpPr>
+        <p:spPr>
+          <a:xfrm>
+            <a:off x="4404843" y="3739638"/>
+            <a:ext cx="3679787" cy="1569660"/>
+          </a:xfrm>
+          <a:prstGeom prst="rect">
+            <a:avLst/>
+          </a:prstGeom>
+        </p:spPr>
+        <p:txBody>
+          <a:bodyPr wrap="square">
+            <a:spAutoFit/>
+          </a:bodyPr>
+          <a:lstStyle/>
+          <a:p>
+            <a:pPr marL="285750" indent="-285750">
+              <a:spcBef>
+                <a:spcPct val="0"/>
+              </a:spcBef>
+              <a:buFont typeface="Arial" panose="020B0604020202020204" pitchFamily="34" charset="0"/>
+              <a:buChar char="•"/>
+            </a:pPr>
+            <a:r>
+              <a:rPr lang="es-CL" sz="1600" dirty="0"/>
+              <a:t>No implementable en provincias en sus primera fases.</a:t>
+            </a:r>
+          </a:p>
+          <a:p>
+            <a:pPr marL="285750" indent="-285750">
+              <a:spcBef>
+                <a:spcPct val="0"/>
+              </a:spcBef>
+              <a:buFont typeface="Arial" panose="020B0604020202020204" pitchFamily="34" charset="0"/>
+              <a:buChar char="•"/>
+            </a:pPr>
+            <a:r>
+              <a:rPr lang="es-CL" sz="1600" dirty="0"/>
+              <a:t>Diseñado para ciertas empresas de seguridad nacional.</a:t>
+            </a:r>
+          </a:p>
+          <a:p>
+            <a:pPr marL="285750" indent="-285750">
+              <a:spcBef>
+                <a:spcPct val="0"/>
+              </a:spcBef>
+              <a:buFont typeface="Arial" panose="020B0604020202020204" pitchFamily="34" charset="0"/>
+              <a:buChar char="•"/>
+            </a:pPr>
+            <a:r>
+              <a:rPr lang="es-CL" sz="1600" dirty="0"/>
+              <a:t>Visión artificial se entrena para cierta función.</a:t>
+            </a:r>
+            <a:endParaRPr lang="es-ES" sz="1600" dirty="0"/>
+          </a:p>
+        </p:txBody>
+      </p:sp>
+      <p:sp>
+        <p:nvSpPr>
+          <p:cNvPr id="15" name="Rectángulo 14">
+            <a:extLst>
+              <a:ext uri="{FF2B5EF4-FFF2-40B4-BE49-F238E27FC236}">
+                <a16:creationId xmlns:a16="http://schemas.microsoft.com/office/drawing/2014/main" id="{208CBA11-7D9D-40AC-9D5D-A20F00E72BF7}"/>
+              </a:ext>
+            </a:extLst>
+          </p:cNvPr>
+          <p:cNvSpPr/>
+          <p:nvPr/>
+        </p:nvSpPr>
+        <p:spPr>
+          <a:xfrm>
+            <a:off x="4404843" y="1125244"/>
+            <a:ext cx="385869" cy="461665"/>
+          </a:xfrm>
+          <a:prstGeom prst="rect">
+            <a:avLst/>
+          </a:prstGeom>
+        </p:spPr>
+        <p:txBody>
+          <a:bodyPr wrap="square">
+            <a:spAutoFit/>
+          </a:bodyPr>
+          <a:lstStyle/>
+          <a:p>
+            <a:pPr algn="ctr">
+              <a:spcBef>
+                <a:spcPct val="0"/>
+              </a:spcBef>
+            </a:pPr>
+            <a:r>
+              <a:rPr lang="es-CL" sz="2400" b="1" dirty="0">
+                <a:solidFill>
+                  <a:srgbClr val="FF0000"/>
+                </a:solidFill>
+              </a:rPr>
+              <a:t>+</a:t>
+            </a:r>
+            <a:endParaRPr lang="es-ES" sz="2400" b="1" dirty="0">
+              <a:solidFill>
+                <a:srgbClr val="FF0000"/>
+              </a:solidFill>
+            </a:endParaRPr>
+          </a:p>
+        </p:txBody>
+      </p:sp>
+      <p:sp>
+        <p:nvSpPr>
+          <p:cNvPr id="16" name="Rectángulo 15">
+            <a:extLst>
+              <a:ext uri="{FF2B5EF4-FFF2-40B4-BE49-F238E27FC236}">
+                <a16:creationId xmlns:a16="http://schemas.microsoft.com/office/drawing/2014/main" id="{7F7BA0DD-967F-4600-84E1-3BDF5A355BB1}"/>
+              </a:ext>
+            </a:extLst>
+          </p:cNvPr>
+          <p:cNvSpPr/>
+          <p:nvPr/>
+        </p:nvSpPr>
+        <p:spPr>
+          <a:xfrm>
+            <a:off x="4404843" y="3250827"/>
+            <a:ext cx="385869" cy="461665"/>
+          </a:xfrm>
+          <a:prstGeom prst="rect">
+            <a:avLst/>
+          </a:prstGeom>
+        </p:spPr>
+        <p:txBody>
+          <a:bodyPr wrap="square">
+            <a:spAutoFit/>
+          </a:bodyPr>
+          <a:lstStyle/>
+          <a:p>
+            <a:pPr algn="ctr">
+              <a:spcBef>
+                <a:spcPct val="0"/>
+              </a:spcBef>
+            </a:pPr>
+            <a:r>
+              <a:rPr lang="es-CL" sz="2400" b="1" dirty="0">
+                <a:solidFill>
+                  <a:srgbClr val="002060"/>
+                </a:solidFill>
+              </a:rPr>
+              <a:t>-</a:t>
+            </a:r>
+            <a:endParaRPr lang="es-ES" sz="2400" b="1" dirty="0">
+              <a:solidFill>
+                <a:srgbClr val="002060"/>
+              </a:solidFill>
+            </a:endParaRPr>
+          </a:p>
+        </p:txBody>
+      </p:sp>
     </p:spTree>
     <p:extLst>
       <p:ext uri="{BB962C8B-B14F-4D97-AF65-F5344CB8AC3E}">
@@ -9285,6 +11667,854 @@
   <p:clrMapOvr>
     <a:masterClrMapping/>
   </p:clrMapOvr>
+  <mc:AlternateContent xmlns:mc="http://schemas.openxmlformats.org/markup-compatibility/2006">
+    <mc:Choice xmlns:p15="http://schemas.microsoft.com/office/powerpoint/2012/main" Requires="p15">
+      <p:transition xmlns:p14="http://schemas.microsoft.com/office/powerpoint/2010/main" spd="slow" p14:dur="3250">
+        <p15:prstTrans prst="origami" invX="1"/>
+      </p:transition>
+    </mc:Choice>
+    <mc:Fallback>
+      <p:transition spd="slow">
+        <p:fade/>
+      </p:transition>
+    </mc:Fallback>
+  </mc:AlternateContent>
+  <p:timing>
+    <p:tnLst>
+      <p:par>
+        <p:cTn id="1" dur="indefinite" restart="never" nodeType="tmRoot">
+          <p:childTnLst>
+            <p:seq concurrent="1" nextAc="seek">
+              <p:cTn id="2" dur="indefinite" nodeType="mainSeq">
+                <p:childTnLst>
+                  <p:par>
+                    <p:cTn id="3" fill="hold">
+                      <p:stCondLst>
+                        <p:cond delay="indefinite"/>
+                      </p:stCondLst>
+                      <p:childTnLst>
+                        <p:par>
+                          <p:cTn id="4" fill="hold">
+                            <p:stCondLst>
+                              <p:cond delay="0"/>
+                            </p:stCondLst>
+                            <p:childTnLst>
+                              <p:par>
+                                <p:cTn id="5" presetID="31" presetClass="entr" presetSubtype="0" fill="hold" grpId="0" nodeType="clickEffect">
+                                  <p:stCondLst>
+                                    <p:cond delay="0"/>
+                                  </p:stCondLst>
+                                  <p:childTnLst>
+                                    <p:set>
+                                      <p:cBhvr>
+                                        <p:cTn id="6" dur="1" fill="hold">
+                                          <p:stCondLst>
+                                            <p:cond delay="0"/>
+                                          </p:stCondLst>
+                                        </p:cTn>
+                                        <p:tgtEl>
+                                          <p:spTgt spid="13"/>
+                                        </p:tgtEl>
+                                        <p:attrNameLst>
+                                          <p:attrName>style.visibility</p:attrName>
+                                        </p:attrNameLst>
+                                      </p:cBhvr>
+                                      <p:to>
+                                        <p:strVal val="visible"/>
+                                      </p:to>
+                                    </p:set>
+                                    <p:anim calcmode="lin" valueType="num">
+                                      <p:cBhvr>
+                                        <p:cTn id="7" dur="1000" fill="hold"/>
+                                        <p:tgtEl>
+                                          <p:spTgt spid="13"/>
+                                        </p:tgtEl>
+                                        <p:attrNameLst>
+                                          <p:attrName>ppt_w</p:attrName>
+                                        </p:attrNameLst>
+                                      </p:cBhvr>
+                                      <p:tavLst>
+                                        <p:tav tm="0">
+                                          <p:val>
+                                            <p:fltVal val="0"/>
+                                          </p:val>
+                                        </p:tav>
+                                        <p:tav tm="100000">
+                                          <p:val>
+                                            <p:strVal val="#ppt_w"/>
+                                          </p:val>
+                                        </p:tav>
+                                      </p:tavLst>
+                                    </p:anim>
+                                    <p:anim calcmode="lin" valueType="num">
+                                      <p:cBhvr>
+                                        <p:cTn id="8" dur="1000" fill="hold"/>
+                                        <p:tgtEl>
+                                          <p:spTgt spid="13"/>
+                                        </p:tgtEl>
+                                        <p:attrNameLst>
+                                          <p:attrName>ppt_h</p:attrName>
+                                        </p:attrNameLst>
+                                      </p:cBhvr>
+                                      <p:tavLst>
+                                        <p:tav tm="0">
+                                          <p:val>
+                                            <p:fltVal val="0"/>
+                                          </p:val>
+                                        </p:tav>
+                                        <p:tav tm="100000">
+                                          <p:val>
+                                            <p:strVal val="#ppt_h"/>
+                                          </p:val>
+                                        </p:tav>
+                                      </p:tavLst>
+                                    </p:anim>
+                                    <p:anim calcmode="lin" valueType="num">
+                                      <p:cBhvr>
+                                        <p:cTn id="9" dur="1000" fill="hold"/>
+                                        <p:tgtEl>
+                                          <p:spTgt spid="13"/>
+                                        </p:tgtEl>
+                                        <p:attrNameLst>
+                                          <p:attrName>style.rotation</p:attrName>
+                                        </p:attrNameLst>
+                                      </p:cBhvr>
+                                      <p:tavLst>
+                                        <p:tav tm="0">
+                                          <p:val>
+                                            <p:fltVal val="90"/>
+                                          </p:val>
+                                        </p:tav>
+                                        <p:tav tm="100000">
+                                          <p:val>
+                                            <p:fltVal val="0"/>
+                                          </p:val>
+                                        </p:tav>
+                                      </p:tavLst>
+                                    </p:anim>
+                                    <p:animEffect transition="in" filter="fade">
+                                      <p:cBhvr>
+                                        <p:cTn id="10" dur="1000"/>
+                                        <p:tgtEl>
+                                          <p:spTgt spid="13"/>
+                                        </p:tgtEl>
+                                      </p:cBhvr>
+                                    </p:animEffect>
+                                  </p:childTnLst>
+                                </p:cTn>
+                              </p:par>
+                              <p:par>
+                                <p:cTn id="11" presetID="31" presetClass="entr" presetSubtype="0" fill="hold" grpId="0" nodeType="withEffect">
+                                  <p:stCondLst>
+                                    <p:cond delay="0"/>
+                                  </p:stCondLst>
+                                  <p:childTnLst>
+                                    <p:set>
+                                      <p:cBhvr>
+                                        <p:cTn id="12" dur="1" fill="hold">
+                                          <p:stCondLst>
+                                            <p:cond delay="0"/>
+                                          </p:stCondLst>
+                                        </p:cTn>
+                                        <p:tgtEl>
+                                          <p:spTgt spid="15"/>
+                                        </p:tgtEl>
+                                        <p:attrNameLst>
+                                          <p:attrName>style.visibility</p:attrName>
+                                        </p:attrNameLst>
+                                      </p:cBhvr>
+                                      <p:to>
+                                        <p:strVal val="visible"/>
+                                      </p:to>
+                                    </p:set>
+                                    <p:anim calcmode="lin" valueType="num">
+                                      <p:cBhvr>
+                                        <p:cTn id="13" dur="1000" fill="hold"/>
+                                        <p:tgtEl>
+                                          <p:spTgt spid="15"/>
+                                        </p:tgtEl>
+                                        <p:attrNameLst>
+                                          <p:attrName>ppt_w</p:attrName>
+                                        </p:attrNameLst>
+                                      </p:cBhvr>
+                                      <p:tavLst>
+                                        <p:tav tm="0">
+                                          <p:val>
+                                            <p:fltVal val="0"/>
+                                          </p:val>
+                                        </p:tav>
+                                        <p:tav tm="100000">
+                                          <p:val>
+                                            <p:strVal val="#ppt_w"/>
+                                          </p:val>
+                                        </p:tav>
+                                      </p:tavLst>
+                                    </p:anim>
+                                    <p:anim calcmode="lin" valueType="num">
+                                      <p:cBhvr>
+                                        <p:cTn id="14" dur="1000" fill="hold"/>
+                                        <p:tgtEl>
+                                          <p:spTgt spid="15"/>
+                                        </p:tgtEl>
+                                        <p:attrNameLst>
+                                          <p:attrName>ppt_h</p:attrName>
+                                        </p:attrNameLst>
+                                      </p:cBhvr>
+                                      <p:tavLst>
+                                        <p:tav tm="0">
+                                          <p:val>
+                                            <p:fltVal val="0"/>
+                                          </p:val>
+                                        </p:tav>
+                                        <p:tav tm="100000">
+                                          <p:val>
+                                            <p:strVal val="#ppt_h"/>
+                                          </p:val>
+                                        </p:tav>
+                                      </p:tavLst>
+                                    </p:anim>
+                                    <p:anim calcmode="lin" valueType="num">
+                                      <p:cBhvr>
+                                        <p:cTn id="15" dur="1000" fill="hold"/>
+                                        <p:tgtEl>
+                                          <p:spTgt spid="15"/>
+                                        </p:tgtEl>
+                                        <p:attrNameLst>
+                                          <p:attrName>style.rotation</p:attrName>
+                                        </p:attrNameLst>
+                                      </p:cBhvr>
+                                      <p:tavLst>
+                                        <p:tav tm="0">
+                                          <p:val>
+                                            <p:fltVal val="90"/>
+                                          </p:val>
+                                        </p:tav>
+                                        <p:tav tm="100000">
+                                          <p:val>
+                                            <p:fltVal val="0"/>
+                                          </p:val>
+                                        </p:tav>
+                                      </p:tavLst>
+                                    </p:anim>
+                                    <p:animEffect transition="in" filter="fade">
+                                      <p:cBhvr>
+                                        <p:cTn id="16" dur="1000"/>
+                                        <p:tgtEl>
+                                          <p:spTgt spid="15"/>
+                                        </p:tgtEl>
+                                      </p:cBhvr>
+                                    </p:animEffect>
+                                  </p:childTnLst>
+                                </p:cTn>
+                              </p:par>
+                            </p:childTnLst>
+                          </p:cTn>
+                        </p:par>
+                      </p:childTnLst>
+                    </p:cTn>
+                  </p:par>
+                  <p:par>
+                    <p:cTn id="17" fill="hold">
+                      <p:stCondLst>
+                        <p:cond delay="indefinite"/>
+                      </p:stCondLst>
+                      <p:childTnLst>
+                        <p:par>
+                          <p:cTn id="18" fill="hold">
+                            <p:stCondLst>
+                              <p:cond delay="0"/>
+                            </p:stCondLst>
+                            <p:childTnLst>
+                              <p:par>
+                                <p:cTn id="19" presetID="26" presetClass="entr" presetSubtype="0" fill="hold" grpId="0" nodeType="clickEffect">
+                                  <p:stCondLst>
+                                    <p:cond delay="0"/>
+                                  </p:stCondLst>
+                                  <p:childTnLst>
+                                    <p:set>
+                                      <p:cBhvr>
+                                        <p:cTn id="20" dur="1" fill="hold">
+                                          <p:stCondLst>
+                                            <p:cond delay="0"/>
+                                          </p:stCondLst>
+                                        </p:cTn>
+                                        <p:tgtEl>
+                                          <p:spTgt spid="14"/>
+                                        </p:tgtEl>
+                                        <p:attrNameLst>
+                                          <p:attrName>style.visibility</p:attrName>
+                                        </p:attrNameLst>
+                                      </p:cBhvr>
+                                      <p:to>
+                                        <p:strVal val="visible"/>
+                                      </p:to>
+                                    </p:set>
+                                    <p:animEffect transition="in" filter="wipe(down)">
+                                      <p:cBhvr>
+                                        <p:cTn id="21" dur="580">
+                                          <p:stCondLst>
+                                            <p:cond delay="0"/>
+                                          </p:stCondLst>
+                                        </p:cTn>
+                                        <p:tgtEl>
+                                          <p:spTgt spid="14"/>
+                                        </p:tgtEl>
+                                      </p:cBhvr>
+                                    </p:animEffect>
+                                    <p:anim calcmode="lin" valueType="num">
+                                      <p:cBhvr>
+                                        <p:cTn id="22" dur="1822" tmFilter="0,0; 0.14,0.36; 0.43,0.73; 0.71,0.91; 1.0,1.0">
+                                          <p:stCondLst>
+                                            <p:cond delay="0"/>
+                                          </p:stCondLst>
+                                        </p:cTn>
+                                        <p:tgtEl>
+                                          <p:spTgt spid="14"/>
+                                        </p:tgtEl>
+                                        <p:attrNameLst>
+                                          <p:attrName>ppt_x</p:attrName>
+                                        </p:attrNameLst>
+                                      </p:cBhvr>
+                                      <p:tavLst>
+                                        <p:tav tm="0">
+                                          <p:val>
+                                            <p:strVal val="#ppt_x-0.25"/>
+                                          </p:val>
+                                        </p:tav>
+                                        <p:tav tm="100000">
+                                          <p:val>
+                                            <p:strVal val="#ppt_x"/>
+                                          </p:val>
+                                        </p:tav>
+                                      </p:tavLst>
+                                    </p:anim>
+                                    <p:anim calcmode="lin" valueType="num">
+                                      <p:cBhvr>
+                                        <p:cTn id="23" dur="664" tmFilter="0.0,0.0; 0.25,0.07; 0.50,0.2; 0.75,0.467; 1.0,1.0">
+                                          <p:stCondLst>
+                                            <p:cond delay="0"/>
+                                          </p:stCondLst>
+                                        </p:cTn>
+                                        <p:tgtEl>
+                                          <p:spTgt spid="14"/>
+                                        </p:tgtEl>
+                                        <p:attrNameLst>
+                                          <p:attrName>ppt_y</p:attrName>
+                                        </p:attrNameLst>
+                                      </p:cBhvr>
+                                      <p:tavLst>
+                                        <p:tav tm="0" fmla="#ppt_y-sin(pi*$)/3">
+                                          <p:val>
+                                            <p:fltVal val="0.5"/>
+                                          </p:val>
+                                        </p:tav>
+                                        <p:tav tm="100000">
+                                          <p:val>
+                                            <p:fltVal val="1"/>
+                                          </p:val>
+                                        </p:tav>
+                                      </p:tavLst>
+                                    </p:anim>
+                                    <p:anim calcmode="lin" valueType="num">
+                                      <p:cBhvr>
+                                        <p:cTn id="24" dur="664" tmFilter="0, 0; 0.125,0.2665; 0.25,0.4; 0.375,0.465; 0.5,0.5;  0.625,0.535; 0.75,0.6; 0.875,0.7335; 1,1">
+                                          <p:stCondLst>
+                                            <p:cond delay="664"/>
+                                          </p:stCondLst>
+                                        </p:cTn>
+                                        <p:tgtEl>
+                                          <p:spTgt spid="14"/>
+                                        </p:tgtEl>
+                                        <p:attrNameLst>
+                                          <p:attrName>ppt_y</p:attrName>
+                                        </p:attrNameLst>
+                                      </p:cBhvr>
+                                      <p:tavLst>
+                                        <p:tav tm="0" fmla="#ppt_y-sin(pi*$)/9">
+                                          <p:val>
+                                            <p:fltVal val="0"/>
+                                          </p:val>
+                                        </p:tav>
+                                        <p:tav tm="100000">
+                                          <p:val>
+                                            <p:fltVal val="1"/>
+                                          </p:val>
+                                        </p:tav>
+                                      </p:tavLst>
+                                    </p:anim>
+                                    <p:anim calcmode="lin" valueType="num">
+                                      <p:cBhvr>
+                                        <p:cTn id="25" dur="332" tmFilter="0, 0; 0.125,0.2665; 0.25,0.4; 0.375,0.465; 0.5,0.5;  0.625,0.535; 0.75,0.6; 0.875,0.7335; 1,1">
+                                          <p:stCondLst>
+                                            <p:cond delay="1324"/>
+                                          </p:stCondLst>
+                                        </p:cTn>
+                                        <p:tgtEl>
+                                          <p:spTgt spid="14"/>
+                                        </p:tgtEl>
+                                        <p:attrNameLst>
+                                          <p:attrName>ppt_y</p:attrName>
+                                        </p:attrNameLst>
+                                      </p:cBhvr>
+                                      <p:tavLst>
+                                        <p:tav tm="0" fmla="#ppt_y-sin(pi*$)/27">
+                                          <p:val>
+                                            <p:fltVal val="0"/>
+                                          </p:val>
+                                        </p:tav>
+                                        <p:tav tm="100000">
+                                          <p:val>
+                                            <p:fltVal val="1"/>
+                                          </p:val>
+                                        </p:tav>
+                                      </p:tavLst>
+                                    </p:anim>
+                                    <p:anim calcmode="lin" valueType="num">
+                                      <p:cBhvr>
+                                        <p:cTn id="26" dur="164" tmFilter="0, 0; 0.125,0.2665; 0.25,0.4; 0.375,0.465; 0.5,0.5;  0.625,0.535; 0.75,0.6; 0.875,0.7335; 1,1">
+                                          <p:stCondLst>
+                                            <p:cond delay="1656"/>
+                                          </p:stCondLst>
+                                        </p:cTn>
+                                        <p:tgtEl>
+                                          <p:spTgt spid="14"/>
+                                        </p:tgtEl>
+                                        <p:attrNameLst>
+                                          <p:attrName>ppt_y</p:attrName>
+                                        </p:attrNameLst>
+                                      </p:cBhvr>
+                                      <p:tavLst>
+                                        <p:tav tm="0" fmla="#ppt_y-sin(pi*$)/81">
+                                          <p:val>
+                                            <p:fltVal val="0"/>
+                                          </p:val>
+                                        </p:tav>
+                                        <p:tav tm="100000">
+                                          <p:val>
+                                            <p:fltVal val="1"/>
+                                          </p:val>
+                                        </p:tav>
+                                      </p:tavLst>
+                                    </p:anim>
+                                    <p:animScale>
+                                      <p:cBhvr>
+                                        <p:cTn id="27" dur="26">
+                                          <p:stCondLst>
+                                            <p:cond delay="650"/>
+                                          </p:stCondLst>
+                                        </p:cTn>
+                                        <p:tgtEl>
+                                          <p:spTgt spid="14"/>
+                                        </p:tgtEl>
+                                      </p:cBhvr>
+                                      <p:to x="100000" y="60000"/>
+                                    </p:animScale>
+                                    <p:animScale>
+                                      <p:cBhvr>
+                                        <p:cTn id="28" dur="166" decel="50000">
+                                          <p:stCondLst>
+                                            <p:cond delay="676"/>
+                                          </p:stCondLst>
+                                        </p:cTn>
+                                        <p:tgtEl>
+                                          <p:spTgt spid="14"/>
+                                        </p:tgtEl>
+                                      </p:cBhvr>
+                                      <p:to x="100000" y="100000"/>
+                                    </p:animScale>
+                                    <p:animScale>
+                                      <p:cBhvr>
+                                        <p:cTn id="29" dur="26">
+                                          <p:stCondLst>
+                                            <p:cond delay="1312"/>
+                                          </p:stCondLst>
+                                        </p:cTn>
+                                        <p:tgtEl>
+                                          <p:spTgt spid="14"/>
+                                        </p:tgtEl>
+                                      </p:cBhvr>
+                                      <p:to x="100000" y="80000"/>
+                                    </p:animScale>
+                                    <p:animScale>
+                                      <p:cBhvr>
+                                        <p:cTn id="30" dur="166" decel="50000">
+                                          <p:stCondLst>
+                                            <p:cond delay="1338"/>
+                                          </p:stCondLst>
+                                        </p:cTn>
+                                        <p:tgtEl>
+                                          <p:spTgt spid="14"/>
+                                        </p:tgtEl>
+                                      </p:cBhvr>
+                                      <p:to x="100000" y="100000"/>
+                                    </p:animScale>
+                                    <p:animScale>
+                                      <p:cBhvr>
+                                        <p:cTn id="31" dur="26">
+                                          <p:stCondLst>
+                                            <p:cond delay="1642"/>
+                                          </p:stCondLst>
+                                        </p:cTn>
+                                        <p:tgtEl>
+                                          <p:spTgt spid="14"/>
+                                        </p:tgtEl>
+                                      </p:cBhvr>
+                                      <p:to x="100000" y="90000"/>
+                                    </p:animScale>
+                                    <p:animScale>
+                                      <p:cBhvr>
+                                        <p:cTn id="32" dur="166" decel="50000">
+                                          <p:stCondLst>
+                                            <p:cond delay="1668"/>
+                                          </p:stCondLst>
+                                        </p:cTn>
+                                        <p:tgtEl>
+                                          <p:spTgt spid="14"/>
+                                        </p:tgtEl>
+                                      </p:cBhvr>
+                                      <p:to x="100000" y="100000"/>
+                                    </p:animScale>
+                                    <p:animScale>
+                                      <p:cBhvr>
+                                        <p:cTn id="33" dur="26">
+                                          <p:stCondLst>
+                                            <p:cond delay="1808"/>
+                                          </p:stCondLst>
+                                        </p:cTn>
+                                        <p:tgtEl>
+                                          <p:spTgt spid="14"/>
+                                        </p:tgtEl>
+                                      </p:cBhvr>
+                                      <p:to x="100000" y="95000"/>
+                                    </p:animScale>
+                                    <p:animScale>
+                                      <p:cBhvr>
+                                        <p:cTn id="34" dur="166" decel="50000">
+                                          <p:stCondLst>
+                                            <p:cond delay="1834"/>
+                                          </p:stCondLst>
+                                        </p:cTn>
+                                        <p:tgtEl>
+                                          <p:spTgt spid="14"/>
+                                        </p:tgtEl>
+                                      </p:cBhvr>
+                                      <p:to x="100000" y="100000"/>
+                                    </p:animScale>
+                                  </p:childTnLst>
+                                </p:cTn>
+                              </p:par>
+                              <p:par>
+                                <p:cTn id="35" presetID="26" presetClass="entr" presetSubtype="0" fill="hold" grpId="0" nodeType="withEffect">
+                                  <p:stCondLst>
+                                    <p:cond delay="0"/>
+                                  </p:stCondLst>
+                                  <p:childTnLst>
+                                    <p:set>
+                                      <p:cBhvr>
+                                        <p:cTn id="36" dur="1" fill="hold">
+                                          <p:stCondLst>
+                                            <p:cond delay="0"/>
+                                          </p:stCondLst>
+                                        </p:cTn>
+                                        <p:tgtEl>
+                                          <p:spTgt spid="16"/>
+                                        </p:tgtEl>
+                                        <p:attrNameLst>
+                                          <p:attrName>style.visibility</p:attrName>
+                                        </p:attrNameLst>
+                                      </p:cBhvr>
+                                      <p:to>
+                                        <p:strVal val="visible"/>
+                                      </p:to>
+                                    </p:set>
+                                    <p:animEffect transition="in" filter="wipe(down)">
+                                      <p:cBhvr>
+                                        <p:cTn id="37" dur="580">
+                                          <p:stCondLst>
+                                            <p:cond delay="0"/>
+                                          </p:stCondLst>
+                                        </p:cTn>
+                                        <p:tgtEl>
+                                          <p:spTgt spid="16"/>
+                                        </p:tgtEl>
+                                      </p:cBhvr>
+                                    </p:animEffect>
+                                    <p:anim calcmode="lin" valueType="num">
+                                      <p:cBhvr>
+                                        <p:cTn id="38" dur="1822" tmFilter="0,0; 0.14,0.36; 0.43,0.73; 0.71,0.91; 1.0,1.0">
+                                          <p:stCondLst>
+                                            <p:cond delay="0"/>
+                                          </p:stCondLst>
+                                        </p:cTn>
+                                        <p:tgtEl>
+                                          <p:spTgt spid="16"/>
+                                        </p:tgtEl>
+                                        <p:attrNameLst>
+                                          <p:attrName>ppt_x</p:attrName>
+                                        </p:attrNameLst>
+                                      </p:cBhvr>
+                                      <p:tavLst>
+                                        <p:tav tm="0">
+                                          <p:val>
+                                            <p:strVal val="#ppt_x-0.25"/>
+                                          </p:val>
+                                        </p:tav>
+                                        <p:tav tm="100000">
+                                          <p:val>
+                                            <p:strVal val="#ppt_x"/>
+                                          </p:val>
+                                        </p:tav>
+                                      </p:tavLst>
+                                    </p:anim>
+                                    <p:anim calcmode="lin" valueType="num">
+                                      <p:cBhvr>
+                                        <p:cTn id="39" dur="664" tmFilter="0.0,0.0; 0.25,0.07; 0.50,0.2; 0.75,0.467; 1.0,1.0">
+                                          <p:stCondLst>
+                                            <p:cond delay="0"/>
+                                          </p:stCondLst>
+                                        </p:cTn>
+                                        <p:tgtEl>
+                                          <p:spTgt spid="16"/>
+                                        </p:tgtEl>
+                                        <p:attrNameLst>
+                                          <p:attrName>ppt_y</p:attrName>
+                                        </p:attrNameLst>
+                                      </p:cBhvr>
+                                      <p:tavLst>
+                                        <p:tav tm="0" fmla="#ppt_y-sin(pi*$)/3">
+                                          <p:val>
+                                            <p:fltVal val="0.5"/>
+                                          </p:val>
+                                        </p:tav>
+                                        <p:tav tm="100000">
+                                          <p:val>
+                                            <p:fltVal val="1"/>
+                                          </p:val>
+                                        </p:tav>
+                                      </p:tavLst>
+                                    </p:anim>
+                                    <p:anim calcmode="lin" valueType="num">
+                                      <p:cBhvr>
+                                        <p:cTn id="40" dur="664" tmFilter="0, 0; 0.125,0.2665; 0.25,0.4; 0.375,0.465; 0.5,0.5;  0.625,0.535; 0.75,0.6; 0.875,0.7335; 1,1">
+                                          <p:stCondLst>
+                                            <p:cond delay="664"/>
+                                          </p:stCondLst>
+                                        </p:cTn>
+                                        <p:tgtEl>
+                                          <p:spTgt spid="16"/>
+                                        </p:tgtEl>
+                                        <p:attrNameLst>
+                                          <p:attrName>ppt_y</p:attrName>
+                                        </p:attrNameLst>
+                                      </p:cBhvr>
+                                      <p:tavLst>
+                                        <p:tav tm="0" fmla="#ppt_y-sin(pi*$)/9">
+                                          <p:val>
+                                            <p:fltVal val="0"/>
+                                          </p:val>
+                                        </p:tav>
+                                        <p:tav tm="100000">
+                                          <p:val>
+                                            <p:fltVal val="1"/>
+                                          </p:val>
+                                        </p:tav>
+                                      </p:tavLst>
+                                    </p:anim>
+                                    <p:anim calcmode="lin" valueType="num">
+                                      <p:cBhvr>
+                                        <p:cTn id="41" dur="332" tmFilter="0, 0; 0.125,0.2665; 0.25,0.4; 0.375,0.465; 0.5,0.5;  0.625,0.535; 0.75,0.6; 0.875,0.7335; 1,1">
+                                          <p:stCondLst>
+                                            <p:cond delay="1324"/>
+                                          </p:stCondLst>
+                                        </p:cTn>
+                                        <p:tgtEl>
+                                          <p:spTgt spid="16"/>
+                                        </p:tgtEl>
+                                        <p:attrNameLst>
+                                          <p:attrName>ppt_y</p:attrName>
+                                        </p:attrNameLst>
+                                      </p:cBhvr>
+                                      <p:tavLst>
+                                        <p:tav tm="0" fmla="#ppt_y-sin(pi*$)/27">
+                                          <p:val>
+                                            <p:fltVal val="0"/>
+                                          </p:val>
+                                        </p:tav>
+                                        <p:tav tm="100000">
+                                          <p:val>
+                                            <p:fltVal val="1"/>
+                                          </p:val>
+                                        </p:tav>
+                                      </p:tavLst>
+                                    </p:anim>
+                                    <p:anim calcmode="lin" valueType="num">
+                                      <p:cBhvr>
+                                        <p:cTn id="42" dur="164" tmFilter="0, 0; 0.125,0.2665; 0.25,0.4; 0.375,0.465; 0.5,0.5;  0.625,0.535; 0.75,0.6; 0.875,0.7335; 1,1">
+                                          <p:stCondLst>
+                                            <p:cond delay="1656"/>
+                                          </p:stCondLst>
+                                        </p:cTn>
+                                        <p:tgtEl>
+                                          <p:spTgt spid="16"/>
+                                        </p:tgtEl>
+                                        <p:attrNameLst>
+                                          <p:attrName>ppt_y</p:attrName>
+                                        </p:attrNameLst>
+                                      </p:cBhvr>
+                                      <p:tavLst>
+                                        <p:tav tm="0" fmla="#ppt_y-sin(pi*$)/81">
+                                          <p:val>
+                                            <p:fltVal val="0"/>
+                                          </p:val>
+                                        </p:tav>
+                                        <p:tav tm="100000">
+                                          <p:val>
+                                            <p:fltVal val="1"/>
+                                          </p:val>
+                                        </p:tav>
+                                      </p:tavLst>
+                                    </p:anim>
+                                    <p:animScale>
+                                      <p:cBhvr>
+                                        <p:cTn id="43" dur="26">
+                                          <p:stCondLst>
+                                            <p:cond delay="650"/>
+                                          </p:stCondLst>
+                                        </p:cTn>
+                                        <p:tgtEl>
+                                          <p:spTgt spid="16"/>
+                                        </p:tgtEl>
+                                      </p:cBhvr>
+                                      <p:to x="100000" y="60000"/>
+                                    </p:animScale>
+                                    <p:animScale>
+                                      <p:cBhvr>
+                                        <p:cTn id="44" dur="166" decel="50000">
+                                          <p:stCondLst>
+                                            <p:cond delay="676"/>
+                                          </p:stCondLst>
+                                        </p:cTn>
+                                        <p:tgtEl>
+                                          <p:spTgt spid="16"/>
+                                        </p:tgtEl>
+                                      </p:cBhvr>
+                                      <p:to x="100000" y="100000"/>
+                                    </p:animScale>
+                                    <p:animScale>
+                                      <p:cBhvr>
+                                        <p:cTn id="45" dur="26">
+                                          <p:stCondLst>
+                                            <p:cond delay="1312"/>
+                                          </p:stCondLst>
+                                        </p:cTn>
+                                        <p:tgtEl>
+                                          <p:spTgt spid="16"/>
+                                        </p:tgtEl>
+                                      </p:cBhvr>
+                                      <p:to x="100000" y="80000"/>
+                                    </p:animScale>
+                                    <p:animScale>
+                                      <p:cBhvr>
+                                        <p:cTn id="46" dur="166" decel="50000">
+                                          <p:stCondLst>
+                                            <p:cond delay="1338"/>
+                                          </p:stCondLst>
+                                        </p:cTn>
+                                        <p:tgtEl>
+                                          <p:spTgt spid="16"/>
+                                        </p:tgtEl>
+                                      </p:cBhvr>
+                                      <p:to x="100000" y="100000"/>
+                                    </p:animScale>
+                                    <p:animScale>
+                                      <p:cBhvr>
+                                        <p:cTn id="47" dur="26">
+                                          <p:stCondLst>
+                                            <p:cond delay="1642"/>
+                                          </p:stCondLst>
+                                        </p:cTn>
+                                        <p:tgtEl>
+                                          <p:spTgt spid="16"/>
+                                        </p:tgtEl>
+                                      </p:cBhvr>
+                                      <p:to x="100000" y="90000"/>
+                                    </p:animScale>
+                                    <p:animScale>
+                                      <p:cBhvr>
+                                        <p:cTn id="48" dur="166" decel="50000">
+                                          <p:stCondLst>
+                                            <p:cond delay="1668"/>
+                                          </p:stCondLst>
+                                        </p:cTn>
+                                        <p:tgtEl>
+                                          <p:spTgt spid="16"/>
+                                        </p:tgtEl>
+                                      </p:cBhvr>
+                                      <p:to x="100000" y="100000"/>
+                                    </p:animScale>
+                                    <p:animScale>
+                                      <p:cBhvr>
+                                        <p:cTn id="49" dur="26">
+                                          <p:stCondLst>
+                                            <p:cond delay="1808"/>
+                                          </p:stCondLst>
+                                        </p:cTn>
+                                        <p:tgtEl>
+                                          <p:spTgt spid="16"/>
+                                        </p:tgtEl>
+                                      </p:cBhvr>
+                                      <p:to x="100000" y="95000"/>
+                                    </p:animScale>
+                                    <p:animScale>
+                                      <p:cBhvr>
+                                        <p:cTn id="50" dur="166" decel="50000">
+                                          <p:stCondLst>
+                                            <p:cond delay="1834"/>
+                                          </p:stCondLst>
+                                        </p:cTn>
+                                        <p:tgtEl>
+                                          <p:spTgt spid="16"/>
+                                        </p:tgtEl>
+                                      </p:cBhvr>
+                                      <p:to x="100000" y="100000"/>
+                                    </p:animScale>
+                                  </p:childTnLst>
+                                </p:cTn>
+                              </p:par>
+                            </p:childTnLst>
+                          </p:cTn>
+                        </p:par>
+                      </p:childTnLst>
+                    </p:cTn>
+                  </p:par>
+                </p:childTnLst>
+              </p:cTn>
+              <p:prevCondLst>
+                <p:cond evt="onPrev" delay="0">
+                  <p:tgtEl>
+                    <p:sldTgt/>
+                  </p:tgtEl>
+                </p:cond>
+              </p:prevCondLst>
+              <p:nextCondLst>
+                <p:cond evt="onNext" delay="0">
+                  <p:tgtEl>
+                    <p:sldTgt/>
+                  </p:tgtEl>
+                </p:cond>
+              </p:nextCondLst>
+            </p:seq>
+          </p:childTnLst>
+        </p:cTn>
+      </p:par>
+    </p:tnLst>
+    <p:bldLst>
+      <p:bldP spid="13" grpId="0"/>
+      <p:bldP spid="14" grpId="0"/>
+      <p:bldP spid="15" grpId="0"/>
+      <p:bldP spid="16" grpId="0"/>
+    </p:bldLst>
+  </p:timing>
 </p:sld>
 </file>
 
@@ -9318,7 +12548,7 @@
         <p:spPr>
           <a:xfrm>
             <a:off x="259354" y="385487"/>
-            <a:ext cx="4035059" cy="436746"/>
+            <a:ext cx="5251636" cy="436746"/>
           </a:xfrm>
         </p:spPr>
         <p:txBody>
@@ -9334,7 +12564,16 @@
                 </a:solidFill>
                 <a:latin typeface="+mn-lt"/>
               </a:rPr>
-              <a:t>Gestión Alcance y tiempo</a:t>
+              <a:t>Gestión Alcance y tiempo: </a:t>
+            </a:r>
+            <a:r>
+              <a:rPr lang="es-CL" sz="2400" b="1" i="1" dirty="0">
+                <a:solidFill>
+                  <a:srgbClr val="E30513"/>
+                </a:solidFill>
+                <a:latin typeface="+mn-lt"/>
+              </a:rPr>
+              <a:t>Stakeholders</a:t>
             </a:r>
           </a:p>
         </p:txBody>
@@ -9395,12 +12634,59 @@
           </a:p>
         </p:txBody>
       </p:sp>
-      <p:sp>
-        <p:nvSpPr>
-          <p:cNvPr id="7" name="Rectángulo 6">
+      <p:pic>
+        <p:nvPicPr>
+          <p:cNvPr id="1026" name="Picture 2" descr="Image result for Carabineros de chile">
             <a:extLst>
               <a:ext uri="{FF2B5EF4-FFF2-40B4-BE49-F238E27FC236}">
-                <a16:creationId xmlns:a16="http://schemas.microsoft.com/office/drawing/2014/main" id="{F7211835-C9C4-4A62-91F9-F8725EAB99E4}"/>
+                <a16:creationId xmlns:a16="http://schemas.microsoft.com/office/drawing/2014/main" id="{A6EC5EBD-C79E-471F-9172-855123FC2BDD}"/>
+              </a:ext>
+            </a:extLst>
+          </p:cNvPr>
+          <p:cNvPicPr>
+            <a:picLocks noChangeAspect="1" noChangeArrowheads="1"/>
+          </p:cNvPicPr>
+          <p:nvPr/>
+        </p:nvPicPr>
+        <p:blipFill>
+          <a:blip r:embed="rId2">
+            <a:extLst>
+              <a:ext uri="{28A0092B-C50C-407E-A947-70E740481C1C}">
+                <a14:useLocalDpi xmlns:a14="http://schemas.microsoft.com/office/drawing/2010/main" val="0"/>
+              </a:ext>
+            </a:extLst>
+          </a:blip>
+          <a:srcRect/>
+          <a:stretch>
+            <a:fillRect/>
+          </a:stretch>
+        </p:blipFill>
+        <p:spPr bwMode="auto">
+          <a:xfrm>
+            <a:off x="499417" y="1614741"/>
+            <a:ext cx="3225350" cy="3628518"/>
+          </a:xfrm>
+          <a:prstGeom prst="rect">
+            <a:avLst/>
+          </a:prstGeom>
+          <a:noFill/>
+          <a:extLst>
+            <a:ext uri="{909E8E84-426E-40DD-AFC4-6F175D3DCCD1}">
+              <a14:hiddenFill xmlns:a14="http://schemas.microsoft.com/office/drawing/2010/main">
+                <a:solidFill>
+                  <a:srgbClr val="FFFFFF"/>
+                </a:solidFill>
+              </a14:hiddenFill>
+            </a:ext>
+          </a:extLst>
+        </p:spPr>
+      </p:pic>
+      <p:sp>
+        <p:nvSpPr>
+          <p:cNvPr id="12" name="Rectángulo 11">
+            <a:extLst>
+              <a:ext uri="{FF2B5EF4-FFF2-40B4-BE49-F238E27FC236}">
+                <a16:creationId xmlns:a16="http://schemas.microsoft.com/office/drawing/2014/main" id="{0BBA7F81-D250-4B82-AC2F-D838805B83C4}"/>
               </a:ext>
             </a:extLst>
           </p:cNvPr>
@@ -9409,8 +12695,8 @@
         </p:nvSpPr>
         <p:spPr>
           <a:xfrm>
-            <a:off x="273465" y="946577"/>
-            <a:ext cx="1669437" cy="461665"/>
+            <a:off x="676917" y="1158432"/>
+            <a:ext cx="2870349" cy="338554"/>
           </a:xfrm>
           <a:prstGeom prst="rect">
             <a:avLst/>
@@ -9422,36 +12708,167 @@
           </a:bodyPr>
           <a:lstStyle/>
           <a:p>
-            <a:r>
-              <a:rPr lang="es-CL" sz="2400" dirty="0"/>
-              <a:t>Entregables</a:t>
-            </a:r>
-            <a:endParaRPr lang="es-ES" sz="2400" dirty="0"/>
+            <a:pPr>
+              <a:spcBef>
+                <a:spcPct val="0"/>
+              </a:spcBef>
+            </a:pPr>
+            <a:r>
+              <a:rPr lang="es-CL" sz="1600" b="1" dirty="0"/>
+              <a:t>1° Interesado real del proyecto</a:t>
+            </a:r>
           </a:p>
         </p:txBody>
       </p:sp>
       <p:pic>
         <p:nvPicPr>
-          <p:cNvPr id="8" name="Imagen 7">
+          <p:cNvPr id="1028" name="Picture 4" descr="Image result for pdi png">
             <a:extLst>
               <a:ext uri="{FF2B5EF4-FFF2-40B4-BE49-F238E27FC236}">
-                <a16:creationId xmlns:a16="http://schemas.microsoft.com/office/drawing/2014/main" id="{8E768729-2B6B-4046-926D-54B989F3F1BA}"/>
+                <a16:creationId xmlns:a16="http://schemas.microsoft.com/office/drawing/2014/main" id="{0D2ED644-A860-4211-B8EA-811595A3F894}"/>
               </a:ext>
             </a:extLst>
           </p:cNvPr>
-          <p:cNvPicPr/>
+          <p:cNvPicPr>
+            <a:picLocks noChangeAspect="1" noChangeArrowheads="1"/>
+          </p:cNvPicPr>
           <p:nvPr/>
         </p:nvPicPr>
         <p:blipFill>
-          <a:blip r:embed="rId2"/>
+          <a:blip r:embed="rId3">
+            <a:extLst>
+              <a:ext uri="{28A0092B-C50C-407E-A947-70E740481C1C}">
+                <a14:useLocalDpi xmlns:a14="http://schemas.microsoft.com/office/drawing/2010/main" val="0"/>
+              </a:ext>
+            </a:extLst>
+          </a:blip>
+          <a:srcRect/>
+          <a:stretch>
+            <a:fillRect/>
+          </a:stretch>
+        </p:blipFill>
+        <p:spPr bwMode="auto">
+          <a:xfrm>
+            <a:off x="4917496" y="1543166"/>
+            <a:ext cx="2014375" cy="2014375"/>
+          </a:xfrm>
+          <a:prstGeom prst="rect">
+            <a:avLst/>
+          </a:prstGeom>
+          <a:noFill/>
+          <a:extLst>
+            <a:ext uri="{909E8E84-426E-40DD-AFC4-6F175D3DCCD1}">
+              <a14:hiddenFill xmlns:a14="http://schemas.microsoft.com/office/drawing/2010/main">
+                <a:solidFill>
+                  <a:srgbClr val="FFFFFF"/>
+                </a:solidFill>
+              </a14:hiddenFill>
+            </a:ext>
+          </a:extLst>
+        </p:spPr>
+      </p:pic>
+      <p:sp>
+        <p:nvSpPr>
+          <p:cNvPr id="15" name="Rectángulo 14">
+            <a:extLst>
+              <a:ext uri="{FF2B5EF4-FFF2-40B4-BE49-F238E27FC236}">
+                <a16:creationId xmlns:a16="http://schemas.microsoft.com/office/drawing/2014/main" id="{574EEC3C-4DE3-43AC-AB6F-887DD0D5189E}"/>
+              </a:ext>
+            </a:extLst>
+          </p:cNvPr>
+          <p:cNvSpPr/>
+          <p:nvPr/>
+        </p:nvSpPr>
+        <p:spPr>
+          <a:xfrm>
+            <a:off x="4648957" y="1293899"/>
+            <a:ext cx="2551452" cy="338554"/>
+          </a:xfrm>
+          <a:prstGeom prst="rect">
+            <a:avLst/>
+          </a:prstGeom>
+        </p:spPr>
+        <p:txBody>
+          <a:bodyPr wrap="square">
+            <a:spAutoFit/>
+          </a:bodyPr>
+          <a:lstStyle/>
+          <a:p>
+            <a:pPr algn="ctr">
+              <a:spcBef>
+                <a:spcPct val="0"/>
+              </a:spcBef>
+            </a:pPr>
+            <a:r>
+              <a:rPr lang="es-CL" sz="1600" b="1" dirty="0"/>
+              <a:t>2° Interesado del proyecto</a:t>
+            </a:r>
+          </a:p>
+        </p:txBody>
+      </p:sp>
+      <p:sp>
+        <p:nvSpPr>
+          <p:cNvPr id="16" name="Rectángulo 15">
+            <a:extLst>
+              <a:ext uri="{FF2B5EF4-FFF2-40B4-BE49-F238E27FC236}">
+                <a16:creationId xmlns:a16="http://schemas.microsoft.com/office/drawing/2014/main" id="{0590F6E9-6C0A-4CE8-8254-24E984962704}"/>
+              </a:ext>
+            </a:extLst>
+          </p:cNvPr>
+          <p:cNvSpPr/>
+          <p:nvPr/>
+        </p:nvSpPr>
+        <p:spPr>
+          <a:xfrm>
+            <a:off x="5350701" y="4038990"/>
+            <a:ext cx="2404998" cy="584775"/>
+          </a:xfrm>
+          <a:prstGeom prst="rect">
+            <a:avLst/>
+          </a:prstGeom>
+        </p:spPr>
+        <p:txBody>
+          <a:bodyPr wrap="square">
+            <a:spAutoFit/>
+          </a:bodyPr>
+          <a:lstStyle/>
+          <a:p>
+            <a:pPr algn="ctr">
+              <a:spcBef>
+                <a:spcPct val="0"/>
+              </a:spcBef>
+            </a:pPr>
+            <a:r>
+              <a:rPr lang="es-CL" sz="1600" b="1" dirty="0"/>
+              <a:t>Otros Interesados del proyecto</a:t>
+            </a:r>
+          </a:p>
+        </p:txBody>
+      </p:sp>
+      <p:pic>
+        <p:nvPicPr>
+          <p:cNvPr id="17" name="Imagen 16">
+            <a:extLst>
+              <a:ext uri="{FF2B5EF4-FFF2-40B4-BE49-F238E27FC236}">
+                <a16:creationId xmlns:a16="http://schemas.microsoft.com/office/drawing/2014/main" id="{80FB2636-53B3-4AED-B3D3-E8F45B942465}"/>
+              </a:ext>
+            </a:extLst>
+          </p:cNvPr>
+          <p:cNvPicPr>
+            <a:picLocks noChangeAspect="1"/>
+          </p:cNvPicPr>
+          <p:nvPr/>
+        </p:nvPicPr>
+        <p:blipFill>
+          <a:blip r:embed="rId4"/>
           <a:stretch>
             <a:fillRect/>
           </a:stretch>
         </p:blipFill>
         <p:spPr>
           <a:xfrm>
-            <a:off x="259354" y="1351915"/>
-            <a:ext cx="8611181" cy="4940936"/>
+            <a:off x="4795837" y="4623765"/>
+            <a:ext cx="3514725" cy="1295400"/>
           </a:xfrm>
           <a:prstGeom prst="rect">
             <a:avLst/>
@@ -9461,13 +12878,462 @@
     </p:spTree>
     <p:extLst>
       <p:ext uri="{BB962C8B-B14F-4D97-AF65-F5344CB8AC3E}">
-        <p14:creationId xmlns:p14="http://schemas.microsoft.com/office/powerpoint/2010/main" val="1840249755"/>
+        <p14:creationId xmlns:p14="http://schemas.microsoft.com/office/powerpoint/2010/main" val="1334542533"/>
       </p:ext>
     </p:extLst>
   </p:cSld>
   <p:clrMapOvr>
     <a:masterClrMapping/>
   </p:clrMapOvr>
+  <mc:AlternateContent xmlns:mc="http://schemas.openxmlformats.org/markup-compatibility/2006">
+    <mc:Choice xmlns:p15="http://schemas.microsoft.com/office/powerpoint/2012/main" Requires="p15">
+      <p:transition xmlns:p14="http://schemas.microsoft.com/office/powerpoint/2010/main" spd="slow" p14:dur="3250">
+        <p15:prstTrans prst="origami" invX="1"/>
+      </p:transition>
+    </mc:Choice>
+    <mc:Fallback>
+      <p:transition spd="slow">
+        <p:fade/>
+      </p:transition>
+    </mc:Fallback>
+  </mc:AlternateContent>
+  <p:timing>
+    <p:tnLst>
+      <p:par>
+        <p:cTn id="1" dur="indefinite" restart="never" nodeType="tmRoot">
+          <p:childTnLst>
+            <p:seq concurrent="1" nextAc="seek">
+              <p:cTn id="2" dur="indefinite" nodeType="mainSeq">
+                <p:childTnLst>
+                  <p:par>
+                    <p:cTn id="3" fill="hold">
+                      <p:stCondLst>
+                        <p:cond delay="indefinite"/>
+                      </p:stCondLst>
+                      <p:childTnLst>
+                        <p:par>
+                          <p:cTn id="4" fill="hold">
+                            <p:stCondLst>
+                              <p:cond delay="0"/>
+                            </p:stCondLst>
+                            <p:childTnLst>
+                              <p:par>
+                                <p:cTn id="5" presetID="31" presetClass="entr" presetSubtype="0" fill="hold" nodeType="clickEffect">
+                                  <p:stCondLst>
+                                    <p:cond delay="0"/>
+                                  </p:stCondLst>
+                                  <p:childTnLst>
+                                    <p:set>
+                                      <p:cBhvr>
+                                        <p:cTn id="6" dur="1" fill="hold">
+                                          <p:stCondLst>
+                                            <p:cond delay="0"/>
+                                          </p:stCondLst>
+                                        </p:cTn>
+                                        <p:tgtEl>
+                                          <p:spTgt spid="1026"/>
+                                        </p:tgtEl>
+                                        <p:attrNameLst>
+                                          <p:attrName>style.visibility</p:attrName>
+                                        </p:attrNameLst>
+                                      </p:cBhvr>
+                                      <p:to>
+                                        <p:strVal val="visible"/>
+                                      </p:to>
+                                    </p:set>
+                                    <p:anim calcmode="lin" valueType="num">
+                                      <p:cBhvr>
+                                        <p:cTn id="7" dur="1000" fill="hold"/>
+                                        <p:tgtEl>
+                                          <p:spTgt spid="1026"/>
+                                        </p:tgtEl>
+                                        <p:attrNameLst>
+                                          <p:attrName>ppt_w</p:attrName>
+                                        </p:attrNameLst>
+                                      </p:cBhvr>
+                                      <p:tavLst>
+                                        <p:tav tm="0">
+                                          <p:val>
+                                            <p:fltVal val="0"/>
+                                          </p:val>
+                                        </p:tav>
+                                        <p:tav tm="100000">
+                                          <p:val>
+                                            <p:strVal val="#ppt_w"/>
+                                          </p:val>
+                                        </p:tav>
+                                      </p:tavLst>
+                                    </p:anim>
+                                    <p:anim calcmode="lin" valueType="num">
+                                      <p:cBhvr>
+                                        <p:cTn id="8" dur="1000" fill="hold"/>
+                                        <p:tgtEl>
+                                          <p:spTgt spid="1026"/>
+                                        </p:tgtEl>
+                                        <p:attrNameLst>
+                                          <p:attrName>ppt_h</p:attrName>
+                                        </p:attrNameLst>
+                                      </p:cBhvr>
+                                      <p:tavLst>
+                                        <p:tav tm="0">
+                                          <p:val>
+                                            <p:fltVal val="0"/>
+                                          </p:val>
+                                        </p:tav>
+                                        <p:tav tm="100000">
+                                          <p:val>
+                                            <p:strVal val="#ppt_h"/>
+                                          </p:val>
+                                        </p:tav>
+                                      </p:tavLst>
+                                    </p:anim>
+                                    <p:anim calcmode="lin" valueType="num">
+                                      <p:cBhvr>
+                                        <p:cTn id="9" dur="1000" fill="hold"/>
+                                        <p:tgtEl>
+                                          <p:spTgt spid="1026"/>
+                                        </p:tgtEl>
+                                        <p:attrNameLst>
+                                          <p:attrName>style.rotation</p:attrName>
+                                        </p:attrNameLst>
+                                      </p:cBhvr>
+                                      <p:tavLst>
+                                        <p:tav tm="0">
+                                          <p:val>
+                                            <p:fltVal val="90"/>
+                                          </p:val>
+                                        </p:tav>
+                                        <p:tav tm="100000">
+                                          <p:val>
+                                            <p:fltVal val="0"/>
+                                          </p:val>
+                                        </p:tav>
+                                      </p:tavLst>
+                                    </p:anim>
+                                    <p:animEffect transition="in" filter="fade">
+                                      <p:cBhvr>
+                                        <p:cTn id="10" dur="1000"/>
+                                        <p:tgtEl>
+                                          <p:spTgt spid="1026"/>
+                                        </p:tgtEl>
+                                      </p:cBhvr>
+                                    </p:animEffect>
+                                  </p:childTnLst>
+                                </p:cTn>
+                              </p:par>
+                              <p:par>
+                                <p:cTn id="11" presetID="31" presetClass="entr" presetSubtype="0" fill="hold" grpId="0" nodeType="withEffect">
+                                  <p:stCondLst>
+                                    <p:cond delay="0"/>
+                                  </p:stCondLst>
+                                  <p:childTnLst>
+                                    <p:set>
+                                      <p:cBhvr>
+                                        <p:cTn id="12" dur="1" fill="hold">
+                                          <p:stCondLst>
+                                            <p:cond delay="0"/>
+                                          </p:stCondLst>
+                                        </p:cTn>
+                                        <p:tgtEl>
+                                          <p:spTgt spid="12"/>
+                                        </p:tgtEl>
+                                        <p:attrNameLst>
+                                          <p:attrName>style.visibility</p:attrName>
+                                        </p:attrNameLst>
+                                      </p:cBhvr>
+                                      <p:to>
+                                        <p:strVal val="visible"/>
+                                      </p:to>
+                                    </p:set>
+                                    <p:anim calcmode="lin" valueType="num">
+                                      <p:cBhvr>
+                                        <p:cTn id="13" dur="1000" fill="hold"/>
+                                        <p:tgtEl>
+                                          <p:spTgt spid="12"/>
+                                        </p:tgtEl>
+                                        <p:attrNameLst>
+                                          <p:attrName>ppt_w</p:attrName>
+                                        </p:attrNameLst>
+                                      </p:cBhvr>
+                                      <p:tavLst>
+                                        <p:tav tm="0">
+                                          <p:val>
+                                            <p:fltVal val="0"/>
+                                          </p:val>
+                                        </p:tav>
+                                        <p:tav tm="100000">
+                                          <p:val>
+                                            <p:strVal val="#ppt_w"/>
+                                          </p:val>
+                                        </p:tav>
+                                      </p:tavLst>
+                                    </p:anim>
+                                    <p:anim calcmode="lin" valueType="num">
+                                      <p:cBhvr>
+                                        <p:cTn id="14" dur="1000" fill="hold"/>
+                                        <p:tgtEl>
+                                          <p:spTgt spid="12"/>
+                                        </p:tgtEl>
+                                        <p:attrNameLst>
+                                          <p:attrName>ppt_h</p:attrName>
+                                        </p:attrNameLst>
+                                      </p:cBhvr>
+                                      <p:tavLst>
+                                        <p:tav tm="0">
+                                          <p:val>
+                                            <p:fltVal val="0"/>
+                                          </p:val>
+                                        </p:tav>
+                                        <p:tav tm="100000">
+                                          <p:val>
+                                            <p:strVal val="#ppt_h"/>
+                                          </p:val>
+                                        </p:tav>
+                                      </p:tavLst>
+                                    </p:anim>
+                                    <p:anim calcmode="lin" valueType="num">
+                                      <p:cBhvr>
+                                        <p:cTn id="15" dur="1000" fill="hold"/>
+                                        <p:tgtEl>
+                                          <p:spTgt spid="12"/>
+                                        </p:tgtEl>
+                                        <p:attrNameLst>
+                                          <p:attrName>style.rotation</p:attrName>
+                                        </p:attrNameLst>
+                                      </p:cBhvr>
+                                      <p:tavLst>
+                                        <p:tav tm="0">
+                                          <p:val>
+                                            <p:fltVal val="90"/>
+                                          </p:val>
+                                        </p:tav>
+                                        <p:tav tm="100000">
+                                          <p:val>
+                                            <p:fltVal val="0"/>
+                                          </p:val>
+                                        </p:tav>
+                                      </p:tavLst>
+                                    </p:anim>
+                                    <p:animEffect transition="in" filter="fade">
+                                      <p:cBhvr>
+                                        <p:cTn id="16" dur="1000"/>
+                                        <p:tgtEl>
+                                          <p:spTgt spid="12"/>
+                                        </p:tgtEl>
+                                      </p:cBhvr>
+                                    </p:animEffect>
+                                  </p:childTnLst>
+                                </p:cTn>
+                              </p:par>
+                            </p:childTnLst>
+                          </p:cTn>
+                        </p:par>
+                      </p:childTnLst>
+                    </p:cTn>
+                  </p:par>
+                  <p:par>
+                    <p:cTn id="17" fill="hold">
+                      <p:stCondLst>
+                        <p:cond delay="indefinite"/>
+                      </p:stCondLst>
+                      <p:childTnLst>
+                        <p:par>
+                          <p:cTn id="18" fill="hold">
+                            <p:stCondLst>
+                              <p:cond delay="0"/>
+                            </p:stCondLst>
+                            <p:childTnLst>
+                              <p:par>
+                                <p:cTn id="19" presetID="14" presetClass="entr" presetSubtype="10" fill="hold" nodeType="clickEffect">
+                                  <p:stCondLst>
+                                    <p:cond delay="0"/>
+                                  </p:stCondLst>
+                                  <p:childTnLst>
+                                    <p:set>
+                                      <p:cBhvr>
+                                        <p:cTn id="20" dur="1" fill="hold">
+                                          <p:stCondLst>
+                                            <p:cond delay="0"/>
+                                          </p:stCondLst>
+                                        </p:cTn>
+                                        <p:tgtEl>
+                                          <p:spTgt spid="1028"/>
+                                        </p:tgtEl>
+                                        <p:attrNameLst>
+                                          <p:attrName>style.visibility</p:attrName>
+                                        </p:attrNameLst>
+                                      </p:cBhvr>
+                                      <p:to>
+                                        <p:strVal val="visible"/>
+                                      </p:to>
+                                    </p:set>
+                                    <p:animEffect transition="in" filter="randombar(horizontal)">
+                                      <p:cBhvr>
+                                        <p:cTn id="21" dur="500"/>
+                                        <p:tgtEl>
+                                          <p:spTgt spid="1028"/>
+                                        </p:tgtEl>
+                                      </p:cBhvr>
+                                    </p:animEffect>
+                                  </p:childTnLst>
+                                </p:cTn>
+                              </p:par>
+                              <p:par>
+                                <p:cTn id="22" presetID="14" presetClass="entr" presetSubtype="10" fill="hold" grpId="0" nodeType="withEffect">
+                                  <p:stCondLst>
+                                    <p:cond delay="0"/>
+                                  </p:stCondLst>
+                                  <p:childTnLst>
+                                    <p:set>
+                                      <p:cBhvr>
+                                        <p:cTn id="23" dur="1" fill="hold">
+                                          <p:stCondLst>
+                                            <p:cond delay="0"/>
+                                          </p:stCondLst>
+                                        </p:cTn>
+                                        <p:tgtEl>
+                                          <p:spTgt spid="15"/>
+                                        </p:tgtEl>
+                                        <p:attrNameLst>
+                                          <p:attrName>style.visibility</p:attrName>
+                                        </p:attrNameLst>
+                                      </p:cBhvr>
+                                      <p:to>
+                                        <p:strVal val="visible"/>
+                                      </p:to>
+                                    </p:set>
+                                    <p:animEffect transition="in" filter="randombar(horizontal)">
+                                      <p:cBhvr>
+                                        <p:cTn id="24" dur="500"/>
+                                        <p:tgtEl>
+                                          <p:spTgt spid="15"/>
+                                        </p:tgtEl>
+                                      </p:cBhvr>
+                                    </p:animEffect>
+                                  </p:childTnLst>
+                                </p:cTn>
+                              </p:par>
+                            </p:childTnLst>
+                          </p:cTn>
+                        </p:par>
+                      </p:childTnLst>
+                    </p:cTn>
+                  </p:par>
+                  <p:par>
+                    <p:cTn id="25" fill="hold">
+                      <p:stCondLst>
+                        <p:cond delay="indefinite"/>
+                      </p:stCondLst>
+                      <p:childTnLst>
+                        <p:par>
+                          <p:cTn id="26" fill="hold">
+                            <p:stCondLst>
+                              <p:cond delay="0"/>
+                            </p:stCondLst>
+                            <p:childTnLst>
+                              <p:par>
+                                <p:cTn id="27" presetID="6" presetClass="entr" presetSubtype="16" fill="hold" grpId="0" nodeType="clickEffect">
+                                  <p:stCondLst>
+                                    <p:cond delay="0"/>
+                                  </p:stCondLst>
+                                  <p:childTnLst>
+                                    <p:set>
+                                      <p:cBhvr>
+                                        <p:cTn id="28" dur="1" fill="hold">
+                                          <p:stCondLst>
+                                            <p:cond delay="0"/>
+                                          </p:stCondLst>
+                                        </p:cTn>
+                                        <p:tgtEl>
+                                          <p:spTgt spid="16"/>
+                                        </p:tgtEl>
+                                        <p:attrNameLst>
+                                          <p:attrName>style.visibility</p:attrName>
+                                        </p:attrNameLst>
+                                      </p:cBhvr>
+                                      <p:to>
+                                        <p:strVal val="visible"/>
+                                      </p:to>
+                                    </p:set>
+                                    <p:animEffect transition="in" filter="circle(in)">
+                                      <p:cBhvr>
+                                        <p:cTn id="29" dur="2000"/>
+                                        <p:tgtEl>
+                                          <p:spTgt spid="16"/>
+                                        </p:tgtEl>
+                                      </p:cBhvr>
+                                    </p:animEffect>
+                                  </p:childTnLst>
+                                </p:cTn>
+                              </p:par>
+                              <p:par>
+                                <p:cTn id="30" presetID="6" presetClass="entr" presetSubtype="16" fill="hold" nodeType="withEffect">
+                                  <p:stCondLst>
+                                    <p:cond delay="0"/>
+                                  </p:stCondLst>
+                                  <p:childTnLst>
+                                    <p:set>
+                                      <p:cBhvr>
+                                        <p:cTn id="31" dur="1" fill="hold">
+                                          <p:stCondLst>
+                                            <p:cond delay="0"/>
+                                          </p:stCondLst>
+                                        </p:cTn>
+                                        <p:tgtEl>
+                                          <p:spTgt spid="17"/>
+                                        </p:tgtEl>
+                                        <p:attrNameLst>
+                                          <p:attrName>style.visibility</p:attrName>
+                                        </p:attrNameLst>
+                                      </p:cBhvr>
+                                      <p:to>
+                                        <p:strVal val="visible"/>
+                                      </p:to>
+                                    </p:set>
+                                    <p:animEffect transition="in" filter="circle(in)">
+                                      <p:cBhvr>
+                                        <p:cTn id="32" dur="2000"/>
+                                        <p:tgtEl>
+                                          <p:spTgt spid="17"/>
+                                        </p:tgtEl>
+                                      </p:cBhvr>
+                                    </p:animEffect>
+                                  </p:childTnLst>
+                                </p:cTn>
+                              </p:par>
+                            </p:childTnLst>
+                          </p:cTn>
+                        </p:par>
+                      </p:childTnLst>
+                    </p:cTn>
+                  </p:par>
+                </p:childTnLst>
+              </p:cTn>
+              <p:prevCondLst>
+                <p:cond evt="onPrev" delay="0">
+                  <p:tgtEl>
+                    <p:sldTgt/>
+                  </p:tgtEl>
+                </p:cond>
+              </p:prevCondLst>
+              <p:nextCondLst>
+                <p:cond evt="onNext" delay="0">
+                  <p:tgtEl>
+                    <p:sldTgt/>
+                  </p:tgtEl>
+                </p:cond>
+              </p:nextCondLst>
+            </p:seq>
+          </p:childTnLst>
+        </p:cTn>
+      </p:par>
+    </p:tnLst>
+    <p:bldLst>
+      <p:bldP spid="12" grpId="0"/>
+      <p:bldP spid="15" grpId="0"/>
+      <p:bldP spid="16" grpId="0"/>
+    </p:bldLst>
+  </p:timing>
 </p:sld>
 </file>
 
@@ -9501,7 +13367,7 @@
         <p:spPr>
           <a:xfrm>
             <a:off x="259354" y="385487"/>
-            <a:ext cx="4035059" cy="436746"/>
+            <a:ext cx="5206264" cy="436746"/>
           </a:xfrm>
         </p:spPr>
         <p:txBody>
@@ -9517,8 +13383,23 @@
                 </a:solidFill>
                 <a:latin typeface="+mn-lt"/>
               </a:rPr>
-              <a:t>Gestión Alcance y tiempo</a:t>
-            </a:r>
+              <a:t>Gestión Alcance y tiempo: </a:t>
+            </a:r>
+            <a:r>
+              <a:rPr lang="es-CL" sz="2400" b="1" i="1" dirty="0">
+                <a:solidFill>
+                  <a:srgbClr val="E30513"/>
+                </a:solidFill>
+                <a:latin typeface="+mn-lt"/>
+              </a:rPr>
+              <a:t>Entregables</a:t>
+            </a:r>
+            <a:endParaRPr lang="es-CL" sz="2400" b="1" dirty="0">
+              <a:solidFill>
+                <a:srgbClr val="E30513"/>
+              </a:solidFill>
+              <a:latin typeface="+mn-lt"/>
+            </a:endParaRPr>
           </a:p>
         </p:txBody>
       </p:sp>
@@ -9540,6 +13421,539 @@
             <a:fld id="{C0F9E0D3-51B3-8D47-9FA0-6C6BA96BAD74}" type="slidenum">
               <a:rPr lang="es-ES" smtClean="0"/>
               <a:t>6</a:t>
+            </a:fld>
+            <a:endParaRPr lang="es-ES"/>
+          </a:p>
+        </p:txBody>
+      </p:sp>
+      <p:sp>
+        <p:nvSpPr>
+          <p:cNvPr id="6" name="Marcador de pie de página 3">
+            <a:extLst>
+              <a:ext uri="{FF2B5EF4-FFF2-40B4-BE49-F238E27FC236}">
+                <a16:creationId xmlns:a16="http://schemas.microsoft.com/office/drawing/2014/main" id="{DF3721FB-96CC-409B-A0C5-4DCF6EAE8BD9}"/>
+              </a:ext>
+            </a:extLst>
+          </p:cNvPr>
+          <p:cNvSpPr>
+            <a:spLocks noGrp="1"/>
+          </p:cNvSpPr>
+          <p:nvPr>
+            <p:ph type="ftr" sz="quarter" idx="11"/>
+          </p:nvPr>
+        </p:nvSpPr>
+        <p:spPr>
+          <a:xfrm>
+            <a:off x="1470991" y="6292851"/>
+            <a:ext cx="6162261" cy="215900"/>
+          </a:xfrm>
+        </p:spPr>
+        <p:txBody>
+          <a:bodyPr/>
+          <a:lstStyle/>
+          <a:p>
+            <a:r>
+              <a:rPr lang="es-ES" dirty="0"/>
+              <a:t>Felipe Inda – Yerko Fuentes</a:t>
+            </a:r>
+          </a:p>
+        </p:txBody>
+      </p:sp>
+      <p:pic>
+        <p:nvPicPr>
+          <p:cNvPr id="5" name="Imagen 4">
+            <a:extLst>
+              <a:ext uri="{FF2B5EF4-FFF2-40B4-BE49-F238E27FC236}">
+                <a16:creationId xmlns:a16="http://schemas.microsoft.com/office/drawing/2014/main" id="{036513E2-47BD-4A4A-AA37-7148E61712BB}"/>
+              </a:ext>
+            </a:extLst>
+          </p:cNvPr>
+          <p:cNvPicPr>
+            <a:picLocks noChangeAspect="1"/>
+          </p:cNvPicPr>
+          <p:nvPr/>
+        </p:nvPicPr>
+        <p:blipFill>
+          <a:blip r:embed="rId2"/>
+          <a:stretch>
+            <a:fillRect/>
+          </a:stretch>
+        </p:blipFill>
+        <p:spPr>
+          <a:xfrm>
+            <a:off x="728909" y="1838325"/>
+            <a:ext cx="1962150" cy="2952750"/>
+          </a:xfrm>
+          <a:prstGeom prst="rect">
+            <a:avLst/>
+          </a:prstGeom>
+        </p:spPr>
+      </p:pic>
+      <p:pic>
+        <p:nvPicPr>
+          <p:cNvPr id="9" name="Imagen 8">
+            <a:extLst>
+              <a:ext uri="{FF2B5EF4-FFF2-40B4-BE49-F238E27FC236}">
+                <a16:creationId xmlns:a16="http://schemas.microsoft.com/office/drawing/2014/main" id="{55DEE61E-00AA-4426-9C51-9074C9628C45}"/>
+              </a:ext>
+            </a:extLst>
+          </p:cNvPr>
+          <p:cNvPicPr>
+            <a:picLocks noChangeAspect="1"/>
+          </p:cNvPicPr>
+          <p:nvPr/>
+        </p:nvPicPr>
+        <p:blipFill>
+          <a:blip r:embed="rId3"/>
+          <a:stretch>
+            <a:fillRect/>
+          </a:stretch>
+        </p:blipFill>
+        <p:spPr>
+          <a:xfrm>
+            <a:off x="2688647" y="1998518"/>
+            <a:ext cx="1914525" cy="2771775"/>
+          </a:xfrm>
+          <a:prstGeom prst="rect">
+            <a:avLst/>
+          </a:prstGeom>
+        </p:spPr>
+      </p:pic>
+      <p:pic>
+        <p:nvPicPr>
+          <p:cNvPr id="10" name="Imagen 9">
+            <a:extLst>
+              <a:ext uri="{FF2B5EF4-FFF2-40B4-BE49-F238E27FC236}">
+                <a16:creationId xmlns:a16="http://schemas.microsoft.com/office/drawing/2014/main" id="{D42D464E-8027-4EF2-9A8A-2735E4E1EDB5}"/>
+              </a:ext>
+            </a:extLst>
+          </p:cNvPr>
+          <p:cNvPicPr>
+            <a:picLocks noChangeAspect="1"/>
+          </p:cNvPicPr>
+          <p:nvPr/>
+        </p:nvPicPr>
+        <p:blipFill>
+          <a:blip r:embed="rId4"/>
+          <a:stretch>
+            <a:fillRect/>
+          </a:stretch>
+        </p:blipFill>
+        <p:spPr>
+          <a:xfrm>
+            <a:off x="4603172" y="2021465"/>
+            <a:ext cx="1895475" cy="3295650"/>
+          </a:xfrm>
+          <a:prstGeom prst="rect">
+            <a:avLst/>
+          </a:prstGeom>
+        </p:spPr>
+      </p:pic>
+      <p:pic>
+        <p:nvPicPr>
+          <p:cNvPr id="11" name="Imagen 10">
+            <a:extLst>
+              <a:ext uri="{FF2B5EF4-FFF2-40B4-BE49-F238E27FC236}">
+                <a16:creationId xmlns:a16="http://schemas.microsoft.com/office/drawing/2014/main" id="{55C888E9-9D2D-462A-BD2A-9EA9FD566537}"/>
+              </a:ext>
+            </a:extLst>
+          </p:cNvPr>
+          <p:cNvPicPr>
+            <a:picLocks noChangeAspect="1"/>
+          </p:cNvPicPr>
+          <p:nvPr/>
+        </p:nvPicPr>
+        <p:blipFill>
+          <a:blip r:embed="rId5"/>
+          <a:stretch>
+            <a:fillRect/>
+          </a:stretch>
+        </p:blipFill>
+        <p:spPr>
+          <a:xfrm>
+            <a:off x="6426559" y="1918421"/>
+            <a:ext cx="1952625" cy="2771775"/>
+          </a:xfrm>
+          <a:prstGeom prst="rect">
+            <a:avLst/>
+          </a:prstGeom>
+        </p:spPr>
+      </p:pic>
+      <p:pic>
+        <p:nvPicPr>
+          <p:cNvPr id="12" name="Imagen 11">
+            <a:extLst>
+              <a:ext uri="{FF2B5EF4-FFF2-40B4-BE49-F238E27FC236}">
+                <a16:creationId xmlns:a16="http://schemas.microsoft.com/office/drawing/2014/main" id="{DC1B6498-5A1A-4730-B534-B7BA96F10DBF}"/>
+              </a:ext>
+            </a:extLst>
+          </p:cNvPr>
+          <p:cNvPicPr>
+            <a:picLocks noChangeAspect="1"/>
+          </p:cNvPicPr>
+          <p:nvPr/>
+        </p:nvPicPr>
+        <p:blipFill>
+          <a:blip r:embed="rId6"/>
+          <a:stretch>
+            <a:fillRect/>
+          </a:stretch>
+        </p:blipFill>
+        <p:spPr>
+          <a:xfrm>
+            <a:off x="3062286" y="1021339"/>
+            <a:ext cx="2457450" cy="990600"/>
+          </a:xfrm>
+          <a:prstGeom prst="rect">
+            <a:avLst/>
+          </a:prstGeom>
+        </p:spPr>
+      </p:pic>
+    </p:spTree>
+    <p:extLst>
+      <p:ext uri="{BB962C8B-B14F-4D97-AF65-F5344CB8AC3E}">
+        <p14:creationId xmlns:p14="http://schemas.microsoft.com/office/powerpoint/2010/main" val="1840249755"/>
+      </p:ext>
+    </p:extLst>
+  </p:cSld>
+  <p:clrMapOvr>
+    <a:masterClrMapping/>
+  </p:clrMapOvr>
+  <mc:AlternateContent xmlns:mc="http://schemas.openxmlformats.org/markup-compatibility/2006">
+    <mc:Choice xmlns:p15="http://schemas.microsoft.com/office/powerpoint/2012/main" Requires="p15">
+      <p:transition xmlns:p14="http://schemas.microsoft.com/office/powerpoint/2010/main" spd="slow" p14:dur="3250">
+        <p15:prstTrans prst="origami" invX="1"/>
+      </p:transition>
+    </mc:Choice>
+    <mc:Fallback>
+      <p:transition spd="slow">
+        <p:fade/>
+      </p:transition>
+    </mc:Fallback>
+  </mc:AlternateContent>
+  <p:timing>
+    <p:tnLst>
+      <p:par>
+        <p:cTn id="1" dur="indefinite" restart="never" nodeType="tmRoot">
+          <p:childTnLst>
+            <p:seq concurrent="1" nextAc="seek">
+              <p:cTn id="2" dur="indefinite" nodeType="mainSeq">
+                <p:childTnLst>
+                  <p:par>
+                    <p:cTn id="3" fill="hold">
+                      <p:stCondLst>
+                        <p:cond delay="indefinite"/>
+                      </p:stCondLst>
+                      <p:childTnLst>
+                        <p:par>
+                          <p:cTn id="4" fill="hold">
+                            <p:stCondLst>
+                              <p:cond delay="0"/>
+                            </p:stCondLst>
+                            <p:childTnLst>
+                              <p:par>
+                                <p:cTn id="5" presetID="16" presetClass="entr" presetSubtype="21" fill="hold" nodeType="clickEffect">
+                                  <p:stCondLst>
+                                    <p:cond delay="0"/>
+                                  </p:stCondLst>
+                                  <p:childTnLst>
+                                    <p:set>
+                                      <p:cBhvr>
+                                        <p:cTn id="6" dur="1" fill="hold">
+                                          <p:stCondLst>
+                                            <p:cond delay="0"/>
+                                          </p:stCondLst>
+                                        </p:cTn>
+                                        <p:tgtEl>
+                                          <p:spTgt spid="5"/>
+                                        </p:tgtEl>
+                                        <p:attrNameLst>
+                                          <p:attrName>style.visibility</p:attrName>
+                                        </p:attrNameLst>
+                                      </p:cBhvr>
+                                      <p:to>
+                                        <p:strVal val="visible"/>
+                                      </p:to>
+                                    </p:set>
+                                    <p:animEffect transition="in" filter="barn(inVertical)">
+                                      <p:cBhvr>
+                                        <p:cTn id="7" dur="500"/>
+                                        <p:tgtEl>
+                                          <p:spTgt spid="5"/>
+                                        </p:tgtEl>
+                                      </p:cBhvr>
+                                    </p:animEffect>
+                                  </p:childTnLst>
+                                </p:cTn>
+                              </p:par>
+                            </p:childTnLst>
+                          </p:cTn>
+                        </p:par>
+                      </p:childTnLst>
+                    </p:cTn>
+                  </p:par>
+                  <p:par>
+                    <p:cTn id="8" fill="hold">
+                      <p:stCondLst>
+                        <p:cond delay="indefinite"/>
+                      </p:stCondLst>
+                      <p:childTnLst>
+                        <p:par>
+                          <p:cTn id="9" fill="hold">
+                            <p:stCondLst>
+                              <p:cond delay="0"/>
+                            </p:stCondLst>
+                            <p:childTnLst>
+                              <p:par>
+                                <p:cTn id="10" presetID="16" presetClass="entr" presetSubtype="21" fill="hold" nodeType="clickEffect">
+                                  <p:stCondLst>
+                                    <p:cond delay="0"/>
+                                  </p:stCondLst>
+                                  <p:childTnLst>
+                                    <p:set>
+                                      <p:cBhvr>
+                                        <p:cTn id="11" dur="1" fill="hold">
+                                          <p:stCondLst>
+                                            <p:cond delay="0"/>
+                                          </p:stCondLst>
+                                        </p:cTn>
+                                        <p:tgtEl>
+                                          <p:spTgt spid="9"/>
+                                        </p:tgtEl>
+                                        <p:attrNameLst>
+                                          <p:attrName>style.visibility</p:attrName>
+                                        </p:attrNameLst>
+                                      </p:cBhvr>
+                                      <p:to>
+                                        <p:strVal val="visible"/>
+                                      </p:to>
+                                    </p:set>
+                                    <p:animEffect transition="in" filter="barn(inVertical)">
+                                      <p:cBhvr>
+                                        <p:cTn id="12" dur="500"/>
+                                        <p:tgtEl>
+                                          <p:spTgt spid="9"/>
+                                        </p:tgtEl>
+                                      </p:cBhvr>
+                                    </p:animEffect>
+                                  </p:childTnLst>
+                                </p:cTn>
+                              </p:par>
+                            </p:childTnLst>
+                          </p:cTn>
+                        </p:par>
+                      </p:childTnLst>
+                    </p:cTn>
+                  </p:par>
+                  <p:par>
+                    <p:cTn id="13" fill="hold">
+                      <p:stCondLst>
+                        <p:cond delay="indefinite"/>
+                      </p:stCondLst>
+                      <p:childTnLst>
+                        <p:par>
+                          <p:cTn id="14" fill="hold">
+                            <p:stCondLst>
+                              <p:cond delay="0"/>
+                            </p:stCondLst>
+                            <p:childTnLst>
+                              <p:par>
+                                <p:cTn id="15" presetID="16" presetClass="entr" presetSubtype="21" fill="hold" nodeType="clickEffect">
+                                  <p:stCondLst>
+                                    <p:cond delay="0"/>
+                                  </p:stCondLst>
+                                  <p:childTnLst>
+                                    <p:set>
+                                      <p:cBhvr>
+                                        <p:cTn id="16" dur="1" fill="hold">
+                                          <p:stCondLst>
+                                            <p:cond delay="0"/>
+                                          </p:stCondLst>
+                                        </p:cTn>
+                                        <p:tgtEl>
+                                          <p:spTgt spid="10"/>
+                                        </p:tgtEl>
+                                        <p:attrNameLst>
+                                          <p:attrName>style.visibility</p:attrName>
+                                        </p:attrNameLst>
+                                      </p:cBhvr>
+                                      <p:to>
+                                        <p:strVal val="visible"/>
+                                      </p:to>
+                                    </p:set>
+                                    <p:animEffect transition="in" filter="barn(inVertical)">
+                                      <p:cBhvr>
+                                        <p:cTn id="17" dur="500"/>
+                                        <p:tgtEl>
+                                          <p:spTgt spid="10"/>
+                                        </p:tgtEl>
+                                      </p:cBhvr>
+                                    </p:animEffect>
+                                  </p:childTnLst>
+                                </p:cTn>
+                              </p:par>
+                            </p:childTnLst>
+                          </p:cTn>
+                        </p:par>
+                      </p:childTnLst>
+                    </p:cTn>
+                  </p:par>
+                  <p:par>
+                    <p:cTn id="18" fill="hold">
+                      <p:stCondLst>
+                        <p:cond delay="indefinite"/>
+                      </p:stCondLst>
+                      <p:childTnLst>
+                        <p:par>
+                          <p:cTn id="19" fill="hold">
+                            <p:stCondLst>
+                              <p:cond delay="0"/>
+                            </p:stCondLst>
+                            <p:childTnLst>
+                              <p:par>
+                                <p:cTn id="20" presetID="16" presetClass="entr" presetSubtype="21" fill="hold" nodeType="clickEffect">
+                                  <p:stCondLst>
+                                    <p:cond delay="0"/>
+                                  </p:stCondLst>
+                                  <p:childTnLst>
+                                    <p:set>
+                                      <p:cBhvr>
+                                        <p:cTn id="21" dur="1" fill="hold">
+                                          <p:stCondLst>
+                                            <p:cond delay="0"/>
+                                          </p:stCondLst>
+                                        </p:cTn>
+                                        <p:tgtEl>
+                                          <p:spTgt spid="11"/>
+                                        </p:tgtEl>
+                                        <p:attrNameLst>
+                                          <p:attrName>style.visibility</p:attrName>
+                                        </p:attrNameLst>
+                                      </p:cBhvr>
+                                      <p:to>
+                                        <p:strVal val="visible"/>
+                                      </p:to>
+                                    </p:set>
+                                    <p:animEffect transition="in" filter="barn(inVertical)">
+                                      <p:cBhvr>
+                                        <p:cTn id="22" dur="500"/>
+                                        <p:tgtEl>
+                                          <p:spTgt spid="11"/>
+                                        </p:tgtEl>
+                                      </p:cBhvr>
+                                    </p:animEffect>
+                                  </p:childTnLst>
+                                </p:cTn>
+                              </p:par>
+                            </p:childTnLst>
+                          </p:cTn>
+                        </p:par>
+                      </p:childTnLst>
+                    </p:cTn>
+                  </p:par>
+                </p:childTnLst>
+              </p:cTn>
+              <p:prevCondLst>
+                <p:cond evt="onPrev" delay="0">
+                  <p:tgtEl>
+                    <p:sldTgt/>
+                  </p:tgtEl>
+                </p:cond>
+              </p:prevCondLst>
+              <p:nextCondLst>
+                <p:cond evt="onNext" delay="0">
+                  <p:tgtEl>
+                    <p:sldTgt/>
+                  </p:tgtEl>
+                </p:cond>
+              </p:nextCondLst>
+            </p:seq>
+          </p:childTnLst>
+        </p:cTn>
+      </p:par>
+    </p:tnLst>
+  </p:timing>
+</p:sld>
+</file>
+
+<file path=ppt/slides/slide7.xml><?xml version="1.0" encoding="utf-8"?>
+<p:sld xmlns:a="http://schemas.openxmlformats.org/drawingml/2006/main" xmlns:r="http://schemas.openxmlformats.org/officeDocument/2006/relationships" xmlns:p="http://schemas.openxmlformats.org/presentationml/2006/main">
+  <p:cSld>
+    <p:spTree>
+      <p:nvGrpSpPr>
+        <p:cNvPr id="1" name=""/>
+        <p:cNvGrpSpPr/>
+        <p:nvPr/>
+      </p:nvGrpSpPr>
+      <p:grpSpPr>
+        <a:xfrm>
+          <a:off x="0" y="0"/>
+          <a:ext cx="0" cy="0"/>
+          <a:chOff x="0" y="0"/>
+          <a:chExt cx="0" cy="0"/>
+        </a:xfrm>
+      </p:grpSpPr>
+      <p:sp>
+        <p:nvSpPr>
+          <p:cNvPr id="2" name="Título 1"/>
+          <p:cNvSpPr>
+            <a:spLocks noGrp="1"/>
+          </p:cNvSpPr>
+          <p:nvPr>
+            <p:ph type="title"/>
+          </p:nvPr>
+        </p:nvSpPr>
+        <p:spPr>
+          <a:xfrm>
+            <a:off x="259354" y="385487"/>
+            <a:ext cx="5175091" cy="436746"/>
+          </a:xfrm>
+        </p:spPr>
+        <p:txBody>
+          <a:bodyPr vert="horz" lIns="91440" tIns="45720" rIns="91440" bIns="45720" rtlCol="0" anchor="ctr">
+            <a:noAutofit/>
+          </a:bodyPr>
+          <a:lstStyle/>
+          <a:p>
+            <a:r>
+              <a:rPr lang="es-CL" sz="2400" b="1" dirty="0">
+                <a:solidFill>
+                  <a:srgbClr val="E30513"/>
+                </a:solidFill>
+                <a:latin typeface="+mn-lt"/>
+              </a:rPr>
+              <a:t>Gestión Alcance y tiempo: </a:t>
+            </a:r>
+            <a:r>
+              <a:rPr lang="es-CL" sz="2400" b="1" i="1" dirty="0">
+                <a:solidFill>
+                  <a:srgbClr val="E30513"/>
+                </a:solidFill>
+                <a:latin typeface="+mn-lt"/>
+              </a:rPr>
+              <a:t>Carta Gantt</a:t>
+            </a:r>
+          </a:p>
+        </p:txBody>
+      </p:sp>
+      <p:sp>
+        <p:nvSpPr>
+          <p:cNvPr id="3" name="Marcador de número de diapositiva 2"/>
+          <p:cNvSpPr>
+            <a:spLocks noGrp="1"/>
+          </p:cNvSpPr>
+          <p:nvPr>
+            <p:ph type="sldNum" sz="quarter" idx="12"/>
+          </p:nvPr>
+        </p:nvSpPr>
+        <p:spPr/>
+        <p:txBody>
+          <a:bodyPr/>
+          <a:lstStyle/>
+          <a:p>
+            <a:fld id="{C0F9E0D3-51B3-8D47-9FA0-6C6BA96BAD74}" type="slidenum">
+              <a:rPr lang="es-ES" smtClean="0"/>
+              <a:t>7</a:t>
             </a:fld>
             <a:endParaRPr lang="es-ES"/>
           </a:p>
@@ -9600,46 +14014,68 @@
         </p:blipFill>
         <p:spPr>
           <a:xfrm>
-            <a:off x="259354" y="1571636"/>
-            <a:ext cx="8468591" cy="3714725"/>
+            <a:off x="83127" y="1423560"/>
+            <a:ext cx="8985315" cy="3941385"/>
+          </a:xfrm>
+          <a:prstGeom prst="rect">
+            <a:avLst/>
+          </a:prstGeom>
+          <a:ln>
+            <a:noFill/>
+          </a:ln>
+          <a:effectLst>
+            <a:outerShdw blurRad="292100" dist="139700" dir="2700000" algn="tl" rotWithShape="0">
+              <a:srgbClr val="333333">
+                <a:alpha val="65000"/>
+              </a:srgbClr>
+            </a:outerShdw>
+          </a:effectLst>
+        </p:spPr>
+      </p:pic>
+      <p:sp>
+        <p:nvSpPr>
+          <p:cNvPr id="8" name="Rectángulo 7">
+            <a:extLst>
+              <a:ext uri="{FF2B5EF4-FFF2-40B4-BE49-F238E27FC236}">
+                <a16:creationId xmlns:a16="http://schemas.microsoft.com/office/drawing/2014/main" id="{581092A0-7277-4B36-8B9F-C55A4BF9C403}"/>
+              </a:ext>
+            </a:extLst>
+          </p:cNvPr>
+          <p:cNvSpPr/>
+          <p:nvPr/>
+        </p:nvSpPr>
+        <p:spPr>
+          <a:xfrm>
+            <a:off x="259355" y="1043046"/>
+            <a:ext cx="5798546" cy="307777"/>
           </a:xfrm>
           <a:prstGeom prst="rect">
             <a:avLst/>
           </a:prstGeom>
         </p:spPr>
-      </p:pic>
-      <p:sp>
-        <p:nvSpPr>
-          <p:cNvPr id="7" name="Rectángulo 6">
-            <a:extLst>
-              <a:ext uri="{FF2B5EF4-FFF2-40B4-BE49-F238E27FC236}">
-                <a16:creationId xmlns:a16="http://schemas.microsoft.com/office/drawing/2014/main" id="{DD4BEC2F-EA36-46E1-BAF0-84E2EAF16659}"/>
-              </a:ext>
-            </a:extLst>
-          </p:cNvPr>
-          <p:cNvSpPr/>
-          <p:nvPr/>
-        </p:nvSpPr>
-        <p:spPr>
-          <a:xfrm>
-            <a:off x="337704" y="966102"/>
-            <a:ext cx="1757575" cy="461665"/>
-          </a:xfrm>
-          <a:prstGeom prst="rect">
-            <a:avLst/>
-          </a:prstGeom>
-        </p:spPr>
         <p:txBody>
           <a:bodyPr wrap="square">
             <a:spAutoFit/>
           </a:bodyPr>
           <a:lstStyle/>
           <a:p>
-            <a:r>
-              <a:rPr lang="es-CL" sz="2400" dirty="0"/>
-              <a:t>Carta Gantt</a:t>
-            </a:r>
-            <a:endParaRPr lang="es-ES" sz="2400" dirty="0"/>
+            <a:pPr>
+              <a:spcBef>
+                <a:spcPct val="0"/>
+              </a:spcBef>
+            </a:pPr>
+            <a:r>
+              <a:rPr lang="es-CL" sz="1400" i="1" dirty="0"/>
+              <a:t>Entrega de tiempo en cada apartado y iteración </a:t>
+            </a:r>
+            <a:r>
+              <a:rPr lang="es-CL" sz="1400" b="1" i="1" dirty="0"/>
+              <a:t>(reuniones) </a:t>
+            </a:r>
+            <a:r>
+              <a:rPr lang="es-CL" sz="1400" i="1" dirty="0"/>
+              <a:t>con la empresa.</a:t>
+            </a:r>
           </a:p>
         </p:txBody>
       </p:sp>
@@ -9653,10 +14089,22 @@
   <p:clrMapOvr>
     <a:masterClrMapping/>
   </p:clrMapOvr>
+  <mc:AlternateContent xmlns:mc="http://schemas.openxmlformats.org/markup-compatibility/2006">
+    <mc:Choice xmlns:p15="http://schemas.microsoft.com/office/powerpoint/2012/main" Requires="p15">
+      <p:transition xmlns:p14="http://schemas.microsoft.com/office/powerpoint/2010/main" spd="slow" p14:dur="3250">
+        <p15:prstTrans prst="origami" invX="1"/>
+      </p:transition>
+    </mc:Choice>
+    <mc:Fallback>
+      <p:transition spd="slow">
+        <p:fade/>
+      </p:transition>
+    </mc:Fallback>
+  </mc:AlternateContent>
 </p:sld>
 </file>
 
-<file path=ppt/slides/slide7.xml><?xml version="1.0" encoding="utf-8"?>
+<file path=ppt/slides/slide8.xml><?xml version="1.0" encoding="utf-8"?>
 <p:sld xmlns:a="http://schemas.openxmlformats.org/drawingml/2006/main" xmlns:r="http://schemas.openxmlformats.org/officeDocument/2006/relationships" xmlns:p="http://schemas.openxmlformats.org/presentationml/2006/main">
   <p:cSld>
     <p:spTree>
@@ -9702,7 +14150,16 @@
                 </a:solidFill>
                 <a:latin typeface="+mn-lt"/>
               </a:rPr>
-              <a:t>Factibilidad Técnica e Implementativa</a:t>
+              <a:t>Factibilidad Técnica e Implementativa: </a:t>
+            </a:r>
+            <a:r>
+              <a:rPr lang="es-CL" sz="2400" b="1" i="1" dirty="0">
+                <a:solidFill>
+                  <a:srgbClr val="E30513"/>
+                </a:solidFill>
+                <a:latin typeface="+mn-lt"/>
+              </a:rPr>
+              <a:t>Análisis Comparativo de HW – SW</a:t>
             </a:r>
           </a:p>
         </p:txBody>
@@ -9724,7 +14181,7 @@
           <a:p>
             <a:fld id="{C0F9E0D3-51B3-8D47-9FA0-6C6BA96BAD74}" type="slidenum">
               <a:rPr lang="es-ES" smtClean="0"/>
-              <a:t>7</a:t>
+              <a:t>8</a:t>
             </a:fld>
             <a:endParaRPr lang="es-ES"/>
           </a:p>
@@ -9760,41 +14217,6 @@
               <a:rPr lang="es-ES" dirty="0"/>
               <a:t>Felipe Inda – Yerko Fuentes</a:t>
             </a:r>
-          </a:p>
-        </p:txBody>
-      </p:sp>
-      <p:sp>
-        <p:nvSpPr>
-          <p:cNvPr id="8" name="Rectángulo 7">
-            <a:extLst>
-              <a:ext uri="{FF2B5EF4-FFF2-40B4-BE49-F238E27FC236}">
-                <a16:creationId xmlns:a16="http://schemas.microsoft.com/office/drawing/2014/main" id="{EA6A8C1E-09B2-44CE-B1A2-E737604CC086}"/>
-              </a:ext>
-            </a:extLst>
-          </p:cNvPr>
-          <p:cNvSpPr/>
-          <p:nvPr/>
-        </p:nvSpPr>
-        <p:spPr>
-          <a:xfrm>
-            <a:off x="457200" y="1099341"/>
-            <a:ext cx="3489541" cy="369332"/>
-          </a:xfrm>
-          <a:prstGeom prst="rect">
-            <a:avLst/>
-          </a:prstGeom>
-        </p:spPr>
-        <p:txBody>
-          <a:bodyPr wrap="square">
-            <a:spAutoFit/>
-          </a:bodyPr>
-          <a:lstStyle/>
-          <a:p>
-            <a:r>
-              <a:rPr lang="es-CL" dirty="0"/>
-              <a:t>Análisis Comparativo de HW – SW</a:t>
-            </a:r>
-            <a:endParaRPr lang="es-ES" sz="2400" dirty="0"/>
           </a:p>
         </p:txBody>
       </p:sp>
@@ -9820,8 +14242,8 @@
         </p:blipFill>
         <p:spPr>
           <a:xfrm>
-            <a:off x="457200" y="1604286"/>
-            <a:ext cx="2857500" cy="2276475"/>
+            <a:off x="1030030" y="1663559"/>
+            <a:ext cx="1846974" cy="1471423"/>
           </a:xfrm>
           <a:prstGeom prst="rect">
             <a:avLst/>
@@ -9842,67 +14264,19 @@
           </p:cNvPicPr>
           <p:nvPr/>
         </p:nvPicPr>
-        <p:blipFill>
+        <p:blipFill rotWithShape="1">
           <a:blip r:embed="rId3"/>
-          <a:stretch>
-            <a:fillRect/>
-          </a:stretch>
+          <a:srcRect l="8945" r="3346" b="844"/>
+          <a:stretch/>
         </p:blipFill>
         <p:spPr>
           <a:xfrm>
-            <a:off x="457200" y="4075710"/>
-            <a:ext cx="2381250" cy="2381250"/>
+            <a:off x="4306783" y="1829130"/>
+            <a:ext cx="1261077" cy="1425656"/>
           </a:xfrm>
           <a:prstGeom prst="rect">
             <a:avLst/>
           </a:prstGeom>
-        </p:spPr>
-      </p:pic>
-      <p:pic>
-        <p:nvPicPr>
-          <p:cNvPr id="1026" name="Picture 2" descr="Image result for licencia mit">
-            <a:extLst>
-              <a:ext uri="{FF2B5EF4-FFF2-40B4-BE49-F238E27FC236}">
-                <a16:creationId xmlns:a16="http://schemas.microsoft.com/office/drawing/2014/main" id="{8226EED7-77BF-4E7D-ABF0-E25EE70EF036}"/>
-              </a:ext>
-            </a:extLst>
-          </p:cNvPr>
-          <p:cNvPicPr>
-            <a:picLocks noChangeAspect="1" noChangeArrowheads="1"/>
-          </p:cNvPicPr>
-          <p:nvPr/>
-        </p:nvPicPr>
-        <p:blipFill>
-          <a:blip r:embed="rId4">
-            <a:extLst>
-              <a:ext uri="{28A0092B-C50C-407E-A947-70E740481C1C}">
-                <a14:useLocalDpi xmlns:a14="http://schemas.microsoft.com/office/drawing/2010/main" val="0"/>
-              </a:ext>
-            </a:extLst>
-          </a:blip>
-          <a:srcRect/>
-          <a:stretch>
-            <a:fillRect/>
-          </a:stretch>
-        </p:blipFill>
-        <p:spPr bwMode="auto">
-          <a:xfrm>
-            <a:off x="3513044" y="3933465"/>
-            <a:ext cx="4000500" cy="1733550"/>
-          </a:xfrm>
-          <a:prstGeom prst="rect">
-            <a:avLst/>
-          </a:prstGeom>
-          <a:noFill/>
-          <a:extLst>
-            <a:ext uri="{909E8E84-426E-40DD-AFC4-6F175D3DCCD1}">
-              <a14:hiddenFill xmlns:a14="http://schemas.microsoft.com/office/drawing/2010/main">
-                <a:solidFill>
-                  <a:srgbClr val="FFFFFF"/>
-                </a:solidFill>
-              </a14:hiddenFill>
-            </a:ext>
-          </a:extLst>
         </p:spPr>
       </p:pic>
       <p:pic>
@@ -9919,16 +14293,15 @@
           </p:cNvPicPr>
           <p:nvPr/>
         </p:nvPicPr>
-        <p:blipFill>
-          <a:blip r:embed="rId5"/>
-          <a:stretch>
-            <a:fillRect/>
-          </a:stretch>
+        <p:blipFill rotWithShape="1">
+          <a:blip r:embed="rId4"/>
+          <a:srcRect l="6838" t="3994" r="11136" b="5734"/>
+          <a:stretch/>
         </p:blipFill>
         <p:spPr>
           <a:xfrm>
-            <a:off x="6433070" y="2742523"/>
-            <a:ext cx="2710930" cy="2394233"/>
+            <a:off x="5674258" y="1898790"/>
+            <a:ext cx="1323441" cy="1286335"/>
           </a:xfrm>
           <a:prstGeom prst="rect">
             <a:avLst/>
@@ -9950,14 +14323,251 @@
           <p:nvPr/>
         </p:nvPicPr>
         <p:blipFill rotWithShape="1">
-          <a:blip r:embed="rId6"/>
+          <a:blip r:embed="rId5"/>
           <a:srcRect l="7238" r="9567"/>
           <a:stretch/>
         </p:blipFill>
         <p:spPr>
           <a:xfrm>
-            <a:off x="3377226" y="1468673"/>
-            <a:ext cx="3489541" cy="2359386"/>
+            <a:off x="702929" y="3610444"/>
+            <a:ext cx="2563927" cy="1733550"/>
+          </a:xfrm>
+          <a:prstGeom prst="rect">
+            <a:avLst/>
+          </a:prstGeom>
+        </p:spPr>
+      </p:pic>
+      <p:sp>
+        <p:nvSpPr>
+          <p:cNvPr id="12" name="Rectángulo 11">
+            <a:extLst>
+              <a:ext uri="{FF2B5EF4-FFF2-40B4-BE49-F238E27FC236}">
+                <a16:creationId xmlns:a16="http://schemas.microsoft.com/office/drawing/2014/main" id="{F9DDAB10-47BD-448B-A7F2-17C0494A12E0}"/>
+              </a:ext>
+            </a:extLst>
+          </p:cNvPr>
+          <p:cNvSpPr/>
+          <p:nvPr/>
+        </p:nvSpPr>
+        <p:spPr>
+          <a:xfrm>
+            <a:off x="711126" y="1286989"/>
+            <a:ext cx="2870349" cy="338554"/>
+          </a:xfrm>
+          <a:prstGeom prst="rect">
+            <a:avLst/>
+          </a:prstGeom>
+        </p:spPr>
+        <p:txBody>
+          <a:bodyPr wrap="square">
+            <a:spAutoFit/>
+          </a:bodyPr>
+          <a:lstStyle/>
+          <a:p>
+            <a:pPr>
+              <a:spcBef>
+                <a:spcPct val="0"/>
+              </a:spcBef>
+            </a:pPr>
+            <a:r>
+              <a:rPr lang="es-CL" sz="1600" b="1" dirty="0"/>
+              <a:t>Software </a:t>
+            </a:r>
+            <a:r>
+              <a:rPr lang="es-CL" sz="1600" b="1" i="1" dirty="0"/>
+              <a:t>(Sistema Operativo)</a:t>
+            </a:r>
+          </a:p>
+        </p:txBody>
+      </p:sp>
+      <p:sp>
+        <p:nvSpPr>
+          <p:cNvPr id="13" name="Rectángulo 12">
+            <a:extLst>
+              <a:ext uri="{FF2B5EF4-FFF2-40B4-BE49-F238E27FC236}">
+                <a16:creationId xmlns:a16="http://schemas.microsoft.com/office/drawing/2014/main" id="{363127FF-7045-4AC8-B1D5-025DDA5AE9A2}"/>
+              </a:ext>
+            </a:extLst>
+          </p:cNvPr>
+          <p:cNvSpPr/>
+          <p:nvPr/>
+        </p:nvSpPr>
+        <p:spPr>
+          <a:xfrm>
+            <a:off x="640993" y="3502577"/>
+            <a:ext cx="2870349" cy="338554"/>
+          </a:xfrm>
+          <a:prstGeom prst="rect">
+            <a:avLst/>
+          </a:prstGeom>
+        </p:spPr>
+        <p:txBody>
+          <a:bodyPr wrap="square">
+            <a:spAutoFit/>
+          </a:bodyPr>
+          <a:lstStyle/>
+          <a:p>
+            <a:pPr>
+              <a:spcBef>
+                <a:spcPct val="0"/>
+              </a:spcBef>
+            </a:pPr>
+            <a:r>
+              <a:rPr lang="es-CL" sz="1600" b="1" dirty="0"/>
+              <a:t>Base de datos y Motor de BD</a:t>
+            </a:r>
+          </a:p>
+        </p:txBody>
+      </p:sp>
+      <p:sp>
+        <p:nvSpPr>
+          <p:cNvPr id="14" name="Rectángulo 13">
+            <a:extLst>
+              <a:ext uri="{FF2B5EF4-FFF2-40B4-BE49-F238E27FC236}">
+                <a16:creationId xmlns:a16="http://schemas.microsoft.com/office/drawing/2014/main" id="{DFECB6F2-D536-45ED-965A-275DC7172C27}"/>
+              </a:ext>
+            </a:extLst>
+          </p:cNvPr>
+          <p:cNvSpPr/>
+          <p:nvPr/>
+        </p:nvSpPr>
+        <p:spPr>
+          <a:xfrm>
+            <a:off x="4352786" y="1283130"/>
+            <a:ext cx="2474042" cy="584775"/>
+          </a:xfrm>
+          <a:prstGeom prst="rect">
+            <a:avLst/>
+          </a:prstGeom>
+        </p:spPr>
+        <p:txBody>
+          <a:bodyPr wrap="square">
+            <a:spAutoFit/>
+          </a:bodyPr>
+          <a:lstStyle/>
+          <a:p>
+            <a:pPr algn="ctr">
+              <a:spcBef>
+                <a:spcPct val="0"/>
+              </a:spcBef>
+            </a:pPr>
+            <a:r>
+              <a:rPr lang="es-CL" sz="1600" b="1" dirty="0"/>
+              <a:t>Código de programación Liberia de visión artificial</a:t>
+            </a:r>
+          </a:p>
+        </p:txBody>
+      </p:sp>
+      <p:sp>
+        <p:nvSpPr>
+          <p:cNvPr id="15" name="Rectángulo 14">
+            <a:extLst>
+              <a:ext uri="{FF2B5EF4-FFF2-40B4-BE49-F238E27FC236}">
+                <a16:creationId xmlns:a16="http://schemas.microsoft.com/office/drawing/2014/main" id="{D0EE1E15-DB25-4312-8E61-9D8F3264FB60}"/>
+              </a:ext>
+            </a:extLst>
+          </p:cNvPr>
+          <p:cNvSpPr/>
+          <p:nvPr/>
+        </p:nvSpPr>
+        <p:spPr>
+          <a:xfrm>
+            <a:off x="5503387" y="3502577"/>
+            <a:ext cx="1323441" cy="400110"/>
+          </a:xfrm>
+          <a:prstGeom prst="rect">
+            <a:avLst/>
+          </a:prstGeom>
+        </p:spPr>
+        <p:txBody>
+          <a:bodyPr wrap="square">
+            <a:spAutoFit/>
+          </a:bodyPr>
+          <a:lstStyle/>
+          <a:p>
+            <a:pPr>
+              <a:spcBef>
+                <a:spcPct val="0"/>
+              </a:spcBef>
+            </a:pPr>
+            <a:r>
+              <a:rPr lang="es-CL" sz="2000" b="1" dirty="0"/>
+              <a:t>Hardware</a:t>
+            </a:r>
+            <a:endParaRPr lang="es-CL" sz="2000" b="1" i="1" dirty="0"/>
+          </a:p>
+        </p:txBody>
+      </p:sp>
+      <p:pic>
+        <p:nvPicPr>
+          <p:cNvPr id="4" name="Imagen 3">
+            <a:extLst>
+              <a:ext uri="{FF2B5EF4-FFF2-40B4-BE49-F238E27FC236}">
+                <a16:creationId xmlns:a16="http://schemas.microsoft.com/office/drawing/2014/main" id="{1D6512B4-EBDF-4AC0-B597-8808FC590DA6}"/>
+              </a:ext>
+            </a:extLst>
+          </p:cNvPr>
+          <p:cNvPicPr>
+            <a:picLocks noChangeAspect="1"/>
+          </p:cNvPicPr>
+          <p:nvPr/>
+        </p:nvPicPr>
+        <p:blipFill>
+          <a:blip r:embed="rId6">
+            <a:duotone>
+              <a:schemeClr val="accent3">
+                <a:shade val="45000"/>
+                <a:satMod val="135000"/>
+              </a:schemeClr>
+              <a:prstClr val="white"/>
+            </a:duotone>
+          </a:blip>
+          <a:stretch>
+            <a:fillRect/>
+          </a:stretch>
+        </p:blipFill>
+        <p:spPr>
+          <a:xfrm>
+            <a:off x="3896639" y="4003821"/>
+            <a:ext cx="2061301" cy="1870511"/>
+          </a:xfrm>
+          <a:prstGeom prst="rect">
+            <a:avLst/>
+          </a:prstGeom>
+        </p:spPr>
+      </p:pic>
+      <p:pic>
+        <p:nvPicPr>
+          <p:cNvPr id="6" name="Imagen 5">
+            <a:extLst>
+              <a:ext uri="{FF2B5EF4-FFF2-40B4-BE49-F238E27FC236}">
+                <a16:creationId xmlns:a16="http://schemas.microsoft.com/office/drawing/2014/main" id="{B017CEF4-7D56-41C3-8FED-BE4C088D5A62}"/>
+              </a:ext>
+            </a:extLst>
+          </p:cNvPr>
+          <p:cNvPicPr>
+            <a:picLocks noChangeAspect="1"/>
+          </p:cNvPicPr>
+          <p:nvPr/>
+        </p:nvPicPr>
+        <p:blipFill>
+          <a:blip r:embed="rId7">
+            <a:duotone>
+              <a:schemeClr val="accent2">
+                <a:shade val="45000"/>
+                <a:satMod val="135000"/>
+              </a:schemeClr>
+              <a:prstClr val="white"/>
+            </a:duotone>
+          </a:blip>
+          <a:stretch>
+            <a:fillRect/>
+          </a:stretch>
+        </p:blipFill>
+        <p:spPr>
+          <a:xfrm>
+            <a:off x="6165108" y="4003821"/>
+            <a:ext cx="2652385" cy="1870511"/>
           </a:xfrm>
           <a:prstGeom prst="rect">
             <a:avLst/>
@@ -9974,199 +14584,1166 @@
   <p:clrMapOvr>
     <a:masterClrMapping/>
   </p:clrMapOvr>
-</p:sld>
-</file>
-
-<file path=ppt/slides/slide8.xml><?xml version="1.0" encoding="utf-8"?>
-<p:sld xmlns:a="http://schemas.openxmlformats.org/drawingml/2006/main" xmlns:r="http://schemas.openxmlformats.org/officeDocument/2006/relationships" xmlns:p="http://schemas.openxmlformats.org/presentationml/2006/main">
-  <p:cSld>
-    <p:spTree>
-      <p:nvGrpSpPr>
-        <p:cNvPr id="1" name=""/>
-        <p:cNvGrpSpPr/>
-        <p:nvPr/>
-      </p:nvGrpSpPr>
-      <p:grpSpPr>
-        <a:xfrm>
-          <a:off x="0" y="0"/>
-          <a:ext cx="0" cy="0"/>
-          <a:chOff x="0" y="0"/>
-          <a:chExt cx="0" cy="0"/>
-        </a:xfrm>
-      </p:grpSpPr>
-      <p:sp>
-        <p:nvSpPr>
-          <p:cNvPr id="2" name="Título 1"/>
-          <p:cNvSpPr>
-            <a:spLocks noGrp="1"/>
-          </p:cNvSpPr>
-          <p:nvPr>
-            <p:ph type="title"/>
-          </p:nvPr>
-        </p:nvSpPr>
-        <p:spPr>
-          <a:xfrm>
-            <a:off x="457200" y="236150"/>
-            <a:ext cx="5056094" cy="758932"/>
-          </a:xfrm>
-        </p:spPr>
-        <p:txBody>
-          <a:bodyPr vert="horz" lIns="91440" tIns="45720" rIns="91440" bIns="45720" rtlCol="0" anchor="ctr">
-            <a:noAutofit/>
-          </a:bodyPr>
-          <a:lstStyle/>
-          <a:p>
-            <a:r>
-              <a:rPr lang="es-CL" sz="2400" b="1" dirty="0">
-                <a:solidFill>
-                  <a:srgbClr val="E30513"/>
-                </a:solidFill>
-                <a:latin typeface="+mn-lt"/>
-              </a:rPr>
-              <a:t>Factibilidad Técnica e Implementativa</a:t>
-            </a:r>
-          </a:p>
-        </p:txBody>
-      </p:sp>
-      <p:sp>
-        <p:nvSpPr>
-          <p:cNvPr id="5" name="Marcador de número de diapositiva 4"/>
-          <p:cNvSpPr>
-            <a:spLocks noGrp="1"/>
-          </p:cNvSpPr>
-          <p:nvPr>
-            <p:ph type="sldNum" sz="quarter" idx="12"/>
-          </p:nvPr>
-        </p:nvSpPr>
-        <p:spPr/>
-        <p:txBody>
-          <a:bodyPr/>
-          <a:lstStyle/>
-          <a:p>
-            <a:fld id="{C0F9E0D3-51B3-8D47-9FA0-6C6BA96BAD74}" type="slidenum">
-              <a:rPr lang="es-ES" smtClean="0"/>
-              <a:t>8</a:t>
-            </a:fld>
-            <a:endParaRPr lang="es-ES"/>
-          </a:p>
-        </p:txBody>
-      </p:sp>
-      <p:sp>
-        <p:nvSpPr>
-          <p:cNvPr id="7" name="Marcador de pie de página 3">
-            <a:extLst>
-              <a:ext uri="{FF2B5EF4-FFF2-40B4-BE49-F238E27FC236}">
-                <a16:creationId xmlns:a16="http://schemas.microsoft.com/office/drawing/2014/main" id="{D13CCE27-F7F9-4F43-9DD4-E844142EDAE0}"/>
-              </a:ext>
-            </a:extLst>
-          </p:cNvPr>
-          <p:cNvSpPr>
-            <a:spLocks noGrp="1"/>
-          </p:cNvSpPr>
-          <p:nvPr>
-            <p:ph type="ftr" sz="quarter" idx="11"/>
-          </p:nvPr>
-        </p:nvSpPr>
-        <p:spPr>
-          <a:xfrm>
-            <a:off x="1470991" y="6292851"/>
-            <a:ext cx="6162261" cy="215900"/>
-          </a:xfrm>
-        </p:spPr>
-        <p:txBody>
-          <a:bodyPr/>
-          <a:lstStyle/>
-          <a:p>
-            <a:r>
-              <a:rPr lang="es-ES" dirty="0"/>
-              <a:t>Felipe Inda – Yerko Fuentes</a:t>
-            </a:r>
-          </a:p>
-        </p:txBody>
-      </p:sp>
-      <p:sp>
-        <p:nvSpPr>
-          <p:cNvPr id="8" name="Rectángulo 7">
-            <a:extLst>
-              <a:ext uri="{FF2B5EF4-FFF2-40B4-BE49-F238E27FC236}">
-                <a16:creationId xmlns:a16="http://schemas.microsoft.com/office/drawing/2014/main" id="{EA6A8C1E-09B2-44CE-B1A2-E737604CC086}"/>
-              </a:ext>
-            </a:extLst>
-          </p:cNvPr>
-          <p:cNvSpPr/>
-          <p:nvPr/>
-        </p:nvSpPr>
-        <p:spPr>
-          <a:xfrm>
-            <a:off x="457201" y="1099341"/>
-            <a:ext cx="2213264" cy="369332"/>
-          </a:xfrm>
-          <a:prstGeom prst="rect">
-            <a:avLst/>
-          </a:prstGeom>
-        </p:spPr>
-        <p:txBody>
-          <a:bodyPr wrap="square">
-            <a:spAutoFit/>
-          </a:bodyPr>
-          <a:lstStyle/>
-          <a:p>
-            <a:r>
-              <a:rPr lang="es-CL" dirty="0"/>
-              <a:t>Análisis de Recursos </a:t>
-            </a:r>
-            <a:endParaRPr lang="es-ES" sz="2400" dirty="0"/>
-          </a:p>
-        </p:txBody>
-      </p:sp>
-      <p:pic>
-        <p:nvPicPr>
-          <p:cNvPr id="3" name="Imagen 2">
-            <a:extLst>
-              <a:ext uri="{FF2B5EF4-FFF2-40B4-BE49-F238E27FC236}">
-                <a16:creationId xmlns:a16="http://schemas.microsoft.com/office/drawing/2014/main" id="{9591AD63-8333-4902-97BF-523677818FFF}"/>
-              </a:ext>
-            </a:extLst>
-          </p:cNvPr>
-          <p:cNvPicPr>
-            <a:picLocks noChangeAspect="1"/>
-          </p:cNvPicPr>
-          <p:nvPr/>
-        </p:nvPicPr>
-        <p:blipFill>
-          <a:blip r:embed="rId2">
-            <a:duotone>
-              <a:schemeClr val="accent1">
-                <a:shade val="45000"/>
-                <a:satMod val="135000"/>
-              </a:schemeClr>
-              <a:prstClr val="white"/>
-            </a:duotone>
-          </a:blip>
-          <a:stretch>
-            <a:fillRect/>
-          </a:stretch>
-        </p:blipFill>
-        <p:spPr>
-          <a:xfrm>
-            <a:off x="1499152" y="1704975"/>
-            <a:ext cx="6134100" cy="3448050"/>
-          </a:xfrm>
-          <a:prstGeom prst="rect">
-            <a:avLst/>
-          </a:prstGeom>
-        </p:spPr>
-      </p:pic>
-    </p:spTree>
-    <p:extLst>
-      <p:ext uri="{BB962C8B-B14F-4D97-AF65-F5344CB8AC3E}">
-        <p14:creationId xmlns:p14="http://schemas.microsoft.com/office/powerpoint/2010/main" val="95250865"/>
-      </p:ext>
-    </p:extLst>
-  </p:cSld>
-  <p:clrMapOvr>
-    <a:masterClrMapping/>
-  </p:clrMapOvr>
+  <mc:AlternateContent xmlns:mc="http://schemas.openxmlformats.org/markup-compatibility/2006">
+    <mc:Choice xmlns:p15="http://schemas.microsoft.com/office/powerpoint/2012/main" Requires="p15">
+      <p:transition xmlns:p14="http://schemas.microsoft.com/office/powerpoint/2010/main" spd="slow" p14:dur="3250">
+        <p15:prstTrans prst="origami" invX="1"/>
+      </p:transition>
+    </mc:Choice>
+    <mc:Fallback>
+      <p:transition spd="slow">
+        <p:fade/>
+      </p:transition>
+    </mc:Fallback>
+  </mc:AlternateContent>
+  <p:timing>
+    <p:tnLst>
+      <p:par>
+        <p:cTn id="1" dur="indefinite" restart="never" nodeType="tmRoot">
+          <p:childTnLst>
+            <p:seq concurrent="1" nextAc="seek">
+              <p:cTn id="2" dur="indefinite" nodeType="mainSeq">
+                <p:childTnLst>
+                  <p:par>
+                    <p:cTn id="3" fill="hold">
+                      <p:stCondLst>
+                        <p:cond delay="indefinite"/>
+                      </p:stCondLst>
+                      <p:childTnLst>
+                        <p:par>
+                          <p:cTn id="4" fill="hold">
+                            <p:stCondLst>
+                              <p:cond delay="0"/>
+                            </p:stCondLst>
+                            <p:childTnLst>
+                              <p:par>
+                                <p:cTn id="5" presetID="31" presetClass="entr" presetSubtype="0" fill="hold" grpId="0" nodeType="clickEffect">
+                                  <p:stCondLst>
+                                    <p:cond delay="0"/>
+                                  </p:stCondLst>
+                                  <p:childTnLst>
+                                    <p:set>
+                                      <p:cBhvr>
+                                        <p:cTn id="6" dur="1" fill="hold">
+                                          <p:stCondLst>
+                                            <p:cond delay="0"/>
+                                          </p:stCondLst>
+                                        </p:cTn>
+                                        <p:tgtEl>
+                                          <p:spTgt spid="12"/>
+                                        </p:tgtEl>
+                                        <p:attrNameLst>
+                                          <p:attrName>style.visibility</p:attrName>
+                                        </p:attrNameLst>
+                                      </p:cBhvr>
+                                      <p:to>
+                                        <p:strVal val="visible"/>
+                                      </p:to>
+                                    </p:set>
+                                    <p:anim calcmode="lin" valueType="num">
+                                      <p:cBhvr>
+                                        <p:cTn id="7" dur="1000" fill="hold"/>
+                                        <p:tgtEl>
+                                          <p:spTgt spid="12"/>
+                                        </p:tgtEl>
+                                        <p:attrNameLst>
+                                          <p:attrName>ppt_w</p:attrName>
+                                        </p:attrNameLst>
+                                      </p:cBhvr>
+                                      <p:tavLst>
+                                        <p:tav tm="0">
+                                          <p:val>
+                                            <p:fltVal val="0"/>
+                                          </p:val>
+                                        </p:tav>
+                                        <p:tav tm="100000">
+                                          <p:val>
+                                            <p:strVal val="#ppt_w"/>
+                                          </p:val>
+                                        </p:tav>
+                                      </p:tavLst>
+                                    </p:anim>
+                                    <p:anim calcmode="lin" valueType="num">
+                                      <p:cBhvr>
+                                        <p:cTn id="8" dur="1000" fill="hold"/>
+                                        <p:tgtEl>
+                                          <p:spTgt spid="12"/>
+                                        </p:tgtEl>
+                                        <p:attrNameLst>
+                                          <p:attrName>ppt_h</p:attrName>
+                                        </p:attrNameLst>
+                                      </p:cBhvr>
+                                      <p:tavLst>
+                                        <p:tav tm="0">
+                                          <p:val>
+                                            <p:fltVal val="0"/>
+                                          </p:val>
+                                        </p:tav>
+                                        <p:tav tm="100000">
+                                          <p:val>
+                                            <p:strVal val="#ppt_h"/>
+                                          </p:val>
+                                        </p:tav>
+                                      </p:tavLst>
+                                    </p:anim>
+                                    <p:anim calcmode="lin" valueType="num">
+                                      <p:cBhvr>
+                                        <p:cTn id="9" dur="1000" fill="hold"/>
+                                        <p:tgtEl>
+                                          <p:spTgt spid="12"/>
+                                        </p:tgtEl>
+                                        <p:attrNameLst>
+                                          <p:attrName>style.rotation</p:attrName>
+                                        </p:attrNameLst>
+                                      </p:cBhvr>
+                                      <p:tavLst>
+                                        <p:tav tm="0">
+                                          <p:val>
+                                            <p:fltVal val="90"/>
+                                          </p:val>
+                                        </p:tav>
+                                        <p:tav tm="100000">
+                                          <p:val>
+                                            <p:fltVal val="0"/>
+                                          </p:val>
+                                        </p:tav>
+                                      </p:tavLst>
+                                    </p:anim>
+                                    <p:animEffect transition="in" filter="fade">
+                                      <p:cBhvr>
+                                        <p:cTn id="10" dur="1000"/>
+                                        <p:tgtEl>
+                                          <p:spTgt spid="12"/>
+                                        </p:tgtEl>
+                                      </p:cBhvr>
+                                    </p:animEffect>
+                                  </p:childTnLst>
+                                </p:cTn>
+                              </p:par>
+                            </p:childTnLst>
+                          </p:cTn>
+                        </p:par>
+                      </p:childTnLst>
+                    </p:cTn>
+                  </p:par>
+                  <p:par>
+                    <p:cTn id="11" fill="hold">
+                      <p:stCondLst>
+                        <p:cond delay="indefinite"/>
+                      </p:stCondLst>
+                      <p:childTnLst>
+                        <p:par>
+                          <p:cTn id="12" fill="hold">
+                            <p:stCondLst>
+                              <p:cond delay="0"/>
+                            </p:stCondLst>
+                            <p:childTnLst>
+                              <p:par>
+                                <p:cTn id="13" presetID="31" presetClass="entr" presetSubtype="0" fill="hold" grpId="0" nodeType="clickEffect">
+                                  <p:stCondLst>
+                                    <p:cond delay="0"/>
+                                  </p:stCondLst>
+                                  <p:childTnLst>
+                                    <p:set>
+                                      <p:cBhvr>
+                                        <p:cTn id="14" dur="1" fill="hold">
+                                          <p:stCondLst>
+                                            <p:cond delay="0"/>
+                                          </p:stCondLst>
+                                        </p:cTn>
+                                        <p:tgtEl>
+                                          <p:spTgt spid="14"/>
+                                        </p:tgtEl>
+                                        <p:attrNameLst>
+                                          <p:attrName>style.visibility</p:attrName>
+                                        </p:attrNameLst>
+                                      </p:cBhvr>
+                                      <p:to>
+                                        <p:strVal val="visible"/>
+                                      </p:to>
+                                    </p:set>
+                                    <p:anim calcmode="lin" valueType="num">
+                                      <p:cBhvr>
+                                        <p:cTn id="15" dur="1000" fill="hold"/>
+                                        <p:tgtEl>
+                                          <p:spTgt spid="14"/>
+                                        </p:tgtEl>
+                                        <p:attrNameLst>
+                                          <p:attrName>ppt_w</p:attrName>
+                                        </p:attrNameLst>
+                                      </p:cBhvr>
+                                      <p:tavLst>
+                                        <p:tav tm="0">
+                                          <p:val>
+                                            <p:fltVal val="0"/>
+                                          </p:val>
+                                        </p:tav>
+                                        <p:tav tm="100000">
+                                          <p:val>
+                                            <p:strVal val="#ppt_w"/>
+                                          </p:val>
+                                        </p:tav>
+                                      </p:tavLst>
+                                    </p:anim>
+                                    <p:anim calcmode="lin" valueType="num">
+                                      <p:cBhvr>
+                                        <p:cTn id="16" dur="1000" fill="hold"/>
+                                        <p:tgtEl>
+                                          <p:spTgt spid="14"/>
+                                        </p:tgtEl>
+                                        <p:attrNameLst>
+                                          <p:attrName>ppt_h</p:attrName>
+                                        </p:attrNameLst>
+                                      </p:cBhvr>
+                                      <p:tavLst>
+                                        <p:tav tm="0">
+                                          <p:val>
+                                            <p:fltVal val="0"/>
+                                          </p:val>
+                                        </p:tav>
+                                        <p:tav tm="100000">
+                                          <p:val>
+                                            <p:strVal val="#ppt_h"/>
+                                          </p:val>
+                                        </p:tav>
+                                      </p:tavLst>
+                                    </p:anim>
+                                    <p:anim calcmode="lin" valueType="num">
+                                      <p:cBhvr>
+                                        <p:cTn id="17" dur="1000" fill="hold"/>
+                                        <p:tgtEl>
+                                          <p:spTgt spid="14"/>
+                                        </p:tgtEl>
+                                        <p:attrNameLst>
+                                          <p:attrName>style.rotation</p:attrName>
+                                        </p:attrNameLst>
+                                      </p:cBhvr>
+                                      <p:tavLst>
+                                        <p:tav tm="0">
+                                          <p:val>
+                                            <p:fltVal val="90"/>
+                                          </p:val>
+                                        </p:tav>
+                                        <p:tav tm="100000">
+                                          <p:val>
+                                            <p:fltVal val="0"/>
+                                          </p:val>
+                                        </p:tav>
+                                      </p:tavLst>
+                                    </p:anim>
+                                    <p:animEffect transition="in" filter="fade">
+                                      <p:cBhvr>
+                                        <p:cTn id="18" dur="1000"/>
+                                        <p:tgtEl>
+                                          <p:spTgt spid="14"/>
+                                        </p:tgtEl>
+                                      </p:cBhvr>
+                                    </p:animEffect>
+                                  </p:childTnLst>
+                                </p:cTn>
+                              </p:par>
+                              <p:par>
+                                <p:cTn id="19" presetID="31" presetClass="entr" presetSubtype="0" fill="hold" nodeType="withEffect">
+                                  <p:stCondLst>
+                                    <p:cond delay="0"/>
+                                  </p:stCondLst>
+                                  <p:childTnLst>
+                                    <p:set>
+                                      <p:cBhvr>
+                                        <p:cTn id="20" dur="1" fill="hold">
+                                          <p:stCondLst>
+                                            <p:cond delay="0"/>
+                                          </p:stCondLst>
+                                        </p:cTn>
+                                        <p:tgtEl>
+                                          <p:spTgt spid="9"/>
+                                        </p:tgtEl>
+                                        <p:attrNameLst>
+                                          <p:attrName>style.visibility</p:attrName>
+                                        </p:attrNameLst>
+                                      </p:cBhvr>
+                                      <p:to>
+                                        <p:strVal val="visible"/>
+                                      </p:to>
+                                    </p:set>
+                                    <p:anim calcmode="lin" valueType="num">
+                                      <p:cBhvr>
+                                        <p:cTn id="21" dur="1000" fill="hold"/>
+                                        <p:tgtEl>
+                                          <p:spTgt spid="9"/>
+                                        </p:tgtEl>
+                                        <p:attrNameLst>
+                                          <p:attrName>ppt_w</p:attrName>
+                                        </p:attrNameLst>
+                                      </p:cBhvr>
+                                      <p:tavLst>
+                                        <p:tav tm="0">
+                                          <p:val>
+                                            <p:fltVal val="0"/>
+                                          </p:val>
+                                        </p:tav>
+                                        <p:tav tm="100000">
+                                          <p:val>
+                                            <p:strVal val="#ppt_w"/>
+                                          </p:val>
+                                        </p:tav>
+                                      </p:tavLst>
+                                    </p:anim>
+                                    <p:anim calcmode="lin" valueType="num">
+                                      <p:cBhvr>
+                                        <p:cTn id="22" dur="1000" fill="hold"/>
+                                        <p:tgtEl>
+                                          <p:spTgt spid="9"/>
+                                        </p:tgtEl>
+                                        <p:attrNameLst>
+                                          <p:attrName>ppt_h</p:attrName>
+                                        </p:attrNameLst>
+                                      </p:cBhvr>
+                                      <p:tavLst>
+                                        <p:tav tm="0">
+                                          <p:val>
+                                            <p:fltVal val="0"/>
+                                          </p:val>
+                                        </p:tav>
+                                        <p:tav tm="100000">
+                                          <p:val>
+                                            <p:strVal val="#ppt_h"/>
+                                          </p:val>
+                                        </p:tav>
+                                      </p:tavLst>
+                                    </p:anim>
+                                    <p:anim calcmode="lin" valueType="num">
+                                      <p:cBhvr>
+                                        <p:cTn id="23" dur="1000" fill="hold"/>
+                                        <p:tgtEl>
+                                          <p:spTgt spid="9"/>
+                                        </p:tgtEl>
+                                        <p:attrNameLst>
+                                          <p:attrName>style.rotation</p:attrName>
+                                        </p:attrNameLst>
+                                      </p:cBhvr>
+                                      <p:tavLst>
+                                        <p:tav tm="0">
+                                          <p:val>
+                                            <p:fltVal val="90"/>
+                                          </p:val>
+                                        </p:tav>
+                                        <p:tav tm="100000">
+                                          <p:val>
+                                            <p:fltVal val="0"/>
+                                          </p:val>
+                                        </p:tav>
+                                      </p:tavLst>
+                                    </p:anim>
+                                    <p:animEffect transition="in" filter="fade">
+                                      <p:cBhvr>
+                                        <p:cTn id="24" dur="1000"/>
+                                        <p:tgtEl>
+                                          <p:spTgt spid="9"/>
+                                        </p:tgtEl>
+                                      </p:cBhvr>
+                                    </p:animEffect>
+                                  </p:childTnLst>
+                                </p:cTn>
+                              </p:par>
+                              <p:par>
+                                <p:cTn id="25" presetID="31" presetClass="entr" presetSubtype="0" fill="hold" nodeType="withEffect">
+                                  <p:stCondLst>
+                                    <p:cond delay="0"/>
+                                  </p:stCondLst>
+                                  <p:childTnLst>
+                                    <p:set>
+                                      <p:cBhvr>
+                                        <p:cTn id="26" dur="1" fill="hold">
+                                          <p:stCondLst>
+                                            <p:cond delay="0"/>
+                                          </p:stCondLst>
+                                        </p:cTn>
+                                        <p:tgtEl>
+                                          <p:spTgt spid="11"/>
+                                        </p:tgtEl>
+                                        <p:attrNameLst>
+                                          <p:attrName>style.visibility</p:attrName>
+                                        </p:attrNameLst>
+                                      </p:cBhvr>
+                                      <p:to>
+                                        <p:strVal val="visible"/>
+                                      </p:to>
+                                    </p:set>
+                                    <p:anim calcmode="lin" valueType="num">
+                                      <p:cBhvr>
+                                        <p:cTn id="27" dur="1000" fill="hold"/>
+                                        <p:tgtEl>
+                                          <p:spTgt spid="11"/>
+                                        </p:tgtEl>
+                                        <p:attrNameLst>
+                                          <p:attrName>ppt_w</p:attrName>
+                                        </p:attrNameLst>
+                                      </p:cBhvr>
+                                      <p:tavLst>
+                                        <p:tav tm="0">
+                                          <p:val>
+                                            <p:fltVal val="0"/>
+                                          </p:val>
+                                        </p:tav>
+                                        <p:tav tm="100000">
+                                          <p:val>
+                                            <p:strVal val="#ppt_w"/>
+                                          </p:val>
+                                        </p:tav>
+                                      </p:tavLst>
+                                    </p:anim>
+                                    <p:anim calcmode="lin" valueType="num">
+                                      <p:cBhvr>
+                                        <p:cTn id="28" dur="1000" fill="hold"/>
+                                        <p:tgtEl>
+                                          <p:spTgt spid="11"/>
+                                        </p:tgtEl>
+                                        <p:attrNameLst>
+                                          <p:attrName>ppt_h</p:attrName>
+                                        </p:attrNameLst>
+                                      </p:cBhvr>
+                                      <p:tavLst>
+                                        <p:tav tm="0">
+                                          <p:val>
+                                            <p:fltVal val="0"/>
+                                          </p:val>
+                                        </p:tav>
+                                        <p:tav tm="100000">
+                                          <p:val>
+                                            <p:strVal val="#ppt_h"/>
+                                          </p:val>
+                                        </p:tav>
+                                      </p:tavLst>
+                                    </p:anim>
+                                    <p:anim calcmode="lin" valueType="num">
+                                      <p:cBhvr>
+                                        <p:cTn id="29" dur="1000" fill="hold"/>
+                                        <p:tgtEl>
+                                          <p:spTgt spid="11"/>
+                                        </p:tgtEl>
+                                        <p:attrNameLst>
+                                          <p:attrName>style.rotation</p:attrName>
+                                        </p:attrNameLst>
+                                      </p:cBhvr>
+                                      <p:tavLst>
+                                        <p:tav tm="0">
+                                          <p:val>
+                                            <p:fltVal val="90"/>
+                                          </p:val>
+                                        </p:tav>
+                                        <p:tav tm="100000">
+                                          <p:val>
+                                            <p:fltVal val="0"/>
+                                          </p:val>
+                                        </p:tav>
+                                      </p:tavLst>
+                                    </p:anim>
+                                    <p:animEffect transition="in" filter="fade">
+                                      <p:cBhvr>
+                                        <p:cTn id="30" dur="1000"/>
+                                        <p:tgtEl>
+                                          <p:spTgt spid="11"/>
+                                        </p:tgtEl>
+                                      </p:cBhvr>
+                                    </p:animEffect>
+                                  </p:childTnLst>
+                                </p:cTn>
+                              </p:par>
+                              <p:par>
+                                <p:cTn id="31" presetID="31" presetClass="entr" presetSubtype="0" fill="hold" nodeType="withEffect">
+                                  <p:stCondLst>
+                                    <p:cond delay="0"/>
+                                  </p:stCondLst>
+                                  <p:childTnLst>
+                                    <p:set>
+                                      <p:cBhvr>
+                                        <p:cTn id="32" dur="1" fill="hold">
+                                          <p:stCondLst>
+                                            <p:cond delay="0"/>
+                                          </p:stCondLst>
+                                        </p:cTn>
+                                        <p:tgtEl>
+                                          <p:spTgt spid="3"/>
+                                        </p:tgtEl>
+                                        <p:attrNameLst>
+                                          <p:attrName>style.visibility</p:attrName>
+                                        </p:attrNameLst>
+                                      </p:cBhvr>
+                                      <p:to>
+                                        <p:strVal val="visible"/>
+                                      </p:to>
+                                    </p:set>
+                                    <p:anim calcmode="lin" valueType="num">
+                                      <p:cBhvr>
+                                        <p:cTn id="33" dur="1000" fill="hold"/>
+                                        <p:tgtEl>
+                                          <p:spTgt spid="3"/>
+                                        </p:tgtEl>
+                                        <p:attrNameLst>
+                                          <p:attrName>ppt_w</p:attrName>
+                                        </p:attrNameLst>
+                                      </p:cBhvr>
+                                      <p:tavLst>
+                                        <p:tav tm="0">
+                                          <p:val>
+                                            <p:fltVal val="0"/>
+                                          </p:val>
+                                        </p:tav>
+                                        <p:tav tm="100000">
+                                          <p:val>
+                                            <p:strVal val="#ppt_w"/>
+                                          </p:val>
+                                        </p:tav>
+                                      </p:tavLst>
+                                    </p:anim>
+                                    <p:anim calcmode="lin" valueType="num">
+                                      <p:cBhvr>
+                                        <p:cTn id="34" dur="1000" fill="hold"/>
+                                        <p:tgtEl>
+                                          <p:spTgt spid="3"/>
+                                        </p:tgtEl>
+                                        <p:attrNameLst>
+                                          <p:attrName>ppt_h</p:attrName>
+                                        </p:attrNameLst>
+                                      </p:cBhvr>
+                                      <p:tavLst>
+                                        <p:tav tm="0">
+                                          <p:val>
+                                            <p:fltVal val="0"/>
+                                          </p:val>
+                                        </p:tav>
+                                        <p:tav tm="100000">
+                                          <p:val>
+                                            <p:strVal val="#ppt_h"/>
+                                          </p:val>
+                                        </p:tav>
+                                      </p:tavLst>
+                                    </p:anim>
+                                    <p:anim calcmode="lin" valueType="num">
+                                      <p:cBhvr>
+                                        <p:cTn id="35" dur="1000" fill="hold"/>
+                                        <p:tgtEl>
+                                          <p:spTgt spid="3"/>
+                                        </p:tgtEl>
+                                        <p:attrNameLst>
+                                          <p:attrName>style.rotation</p:attrName>
+                                        </p:attrNameLst>
+                                      </p:cBhvr>
+                                      <p:tavLst>
+                                        <p:tav tm="0">
+                                          <p:val>
+                                            <p:fltVal val="90"/>
+                                          </p:val>
+                                        </p:tav>
+                                        <p:tav tm="100000">
+                                          <p:val>
+                                            <p:fltVal val="0"/>
+                                          </p:val>
+                                        </p:tav>
+                                      </p:tavLst>
+                                    </p:anim>
+                                    <p:animEffect transition="in" filter="fade">
+                                      <p:cBhvr>
+                                        <p:cTn id="36" dur="1000"/>
+                                        <p:tgtEl>
+                                          <p:spTgt spid="3"/>
+                                        </p:tgtEl>
+                                      </p:cBhvr>
+                                    </p:animEffect>
+                                  </p:childTnLst>
+                                </p:cTn>
+                              </p:par>
+                            </p:childTnLst>
+                          </p:cTn>
+                        </p:par>
+                      </p:childTnLst>
+                    </p:cTn>
+                  </p:par>
+                  <p:par>
+                    <p:cTn id="37" fill="hold">
+                      <p:stCondLst>
+                        <p:cond delay="indefinite"/>
+                      </p:stCondLst>
+                      <p:childTnLst>
+                        <p:par>
+                          <p:cTn id="38" fill="hold">
+                            <p:stCondLst>
+                              <p:cond delay="0"/>
+                            </p:stCondLst>
+                            <p:childTnLst>
+                              <p:par>
+                                <p:cTn id="39" presetID="31" presetClass="entr" presetSubtype="0" fill="hold" nodeType="clickEffect">
+                                  <p:stCondLst>
+                                    <p:cond delay="0"/>
+                                  </p:stCondLst>
+                                  <p:childTnLst>
+                                    <p:set>
+                                      <p:cBhvr>
+                                        <p:cTn id="40" dur="1" fill="hold">
+                                          <p:stCondLst>
+                                            <p:cond delay="0"/>
+                                          </p:stCondLst>
+                                        </p:cTn>
+                                        <p:tgtEl>
+                                          <p:spTgt spid="10"/>
+                                        </p:tgtEl>
+                                        <p:attrNameLst>
+                                          <p:attrName>style.visibility</p:attrName>
+                                        </p:attrNameLst>
+                                      </p:cBhvr>
+                                      <p:to>
+                                        <p:strVal val="visible"/>
+                                      </p:to>
+                                    </p:set>
+                                    <p:anim calcmode="lin" valueType="num">
+                                      <p:cBhvr>
+                                        <p:cTn id="41" dur="1000" fill="hold"/>
+                                        <p:tgtEl>
+                                          <p:spTgt spid="10"/>
+                                        </p:tgtEl>
+                                        <p:attrNameLst>
+                                          <p:attrName>ppt_w</p:attrName>
+                                        </p:attrNameLst>
+                                      </p:cBhvr>
+                                      <p:tavLst>
+                                        <p:tav tm="0">
+                                          <p:val>
+                                            <p:fltVal val="0"/>
+                                          </p:val>
+                                        </p:tav>
+                                        <p:tav tm="100000">
+                                          <p:val>
+                                            <p:strVal val="#ppt_w"/>
+                                          </p:val>
+                                        </p:tav>
+                                      </p:tavLst>
+                                    </p:anim>
+                                    <p:anim calcmode="lin" valueType="num">
+                                      <p:cBhvr>
+                                        <p:cTn id="42" dur="1000" fill="hold"/>
+                                        <p:tgtEl>
+                                          <p:spTgt spid="10"/>
+                                        </p:tgtEl>
+                                        <p:attrNameLst>
+                                          <p:attrName>ppt_h</p:attrName>
+                                        </p:attrNameLst>
+                                      </p:cBhvr>
+                                      <p:tavLst>
+                                        <p:tav tm="0">
+                                          <p:val>
+                                            <p:fltVal val="0"/>
+                                          </p:val>
+                                        </p:tav>
+                                        <p:tav tm="100000">
+                                          <p:val>
+                                            <p:strVal val="#ppt_h"/>
+                                          </p:val>
+                                        </p:tav>
+                                      </p:tavLst>
+                                    </p:anim>
+                                    <p:anim calcmode="lin" valueType="num">
+                                      <p:cBhvr>
+                                        <p:cTn id="43" dur="1000" fill="hold"/>
+                                        <p:tgtEl>
+                                          <p:spTgt spid="10"/>
+                                        </p:tgtEl>
+                                        <p:attrNameLst>
+                                          <p:attrName>style.rotation</p:attrName>
+                                        </p:attrNameLst>
+                                      </p:cBhvr>
+                                      <p:tavLst>
+                                        <p:tav tm="0">
+                                          <p:val>
+                                            <p:fltVal val="90"/>
+                                          </p:val>
+                                        </p:tav>
+                                        <p:tav tm="100000">
+                                          <p:val>
+                                            <p:fltVal val="0"/>
+                                          </p:val>
+                                        </p:tav>
+                                      </p:tavLst>
+                                    </p:anim>
+                                    <p:animEffect transition="in" filter="fade">
+                                      <p:cBhvr>
+                                        <p:cTn id="44" dur="1000"/>
+                                        <p:tgtEl>
+                                          <p:spTgt spid="10"/>
+                                        </p:tgtEl>
+                                      </p:cBhvr>
+                                    </p:animEffect>
+                                  </p:childTnLst>
+                                </p:cTn>
+                              </p:par>
+                              <p:par>
+                                <p:cTn id="45" presetID="31" presetClass="entr" presetSubtype="0" fill="hold" grpId="0" nodeType="withEffect">
+                                  <p:stCondLst>
+                                    <p:cond delay="0"/>
+                                  </p:stCondLst>
+                                  <p:childTnLst>
+                                    <p:set>
+                                      <p:cBhvr>
+                                        <p:cTn id="46" dur="1" fill="hold">
+                                          <p:stCondLst>
+                                            <p:cond delay="0"/>
+                                          </p:stCondLst>
+                                        </p:cTn>
+                                        <p:tgtEl>
+                                          <p:spTgt spid="13"/>
+                                        </p:tgtEl>
+                                        <p:attrNameLst>
+                                          <p:attrName>style.visibility</p:attrName>
+                                        </p:attrNameLst>
+                                      </p:cBhvr>
+                                      <p:to>
+                                        <p:strVal val="visible"/>
+                                      </p:to>
+                                    </p:set>
+                                    <p:anim calcmode="lin" valueType="num">
+                                      <p:cBhvr>
+                                        <p:cTn id="47" dur="1000" fill="hold"/>
+                                        <p:tgtEl>
+                                          <p:spTgt spid="13"/>
+                                        </p:tgtEl>
+                                        <p:attrNameLst>
+                                          <p:attrName>ppt_w</p:attrName>
+                                        </p:attrNameLst>
+                                      </p:cBhvr>
+                                      <p:tavLst>
+                                        <p:tav tm="0">
+                                          <p:val>
+                                            <p:fltVal val="0"/>
+                                          </p:val>
+                                        </p:tav>
+                                        <p:tav tm="100000">
+                                          <p:val>
+                                            <p:strVal val="#ppt_w"/>
+                                          </p:val>
+                                        </p:tav>
+                                      </p:tavLst>
+                                    </p:anim>
+                                    <p:anim calcmode="lin" valueType="num">
+                                      <p:cBhvr>
+                                        <p:cTn id="48" dur="1000" fill="hold"/>
+                                        <p:tgtEl>
+                                          <p:spTgt spid="13"/>
+                                        </p:tgtEl>
+                                        <p:attrNameLst>
+                                          <p:attrName>ppt_h</p:attrName>
+                                        </p:attrNameLst>
+                                      </p:cBhvr>
+                                      <p:tavLst>
+                                        <p:tav tm="0">
+                                          <p:val>
+                                            <p:fltVal val="0"/>
+                                          </p:val>
+                                        </p:tav>
+                                        <p:tav tm="100000">
+                                          <p:val>
+                                            <p:strVal val="#ppt_h"/>
+                                          </p:val>
+                                        </p:tav>
+                                      </p:tavLst>
+                                    </p:anim>
+                                    <p:anim calcmode="lin" valueType="num">
+                                      <p:cBhvr>
+                                        <p:cTn id="49" dur="1000" fill="hold"/>
+                                        <p:tgtEl>
+                                          <p:spTgt spid="13"/>
+                                        </p:tgtEl>
+                                        <p:attrNameLst>
+                                          <p:attrName>style.rotation</p:attrName>
+                                        </p:attrNameLst>
+                                      </p:cBhvr>
+                                      <p:tavLst>
+                                        <p:tav tm="0">
+                                          <p:val>
+                                            <p:fltVal val="90"/>
+                                          </p:val>
+                                        </p:tav>
+                                        <p:tav tm="100000">
+                                          <p:val>
+                                            <p:fltVal val="0"/>
+                                          </p:val>
+                                        </p:tav>
+                                      </p:tavLst>
+                                    </p:anim>
+                                    <p:animEffect transition="in" filter="fade">
+                                      <p:cBhvr>
+                                        <p:cTn id="50" dur="1000"/>
+                                        <p:tgtEl>
+                                          <p:spTgt spid="13"/>
+                                        </p:tgtEl>
+                                      </p:cBhvr>
+                                    </p:animEffect>
+                                  </p:childTnLst>
+                                </p:cTn>
+                              </p:par>
+                            </p:childTnLst>
+                          </p:cTn>
+                        </p:par>
+                      </p:childTnLst>
+                    </p:cTn>
+                  </p:par>
+                  <p:par>
+                    <p:cTn id="51" fill="hold">
+                      <p:stCondLst>
+                        <p:cond delay="indefinite"/>
+                      </p:stCondLst>
+                      <p:childTnLst>
+                        <p:par>
+                          <p:cTn id="52" fill="hold">
+                            <p:stCondLst>
+                              <p:cond delay="0"/>
+                            </p:stCondLst>
+                            <p:childTnLst>
+                              <p:par>
+                                <p:cTn id="53" presetID="31" presetClass="entr" presetSubtype="0" fill="hold" grpId="0" nodeType="clickEffect">
+                                  <p:stCondLst>
+                                    <p:cond delay="0"/>
+                                  </p:stCondLst>
+                                  <p:childTnLst>
+                                    <p:set>
+                                      <p:cBhvr>
+                                        <p:cTn id="54" dur="1" fill="hold">
+                                          <p:stCondLst>
+                                            <p:cond delay="0"/>
+                                          </p:stCondLst>
+                                        </p:cTn>
+                                        <p:tgtEl>
+                                          <p:spTgt spid="15"/>
+                                        </p:tgtEl>
+                                        <p:attrNameLst>
+                                          <p:attrName>style.visibility</p:attrName>
+                                        </p:attrNameLst>
+                                      </p:cBhvr>
+                                      <p:to>
+                                        <p:strVal val="visible"/>
+                                      </p:to>
+                                    </p:set>
+                                    <p:anim calcmode="lin" valueType="num">
+                                      <p:cBhvr>
+                                        <p:cTn id="55" dur="1000" fill="hold"/>
+                                        <p:tgtEl>
+                                          <p:spTgt spid="15"/>
+                                        </p:tgtEl>
+                                        <p:attrNameLst>
+                                          <p:attrName>ppt_w</p:attrName>
+                                        </p:attrNameLst>
+                                      </p:cBhvr>
+                                      <p:tavLst>
+                                        <p:tav tm="0">
+                                          <p:val>
+                                            <p:fltVal val="0"/>
+                                          </p:val>
+                                        </p:tav>
+                                        <p:tav tm="100000">
+                                          <p:val>
+                                            <p:strVal val="#ppt_w"/>
+                                          </p:val>
+                                        </p:tav>
+                                      </p:tavLst>
+                                    </p:anim>
+                                    <p:anim calcmode="lin" valueType="num">
+                                      <p:cBhvr>
+                                        <p:cTn id="56" dur="1000" fill="hold"/>
+                                        <p:tgtEl>
+                                          <p:spTgt spid="15"/>
+                                        </p:tgtEl>
+                                        <p:attrNameLst>
+                                          <p:attrName>ppt_h</p:attrName>
+                                        </p:attrNameLst>
+                                      </p:cBhvr>
+                                      <p:tavLst>
+                                        <p:tav tm="0">
+                                          <p:val>
+                                            <p:fltVal val="0"/>
+                                          </p:val>
+                                        </p:tav>
+                                        <p:tav tm="100000">
+                                          <p:val>
+                                            <p:strVal val="#ppt_h"/>
+                                          </p:val>
+                                        </p:tav>
+                                      </p:tavLst>
+                                    </p:anim>
+                                    <p:anim calcmode="lin" valueType="num">
+                                      <p:cBhvr>
+                                        <p:cTn id="57" dur="1000" fill="hold"/>
+                                        <p:tgtEl>
+                                          <p:spTgt spid="15"/>
+                                        </p:tgtEl>
+                                        <p:attrNameLst>
+                                          <p:attrName>style.rotation</p:attrName>
+                                        </p:attrNameLst>
+                                      </p:cBhvr>
+                                      <p:tavLst>
+                                        <p:tav tm="0">
+                                          <p:val>
+                                            <p:fltVal val="90"/>
+                                          </p:val>
+                                        </p:tav>
+                                        <p:tav tm="100000">
+                                          <p:val>
+                                            <p:fltVal val="0"/>
+                                          </p:val>
+                                        </p:tav>
+                                      </p:tavLst>
+                                    </p:anim>
+                                    <p:animEffect transition="in" filter="fade">
+                                      <p:cBhvr>
+                                        <p:cTn id="58" dur="1000"/>
+                                        <p:tgtEl>
+                                          <p:spTgt spid="15"/>
+                                        </p:tgtEl>
+                                      </p:cBhvr>
+                                    </p:animEffect>
+                                  </p:childTnLst>
+                                </p:cTn>
+                              </p:par>
+                              <p:par>
+                                <p:cTn id="59" presetID="31" presetClass="entr" presetSubtype="0" fill="hold" nodeType="withEffect">
+                                  <p:stCondLst>
+                                    <p:cond delay="0"/>
+                                  </p:stCondLst>
+                                  <p:childTnLst>
+                                    <p:set>
+                                      <p:cBhvr>
+                                        <p:cTn id="60" dur="1" fill="hold">
+                                          <p:stCondLst>
+                                            <p:cond delay="0"/>
+                                          </p:stCondLst>
+                                        </p:cTn>
+                                        <p:tgtEl>
+                                          <p:spTgt spid="4"/>
+                                        </p:tgtEl>
+                                        <p:attrNameLst>
+                                          <p:attrName>style.visibility</p:attrName>
+                                        </p:attrNameLst>
+                                      </p:cBhvr>
+                                      <p:to>
+                                        <p:strVal val="visible"/>
+                                      </p:to>
+                                    </p:set>
+                                    <p:anim calcmode="lin" valueType="num">
+                                      <p:cBhvr>
+                                        <p:cTn id="61" dur="1000" fill="hold"/>
+                                        <p:tgtEl>
+                                          <p:spTgt spid="4"/>
+                                        </p:tgtEl>
+                                        <p:attrNameLst>
+                                          <p:attrName>ppt_w</p:attrName>
+                                        </p:attrNameLst>
+                                      </p:cBhvr>
+                                      <p:tavLst>
+                                        <p:tav tm="0">
+                                          <p:val>
+                                            <p:fltVal val="0"/>
+                                          </p:val>
+                                        </p:tav>
+                                        <p:tav tm="100000">
+                                          <p:val>
+                                            <p:strVal val="#ppt_w"/>
+                                          </p:val>
+                                        </p:tav>
+                                      </p:tavLst>
+                                    </p:anim>
+                                    <p:anim calcmode="lin" valueType="num">
+                                      <p:cBhvr>
+                                        <p:cTn id="62" dur="1000" fill="hold"/>
+                                        <p:tgtEl>
+                                          <p:spTgt spid="4"/>
+                                        </p:tgtEl>
+                                        <p:attrNameLst>
+                                          <p:attrName>ppt_h</p:attrName>
+                                        </p:attrNameLst>
+                                      </p:cBhvr>
+                                      <p:tavLst>
+                                        <p:tav tm="0">
+                                          <p:val>
+                                            <p:fltVal val="0"/>
+                                          </p:val>
+                                        </p:tav>
+                                        <p:tav tm="100000">
+                                          <p:val>
+                                            <p:strVal val="#ppt_h"/>
+                                          </p:val>
+                                        </p:tav>
+                                      </p:tavLst>
+                                    </p:anim>
+                                    <p:anim calcmode="lin" valueType="num">
+                                      <p:cBhvr>
+                                        <p:cTn id="63" dur="1000" fill="hold"/>
+                                        <p:tgtEl>
+                                          <p:spTgt spid="4"/>
+                                        </p:tgtEl>
+                                        <p:attrNameLst>
+                                          <p:attrName>style.rotation</p:attrName>
+                                        </p:attrNameLst>
+                                      </p:cBhvr>
+                                      <p:tavLst>
+                                        <p:tav tm="0">
+                                          <p:val>
+                                            <p:fltVal val="90"/>
+                                          </p:val>
+                                        </p:tav>
+                                        <p:tav tm="100000">
+                                          <p:val>
+                                            <p:fltVal val="0"/>
+                                          </p:val>
+                                        </p:tav>
+                                      </p:tavLst>
+                                    </p:anim>
+                                    <p:animEffect transition="in" filter="fade">
+                                      <p:cBhvr>
+                                        <p:cTn id="64" dur="1000"/>
+                                        <p:tgtEl>
+                                          <p:spTgt spid="4"/>
+                                        </p:tgtEl>
+                                      </p:cBhvr>
+                                    </p:animEffect>
+                                  </p:childTnLst>
+                                </p:cTn>
+                              </p:par>
+                              <p:par>
+                                <p:cTn id="65" presetID="31" presetClass="entr" presetSubtype="0" fill="hold" nodeType="withEffect">
+                                  <p:stCondLst>
+                                    <p:cond delay="0"/>
+                                  </p:stCondLst>
+                                  <p:childTnLst>
+                                    <p:set>
+                                      <p:cBhvr>
+                                        <p:cTn id="66" dur="1" fill="hold">
+                                          <p:stCondLst>
+                                            <p:cond delay="0"/>
+                                          </p:stCondLst>
+                                        </p:cTn>
+                                        <p:tgtEl>
+                                          <p:spTgt spid="6"/>
+                                        </p:tgtEl>
+                                        <p:attrNameLst>
+                                          <p:attrName>style.visibility</p:attrName>
+                                        </p:attrNameLst>
+                                      </p:cBhvr>
+                                      <p:to>
+                                        <p:strVal val="visible"/>
+                                      </p:to>
+                                    </p:set>
+                                    <p:anim calcmode="lin" valueType="num">
+                                      <p:cBhvr>
+                                        <p:cTn id="67" dur="1000" fill="hold"/>
+                                        <p:tgtEl>
+                                          <p:spTgt spid="6"/>
+                                        </p:tgtEl>
+                                        <p:attrNameLst>
+                                          <p:attrName>ppt_w</p:attrName>
+                                        </p:attrNameLst>
+                                      </p:cBhvr>
+                                      <p:tavLst>
+                                        <p:tav tm="0">
+                                          <p:val>
+                                            <p:fltVal val="0"/>
+                                          </p:val>
+                                        </p:tav>
+                                        <p:tav tm="100000">
+                                          <p:val>
+                                            <p:strVal val="#ppt_w"/>
+                                          </p:val>
+                                        </p:tav>
+                                      </p:tavLst>
+                                    </p:anim>
+                                    <p:anim calcmode="lin" valueType="num">
+                                      <p:cBhvr>
+                                        <p:cTn id="68" dur="1000" fill="hold"/>
+                                        <p:tgtEl>
+                                          <p:spTgt spid="6"/>
+                                        </p:tgtEl>
+                                        <p:attrNameLst>
+                                          <p:attrName>ppt_h</p:attrName>
+                                        </p:attrNameLst>
+                                      </p:cBhvr>
+                                      <p:tavLst>
+                                        <p:tav tm="0">
+                                          <p:val>
+                                            <p:fltVal val="0"/>
+                                          </p:val>
+                                        </p:tav>
+                                        <p:tav tm="100000">
+                                          <p:val>
+                                            <p:strVal val="#ppt_h"/>
+                                          </p:val>
+                                        </p:tav>
+                                      </p:tavLst>
+                                    </p:anim>
+                                    <p:anim calcmode="lin" valueType="num">
+                                      <p:cBhvr>
+                                        <p:cTn id="69" dur="1000" fill="hold"/>
+                                        <p:tgtEl>
+                                          <p:spTgt spid="6"/>
+                                        </p:tgtEl>
+                                        <p:attrNameLst>
+                                          <p:attrName>style.rotation</p:attrName>
+                                        </p:attrNameLst>
+                                      </p:cBhvr>
+                                      <p:tavLst>
+                                        <p:tav tm="0">
+                                          <p:val>
+                                            <p:fltVal val="90"/>
+                                          </p:val>
+                                        </p:tav>
+                                        <p:tav tm="100000">
+                                          <p:val>
+                                            <p:fltVal val="0"/>
+                                          </p:val>
+                                        </p:tav>
+                                      </p:tavLst>
+                                    </p:anim>
+                                    <p:animEffect transition="in" filter="fade">
+                                      <p:cBhvr>
+                                        <p:cTn id="70" dur="1000"/>
+                                        <p:tgtEl>
+                                          <p:spTgt spid="6"/>
+                                        </p:tgtEl>
+                                      </p:cBhvr>
+                                    </p:animEffect>
+                                  </p:childTnLst>
+                                </p:cTn>
+                              </p:par>
+                            </p:childTnLst>
+                          </p:cTn>
+                        </p:par>
+                      </p:childTnLst>
+                    </p:cTn>
+                  </p:par>
+                </p:childTnLst>
+              </p:cTn>
+              <p:prevCondLst>
+                <p:cond evt="onPrev" delay="0">
+                  <p:tgtEl>
+                    <p:sldTgt/>
+                  </p:tgtEl>
+                </p:cond>
+              </p:prevCondLst>
+              <p:nextCondLst>
+                <p:cond evt="onNext" delay="0">
+                  <p:tgtEl>
+                    <p:sldTgt/>
+                  </p:tgtEl>
+                </p:cond>
+              </p:nextCondLst>
+            </p:seq>
+          </p:childTnLst>
+        </p:cTn>
+      </p:par>
+    </p:tnLst>
+    <p:bldLst>
+      <p:bldP spid="12" grpId="0"/>
+      <p:bldP spid="13" grpId="0"/>
+      <p:bldP spid="14" grpId="0"/>
+      <p:bldP spid="15" grpId="0"/>
+    </p:bldLst>
+  </p:timing>
 </p:sld>
 </file>
 
@@ -10199,8 +15776,8 @@
         </p:nvSpPr>
         <p:spPr>
           <a:xfrm>
-            <a:off x="259354" y="385487"/>
-            <a:ext cx="4035059" cy="436746"/>
+            <a:off x="457200" y="236150"/>
+            <a:ext cx="5056094" cy="758932"/>
           </a:xfrm>
         </p:spPr>
         <p:txBody>
@@ -10216,14 +15793,23 @@
                 </a:solidFill>
                 <a:latin typeface="+mn-lt"/>
               </a:rPr>
-              <a:t>Gestión de Riesgos</a:t>
-            </a:r>
-          </a:p>
-        </p:txBody>
-      </p:sp>
-      <p:sp>
-        <p:nvSpPr>
-          <p:cNvPr id="3" name="Marcador de número de diapositiva 2"/>
+              <a:t>Factibilidad Técnica e Implementativa: </a:t>
+            </a:r>
+            <a:r>
+              <a:rPr lang="es-CL" sz="2400" b="1" i="1" dirty="0">
+                <a:solidFill>
+                  <a:srgbClr val="E30513"/>
+                </a:solidFill>
+                <a:latin typeface="+mn-lt"/>
+              </a:rPr>
+              <a:t>Análisis de Recursos </a:t>
+            </a:r>
+          </a:p>
+        </p:txBody>
+      </p:sp>
+      <p:sp>
+        <p:nvSpPr>
+          <p:cNvPr id="5" name="Marcador de número de diapositiva 4"/>
           <p:cNvSpPr>
             <a:spLocks noGrp="1"/>
           </p:cNvSpPr>
@@ -10249,7 +15835,7 @@
           <p:cNvPr id="7" name="Marcador de pie de página 3">
             <a:extLst>
               <a:ext uri="{FF2B5EF4-FFF2-40B4-BE49-F238E27FC236}">
-                <a16:creationId xmlns:a16="http://schemas.microsoft.com/office/drawing/2014/main" id="{BA967716-62BF-4FF8-A025-ECDDF4B6B0F0}"/>
+                <a16:creationId xmlns:a16="http://schemas.microsoft.com/office/drawing/2014/main" id="{D13CCE27-F7F9-4F43-9DD4-E844142EDAE0}"/>
               </a:ext>
             </a:extLst>
           </p:cNvPr>
@@ -10279,10 +15865,167 @@
       </p:sp>
       <p:pic>
         <p:nvPicPr>
-          <p:cNvPr id="5" name="Imagen 4">
+          <p:cNvPr id="9" name="Imagen 8">
             <a:extLst>
               <a:ext uri="{FF2B5EF4-FFF2-40B4-BE49-F238E27FC236}">
-                <a16:creationId xmlns:a16="http://schemas.microsoft.com/office/drawing/2014/main" id="{81C69D6F-A7BD-4D51-9F72-22839734ADDE}"/>
+                <a16:creationId xmlns:a16="http://schemas.microsoft.com/office/drawing/2014/main" id="{B2F6B398-7D80-4DB5-923A-280EC36BA3A7}"/>
+              </a:ext>
+            </a:extLst>
+          </p:cNvPr>
+          <p:cNvPicPr/>
+          <p:nvPr/>
+        </p:nvPicPr>
+        <p:blipFill rotWithShape="1">
+          <a:blip r:embed="rId2">
+            <a:extLst>
+              <a:ext uri="{28A0092B-C50C-407E-A947-70E740481C1C}">
+                <a14:useLocalDpi xmlns:a14="http://schemas.microsoft.com/office/drawing/2010/main" val="0"/>
+              </a:ext>
+            </a:extLst>
+          </a:blip>
+          <a:srcRect l="968" t="16181" r="25304" b="12512"/>
+          <a:stretch/>
+        </p:blipFill>
+        <p:spPr bwMode="auto">
+          <a:xfrm>
+            <a:off x="310073" y="1808707"/>
+            <a:ext cx="7309927" cy="1630200"/>
+          </a:xfrm>
+          <a:prstGeom prst="rect">
+            <a:avLst/>
+          </a:prstGeom>
+          <a:noFill/>
+        </p:spPr>
+      </p:pic>
+      <p:sp>
+        <p:nvSpPr>
+          <p:cNvPr id="11" name="Rectángulo 10">
+            <a:extLst>
+              <a:ext uri="{FF2B5EF4-FFF2-40B4-BE49-F238E27FC236}">
+                <a16:creationId xmlns:a16="http://schemas.microsoft.com/office/drawing/2014/main" id="{2B00F5D2-0728-49B6-9E09-64A1B507A49C}"/>
+              </a:ext>
+            </a:extLst>
+          </p:cNvPr>
+          <p:cNvSpPr/>
+          <p:nvPr/>
+        </p:nvSpPr>
+        <p:spPr>
+          <a:xfrm>
+            <a:off x="323325" y="1156508"/>
+            <a:ext cx="2887465" cy="584775"/>
+          </a:xfrm>
+          <a:prstGeom prst="rect">
+            <a:avLst/>
+          </a:prstGeom>
+        </p:spPr>
+        <p:txBody>
+          <a:bodyPr wrap="square">
+            <a:spAutoFit/>
+          </a:bodyPr>
+          <a:lstStyle/>
+          <a:p>
+            <a:pPr>
+              <a:spcBef>
+                <a:spcPct val="0"/>
+              </a:spcBef>
+            </a:pPr>
+            <a:r>
+              <a:rPr lang="es-CL" sz="1600" b="1" dirty="0"/>
+              <a:t>Tecnología propuesta en Flujo de Caja</a:t>
+            </a:r>
+            <a:endParaRPr lang="es-CL" sz="1600" b="1" i="1" dirty="0"/>
+          </a:p>
+        </p:txBody>
+      </p:sp>
+      <p:sp>
+        <p:nvSpPr>
+          <p:cNvPr id="12" name="Rectángulo 11">
+            <a:extLst>
+              <a:ext uri="{FF2B5EF4-FFF2-40B4-BE49-F238E27FC236}">
+                <a16:creationId xmlns:a16="http://schemas.microsoft.com/office/drawing/2014/main" id="{FAB7FA40-E5DC-4CDC-B420-62C1EEEFB986}"/>
+              </a:ext>
+            </a:extLst>
+          </p:cNvPr>
+          <p:cNvSpPr/>
+          <p:nvPr/>
+        </p:nvSpPr>
+        <p:spPr>
+          <a:xfrm>
+            <a:off x="336577" y="3837033"/>
+            <a:ext cx="3791476" cy="830997"/>
+          </a:xfrm>
+          <a:prstGeom prst="rect">
+            <a:avLst/>
+          </a:prstGeom>
+        </p:spPr>
+        <p:txBody>
+          <a:bodyPr wrap="square">
+            <a:spAutoFit/>
+          </a:bodyPr>
+          <a:lstStyle/>
+          <a:p>
+            <a:pPr>
+              <a:spcBef>
+                <a:spcPct val="0"/>
+              </a:spcBef>
+            </a:pPr>
+            <a:r>
+              <a:rPr lang="es-CL" sz="1600" dirty="0"/>
+              <a:t>¿Tecnología propuesta en que afecta a Empresa? </a:t>
+            </a:r>
+            <a:r>
+              <a:rPr lang="es-CL" sz="1600" b="1" i="1" dirty="0"/>
+              <a:t>Tanto positivamente y Negativamente </a:t>
+            </a:r>
+          </a:p>
+        </p:txBody>
+      </p:sp>
+      <p:sp>
+        <p:nvSpPr>
+          <p:cNvPr id="13" name="Rectángulo 12">
+            <a:extLst>
+              <a:ext uri="{FF2B5EF4-FFF2-40B4-BE49-F238E27FC236}">
+                <a16:creationId xmlns:a16="http://schemas.microsoft.com/office/drawing/2014/main" id="{17368DE2-762C-4EBF-AC6D-EBF7368C7AD1}"/>
+              </a:ext>
+            </a:extLst>
+          </p:cNvPr>
+          <p:cNvSpPr/>
+          <p:nvPr/>
+        </p:nvSpPr>
+        <p:spPr>
+          <a:xfrm>
+            <a:off x="323325" y="4682553"/>
+            <a:ext cx="3791476" cy="338554"/>
+          </a:xfrm>
+          <a:prstGeom prst="rect">
+            <a:avLst/>
+          </a:prstGeom>
+        </p:spPr>
+        <p:txBody>
+          <a:bodyPr wrap="square">
+            <a:spAutoFit/>
+          </a:bodyPr>
+          <a:lstStyle/>
+          <a:p>
+            <a:pPr>
+              <a:spcBef>
+                <a:spcPct val="0"/>
+              </a:spcBef>
+            </a:pPr>
+            <a:r>
+              <a:rPr lang="es-CL" sz="1600" dirty="0"/>
+              <a:t>¿Posibilidades de algunos otros cambios?</a:t>
+            </a:r>
+            <a:endParaRPr lang="es-CL" sz="1600" i="1" dirty="0"/>
+          </a:p>
+        </p:txBody>
+      </p:sp>
+      <p:pic>
+        <p:nvPicPr>
+          <p:cNvPr id="6" name="Imagen 5">
+            <a:extLst>
+              <a:ext uri="{FF2B5EF4-FFF2-40B4-BE49-F238E27FC236}">
+                <a16:creationId xmlns:a16="http://schemas.microsoft.com/office/drawing/2014/main" id="{E1E405E4-C8B6-42BF-A4D8-076E0F4DB123}"/>
               </a:ext>
             </a:extLst>
           </p:cNvPr>
@@ -10291,16 +16034,15 @@
           </p:cNvPicPr>
           <p:nvPr/>
         </p:nvPicPr>
-        <p:blipFill>
-          <a:blip r:embed="rId2"/>
-          <a:stretch>
-            <a:fillRect/>
-          </a:stretch>
+        <p:blipFill rotWithShape="1">
+          <a:blip r:embed="rId3"/>
+          <a:srcRect l="35114" r="38409" b="56162"/>
+          <a:stretch/>
         </p:blipFill>
         <p:spPr>
           <a:xfrm>
-            <a:off x="259354" y="1297433"/>
-            <a:ext cx="8810035" cy="3022876"/>
+            <a:off x="5198917" y="4007340"/>
+            <a:ext cx="2421083" cy="1526291"/>
           </a:xfrm>
           <a:prstGeom prst="rect">
             <a:avLst/>
@@ -10309,10 +16051,10 @@
       </p:pic>
       <p:sp>
         <p:nvSpPr>
-          <p:cNvPr id="10" name="Rectángulo 9">
+          <p:cNvPr id="14" name="Rectángulo 13">
             <a:extLst>
               <a:ext uri="{FF2B5EF4-FFF2-40B4-BE49-F238E27FC236}">
-                <a16:creationId xmlns:a16="http://schemas.microsoft.com/office/drawing/2014/main" id="{3B339CA7-757E-4A0A-9F32-B53BDFCF524B}"/>
+                <a16:creationId xmlns:a16="http://schemas.microsoft.com/office/drawing/2014/main" id="{49F99336-E2F7-46E7-A35F-F094D81FE205}"/>
               </a:ext>
             </a:extLst>
           </p:cNvPr>
@@ -10321,8 +16063,8 @@
         </p:nvSpPr>
         <p:spPr>
           <a:xfrm>
-            <a:off x="259354" y="4446609"/>
-            <a:ext cx="2068210" cy="369332"/>
+            <a:off x="336577" y="5053489"/>
+            <a:ext cx="3791476" cy="584775"/>
           </a:xfrm>
           <a:prstGeom prst="rect">
             <a:avLst/>
@@ -10334,24 +16076,193 @@
           </a:bodyPr>
           <a:lstStyle/>
           <a:p>
-            <a:r>
-              <a:rPr lang="es-CL" dirty="0"/>
-              <a:t>Plan de mitigación </a:t>
-            </a:r>
-            <a:endParaRPr lang="es-ES" dirty="0"/>
+            <a:pPr>
+              <a:spcBef>
+                <a:spcPct val="0"/>
+              </a:spcBef>
+            </a:pPr>
+            <a:r>
+              <a:rPr lang="es-CL" sz="1600" dirty="0"/>
+              <a:t>¿Cual es el equipo de desarrollo del software?</a:t>
+            </a:r>
+            <a:endParaRPr lang="es-CL" sz="1600" i="1" dirty="0"/>
           </a:p>
         </p:txBody>
       </p:sp>
     </p:spTree>
     <p:extLst>
       <p:ext uri="{BB962C8B-B14F-4D97-AF65-F5344CB8AC3E}">
-        <p14:creationId xmlns:p14="http://schemas.microsoft.com/office/powerpoint/2010/main" val="1977297944"/>
+        <p14:creationId xmlns:p14="http://schemas.microsoft.com/office/powerpoint/2010/main" val="95250865"/>
       </p:ext>
     </p:extLst>
   </p:cSld>
   <p:clrMapOvr>
     <a:masterClrMapping/>
   </p:clrMapOvr>
+  <mc:AlternateContent xmlns:mc="http://schemas.openxmlformats.org/markup-compatibility/2006">
+    <mc:Choice xmlns:p15="http://schemas.microsoft.com/office/powerpoint/2012/main" Requires="p15">
+      <p:transition xmlns:p14="http://schemas.microsoft.com/office/powerpoint/2010/main" spd="slow" p14:dur="3250">
+        <p15:prstTrans prst="origami" invX="1"/>
+      </p:transition>
+    </mc:Choice>
+    <mc:Fallback>
+      <p:transition spd="slow">
+        <p:fade/>
+      </p:transition>
+    </mc:Fallback>
+  </mc:AlternateContent>
+  <p:timing>
+    <p:tnLst>
+      <p:par>
+        <p:cTn id="1" dur="indefinite" restart="never" nodeType="tmRoot">
+          <p:childTnLst>
+            <p:seq concurrent="1" nextAc="seek">
+              <p:cTn id="2" dur="indefinite" nodeType="mainSeq">
+                <p:childTnLst>
+                  <p:par>
+                    <p:cTn id="3" fill="hold">
+                      <p:stCondLst>
+                        <p:cond delay="indefinite"/>
+                      </p:stCondLst>
+                      <p:childTnLst>
+                        <p:par>
+                          <p:cTn id="4" fill="hold">
+                            <p:stCondLst>
+                              <p:cond delay="0"/>
+                            </p:stCondLst>
+                            <p:childTnLst>
+                              <p:par>
+                                <p:cTn id="5" presetID="31" presetClass="entr" presetSubtype="0" fill="hold" nodeType="clickEffect">
+                                  <p:stCondLst>
+                                    <p:cond delay="0"/>
+                                  </p:stCondLst>
+                                  <p:childTnLst>
+                                    <p:set>
+                                      <p:cBhvr>
+                                        <p:cTn id="6" dur="1" fill="hold">
+                                          <p:stCondLst>
+                                            <p:cond delay="0"/>
+                                          </p:stCondLst>
+                                        </p:cTn>
+                                        <p:tgtEl>
+                                          <p:spTgt spid="6"/>
+                                        </p:tgtEl>
+                                        <p:attrNameLst>
+                                          <p:attrName>style.visibility</p:attrName>
+                                        </p:attrNameLst>
+                                      </p:cBhvr>
+                                      <p:to>
+                                        <p:strVal val="visible"/>
+                                      </p:to>
+                                    </p:set>
+                                    <p:anim calcmode="lin" valueType="num">
+                                      <p:cBhvr>
+                                        <p:cTn id="7" dur="1000" fill="hold"/>
+                                        <p:tgtEl>
+                                          <p:spTgt spid="6"/>
+                                        </p:tgtEl>
+                                        <p:attrNameLst>
+                                          <p:attrName>ppt_w</p:attrName>
+                                        </p:attrNameLst>
+                                      </p:cBhvr>
+                                      <p:tavLst>
+                                        <p:tav tm="0">
+                                          <p:val>
+                                            <p:fltVal val="0"/>
+                                          </p:val>
+                                        </p:tav>
+                                        <p:tav tm="100000">
+                                          <p:val>
+                                            <p:strVal val="#ppt_w"/>
+                                          </p:val>
+                                        </p:tav>
+                                      </p:tavLst>
+                                    </p:anim>
+                                    <p:anim calcmode="lin" valueType="num">
+                                      <p:cBhvr>
+                                        <p:cTn id="8" dur="1000" fill="hold"/>
+                                        <p:tgtEl>
+                                          <p:spTgt spid="6"/>
+                                        </p:tgtEl>
+                                        <p:attrNameLst>
+                                          <p:attrName>ppt_h</p:attrName>
+                                        </p:attrNameLst>
+                                      </p:cBhvr>
+                                      <p:tavLst>
+                                        <p:tav tm="0">
+                                          <p:val>
+                                            <p:fltVal val="0"/>
+                                          </p:val>
+                                        </p:tav>
+                                        <p:tav tm="100000">
+                                          <p:val>
+                                            <p:strVal val="#ppt_h"/>
+                                          </p:val>
+                                        </p:tav>
+                                      </p:tavLst>
+                                    </p:anim>
+                                    <p:anim calcmode="lin" valueType="num">
+                                      <p:cBhvr>
+                                        <p:cTn id="9" dur="1000" fill="hold"/>
+                                        <p:tgtEl>
+                                          <p:spTgt spid="6"/>
+                                        </p:tgtEl>
+                                        <p:attrNameLst>
+                                          <p:attrName>style.rotation</p:attrName>
+                                        </p:attrNameLst>
+                                      </p:cBhvr>
+                                      <p:tavLst>
+                                        <p:tav tm="0">
+                                          <p:val>
+                                            <p:fltVal val="90"/>
+                                          </p:val>
+                                        </p:tav>
+                                        <p:tav tm="100000">
+                                          <p:val>
+                                            <p:fltVal val="0"/>
+                                          </p:val>
+                                        </p:tav>
+                                      </p:tavLst>
+                                    </p:anim>
+                                    <p:animEffect transition="in" filter="fade">
+                                      <p:cBhvr>
+                                        <p:cTn id="10" dur="1000"/>
+                                        <p:tgtEl>
+                                          <p:spTgt spid="6"/>
+                                        </p:tgtEl>
+                                      </p:cBhvr>
+                                    </p:animEffect>
+                                  </p:childTnLst>
+                                </p:cTn>
+                              </p:par>
+                            </p:childTnLst>
+                          </p:cTn>
+                        </p:par>
+                      </p:childTnLst>
+                    </p:cTn>
+                  </p:par>
+                </p:childTnLst>
+              </p:cTn>
+              <p:prevCondLst>
+                <p:cond evt="onPrev" delay="0">
+                  <p:tgtEl>
+                    <p:sldTgt/>
+                  </p:tgtEl>
+                </p:cond>
+              </p:prevCondLst>
+              <p:nextCondLst>
+                <p:cond evt="onNext" delay="0">
+                  <p:tgtEl>
+                    <p:sldTgt/>
+                  </p:tgtEl>
+                </p:cond>
+              </p:nextCondLst>
+            </p:seq>
+          </p:childTnLst>
+        </p:cTn>
+      </p:par>
+    </p:tnLst>
+  </p:timing>
 </p:sld>
 </file>
 
@@ -11277,21 +17188,6 @@
 </file>
 
 <file path=customXml/item1.xml><?xml version="1.0" encoding="utf-8"?>
-<?mso-contentType ?>
-<FormTemplates xmlns="http://schemas.microsoft.com/sharepoint/v3/contenttype/forms">
-  <Display>DocumentLibraryForm</Display>
-  <Edit>DocumentLibraryForm</Edit>
-  <New>DocumentLibraryForm</New>
-</FormTemplates>
-</file>
-
-<file path=customXml/item2.xml><?xml version="1.0" encoding="utf-8"?>
-<p:properties xmlns:p="http://schemas.microsoft.com/office/2006/metadata/properties" xmlns:xsi="http://www.w3.org/2001/XMLSchema-instance" xmlns:pc="http://schemas.microsoft.com/office/infopath/2007/PartnerControls">
-  <documentManagement/>
-</p:properties>
-</file>
-
-<file path=customXml/item3.xml><?xml version="1.0" encoding="utf-8"?>
 <ct:contentTypeSchema xmlns:ct="http://schemas.microsoft.com/office/2006/metadata/contentType" xmlns:ma="http://schemas.microsoft.com/office/2006/metadata/properties/metaAttributes" ct:_="" ma:_="" ma:contentTypeName="Documento" ma:contentTypeID="0x0101000F4758918AE592448477A0AA5DA5229B" ma:contentTypeVersion="0" ma:contentTypeDescription="Crear nuevo documento." ma:contentTypeScope="" ma:versionID="4712974915117db248daa0568bea06ff">
   <xsd:schema xmlns:xsd="http://www.w3.org/2001/XMLSchema" xmlns:xs="http://www.w3.org/2001/XMLSchema" xmlns:p="http://schemas.microsoft.com/office/2006/metadata/properties" targetNamespace="http://schemas.microsoft.com/office/2006/metadata/properties" ma:root="true" ma:fieldsID="3f6edc329ff236629c56e3b879b320d0">
     <xsd:element name="properties">
@@ -11405,10 +17301,33 @@
 </ct:contentTypeSchema>
 </file>
 
+<file path=customXml/item2.xml><?xml version="1.0" encoding="utf-8"?>
+<p:properties xmlns:p="http://schemas.microsoft.com/office/2006/metadata/properties" xmlns:xsi="http://www.w3.org/2001/XMLSchema-instance" xmlns:pc="http://schemas.microsoft.com/office/infopath/2007/PartnerControls">
+  <documentManagement/>
+</p:properties>
+</file>
+
+<file path=customXml/item3.xml><?xml version="1.0" encoding="utf-8"?>
+<?mso-contentType ?>
+<FormTemplates xmlns="http://schemas.microsoft.com/sharepoint/v3/contenttype/forms">
+  <Display>DocumentLibraryForm</Display>
+  <Edit>DocumentLibraryForm</Edit>
+  <New>DocumentLibraryForm</New>
+</FormTemplates>
+</file>
+
 <file path=customXml/itemProps1.xml><?xml version="1.0" encoding="utf-8"?>
-<ds:datastoreItem xmlns:ds="http://schemas.openxmlformats.org/officeDocument/2006/customXml" ds:itemID="{AF2F9DA8-E6EE-4A55-B1BF-8F222A7179D9}">
+<ds:datastoreItem xmlns:ds="http://schemas.openxmlformats.org/officeDocument/2006/customXml" ds:itemID="{7ACA9EC1-A498-469E-9FAB-CE090C2E0E75}">
   <ds:schemaRefs>
-    <ds:schemaRef ds:uri="http://schemas.microsoft.com/sharepoint/v3/contenttype/forms"/>
+    <ds:schemaRef ds:uri="http://schemas.microsoft.com/office/2006/metadata/contentType"/>
+    <ds:schemaRef ds:uri="http://schemas.microsoft.com/office/2006/metadata/properties/metaAttributes"/>
+    <ds:schemaRef ds:uri="http://www.w3.org/2001/XMLSchema"/>
+    <ds:schemaRef ds:uri="http://schemas.microsoft.com/office/2006/metadata/properties"/>
+    <ds:schemaRef ds:uri="http://schemas.openxmlformats.org/package/2006/metadata/core-properties"/>
+    <ds:schemaRef ds:uri="http://purl.org/dc/elements/1.1/"/>
+    <ds:schemaRef ds:uri="http://purl.org/dc/terms/"/>
+    <ds:schemaRef ds:uri="http://schemas.microsoft.com/internal/obd"/>
+    <ds:schemaRef ds:uri="http://schemas.microsoft.com/office/infopath/2007/PartnerControls"/>
   </ds:schemaRefs>
 </ds:datastoreItem>
 </file>
@@ -11423,17 +17342,9 @@
 </file>
 
 <file path=customXml/itemProps3.xml><?xml version="1.0" encoding="utf-8"?>
-<ds:datastoreItem xmlns:ds="http://schemas.openxmlformats.org/officeDocument/2006/customXml" ds:itemID="{7ACA9EC1-A498-469E-9FAB-CE090C2E0E75}">
+<ds:datastoreItem xmlns:ds="http://schemas.openxmlformats.org/officeDocument/2006/customXml" ds:itemID="{AF2F9DA8-E6EE-4A55-B1BF-8F222A7179D9}">
   <ds:schemaRefs>
-    <ds:schemaRef ds:uri="http://schemas.microsoft.com/office/2006/metadata/contentType"/>
-    <ds:schemaRef ds:uri="http://schemas.microsoft.com/office/2006/metadata/properties/metaAttributes"/>
-    <ds:schemaRef ds:uri="http://www.w3.org/2001/XMLSchema"/>
-    <ds:schemaRef ds:uri="http://schemas.microsoft.com/office/2006/metadata/properties"/>
-    <ds:schemaRef ds:uri="http://schemas.openxmlformats.org/package/2006/metadata/core-properties"/>
-    <ds:schemaRef ds:uri="http://purl.org/dc/elements/1.1/"/>
-    <ds:schemaRef ds:uri="http://purl.org/dc/terms/"/>
-    <ds:schemaRef ds:uri="http://schemas.microsoft.com/internal/obd"/>
-    <ds:schemaRef ds:uri="http://schemas.microsoft.com/office/infopath/2007/PartnerControls"/>
+    <ds:schemaRef ds:uri="http://schemas.microsoft.com/sharepoint/v3/contenttype/forms"/>
   </ds:schemaRefs>
 </ds:datastoreItem>
 </file>